--- a/CCDs/Skipper_Noise/spie_2024.pptx
+++ b/CCDs/Skipper_Noise/spie_2024.pptx
@@ -1,19 +1,119 @@
 
 <file path=ppt/presentation.xml><?xml version="1.0" encoding="utf-8"?>
-<p:presentation xmlns:a="http://schemas.openxmlformats.org/drawingml/2006/main" xmlns:p="http://schemas.openxmlformats.org/presentationml/2006/main" xmlns:r="http://schemas.openxmlformats.org/officeDocument/2006/relationships" xmlns:p14="http://schemas.microsoft.com/office/powerpoint/2010/main" xmlns:p15="http://schemas.microsoft.com/office/powerpoint/2012/main" xmlns:mc="http://schemas.openxmlformats.org/markup-compatibility/2006">
+<p:presentation xmlns:a="http://schemas.openxmlformats.org/drawingml/2006/main" xmlns:r="http://schemas.openxmlformats.org/officeDocument/2006/relationships" xmlns:p="http://schemas.openxmlformats.org/presentationml/2006/main">
   <p:sldMasterIdLst>
-    <p:sldMasterId id="2147483648" r:id="rId2"/>
+    <p:sldMasterId id="2147483648" r:id="rId1"/>
   </p:sldMasterIdLst>
   <p:sldIdLst>
-    <p:sldId id="256" r:id="rId3"/>
+    <p:sldId id="256" r:id="rId2"/>
   </p:sldIdLst>
   <p:sldSz cx="32399288" cy="43200638"/>
   <p:notesSz cx="7772400" cy="10058400"/>
+  <p:defaultTextStyle>
+    <a:defPPr>
+      <a:defRPr lang="en-US"/>
+    </a:defPPr>
+    <a:lvl1pPr marL="0" algn="l" defTabSz="914400" rtl="0" eaLnBrk="1" latinLnBrk="0" hangingPunct="1">
+      <a:defRPr sz="1800" kern="1200">
+        <a:solidFill>
+          <a:schemeClr val="tx1"/>
+        </a:solidFill>
+        <a:latin typeface="+mn-lt"/>
+        <a:ea typeface="+mn-ea"/>
+        <a:cs typeface="+mn-cs"/>
+      </a:defRPr>
+    </a:lvl1pPr>
+    <a:lvl2pPr marL="457200" algn="l" defTabSz="914400" rtl="0" eaLnBrk="1" latinLnBrk="0" hangingPunct="1">
+      <a:defRPr sz="1800" kern="1200">
+        <a:solidFill>
+          <a:schemeClr val="tx1"/>
+        </a:solidFill>
+        <a:latin typeface="+mn-lt"/>
+        <a:ea typeface="+mn-ea"/>
+        <a:cs typeface="+mn-cs"/>
+      </a:defRPr>
+    </a:lvl2pPr>
+    <a:lvl3pPr marL="914400" algn="l" defTabSz="914400" rtl="0" eaLnBrk="1" latinLnBrk="0" hangingPunct="1">
+      <a:defRPr sz="1800" kern="1200">
+        <a:solidFill>
+          <a:schemeClr val="tx1"/>
+        </a:solidFill>
+        <a:latin typeface="+mn-lt"/>
+        <a:ea typeface="+mn-ea"/>
+        <a:cs typeface="+mn-cs"/>
+      </a:defRPr>
+    </a:lvl3pPr>
+    <a:lvl4pPr marL="1371600" algn="l" defTabSz="914400" rtl="0" eaLnBrk="1" latinLnBrk="0" hangingPunct="1">
+      <a:defRPr sz="1800" kern="1200">
+        <a:solidFill>
+          <a:schemeClr val="tx1"/>
+        </a:solidFill>
+        <a:latin typeface="+mn-lt"/>
+        <a:ea typeface="+mn-ea"/>
+        <a:cs typeface="+mn-cs"/>
+      </a:defRPr>
+    </a:lvl4pPr>
+    <a:lvl5pPr marL="1828800" algn="l" defTabSz="914400" rtl="0" eaLnBrk="1" latinLnBrk="0" hangingPunct="1">
+      <a:defRPr sz="1800" kern="1200">
+        <a:solidFill>
+          <a:schemeClr val="tx1"/>
+        </a:solidFill>
+        <a:latin typeface="+mn-lt"/>
+        <a:ea typeface="+mn-ea"/>
+        <a:cs typeface="+mn-cs"/>
+      </a:defRPr>
+    </a:lvl5pPr>
+    <a:lvl6pPr marL="2286000" algn="l" defTabSz="914400" rtl="0" eaLnBrk="1" latinLnBrk="0" hangingPunct="1">
+      <a:defRPr sz="1800" kern="1200">
+        <a:solidFill>
+          <a:schemeClr val="tx1"/>
+        </a:solidFill>
+        <a:latin typeface="+mn-lt"/>
+        <a:ea typeface="+mn-ea"/>
+        <a:cs typeface="+mn-cs"/>
+      </a:defRPr>
+    </a:lvl6pPr>
+    <a:lvl7pPr marL="2743200" algn="l" defTabSz="914400" rtl="0" eaLnBrk="1" latinLnBrk="0" hangingPunct="1">
+      <a:defRPr sz="1800" kern="1200">
+        <a:solidFill>
+          <a:schemeClr val="tx1"/>
+        </a:solidFill>
+        <a:latin typeface="+mn-lt"/>
+        <a:ea typeface="+mn-ea"/>
+        <a:cs typeface="+mn-cs"/>
+      </a:defRPr>
+    </a:lvl7pPr>
+    <a:lvl8pPr marL="3200400" algn="l" defTabSz="914400" rtl="0" eaLnBrk="1" latinLnBrk="0" hangingPunct="1">
+      <a:defRPr sz="1800" kern="1200">
+        <a:solidFill>
+          <a:schemeClr val="tx1"/>
+        </a:solidFill>
+        <a:latin typeface="+mn-lt"/>
+        <a:ea typeface="+mn-ea"/>
+        <a:cs typeface="+mn-cs"/>
+      </a:defRPr>
+    </a:lvl8pPr>
+    <a:lvl9pPr marL="3657600" algn="l" defTabSz="914400" rtl="0" eaLnBrk="1" latinLnBrk="0" hangingPunct="1">
+      <a:defRPr sz="1800" kern="1200">
+        <a:solidFill>
+          <a:schemeClr val="tx1"/>
+        </a:solidFill>
+        <a:latin typeface="+mn-lt"/>
+        <a:ea typeface="+mn-ea"/>
+        <a:cs typeface="+mn-cs"/>
+      </a:defRPr>
+    </a:lvl9pPr>
+  </p:defaultTextStyle>
+  <p:extLst>
+    <p:ext uri="{EFAFB233-063F-42B5-8137-9DF3F51BA10A}">
+      <p15:sldGuideLst xmlns:p15="http://schemas.microsoft.com/office/powerpoint/2012/main"/>
+    </p:ext>
+  </p:extLst>
 </p:presentation>
 </file>
 
 <file path=ppt/slideLayouts/slideLayout1.xml><?xml version="1.0" encoding="utf-8"?>
-<p:sldLayout xmlns:a="http://schemas.openxmlformats.org/drawingml/2006/main" xmlns:p="http://schemas.openxmlformats.org/presentationml/2006/main" xmlns:r="http://schemas.openxmlformats.org/officeDocument/2006/relationships" xmlns:p14="http://schemas.microsoft.com/office/powerpoint/2010/main" xmlns:p15="http://schemas.microsoft.com/office/powerpoint/2012/main" xmlns:mc="http://schemas.openxmlformats.org/markup-compatibility/2006" type="blank" preserve="1">
+<p:sldLayout xmlns:a="http://schemas.openxmlformats.org/drawingml/2006/main" xmlns:r="http://schemas.openxmlformats.org/officeDocument/2006/relationships" xmlns:p="http://schemas.openxmlformats.org/presentationml/2006/main" type="blank" preserve="1">
   <p:cSld name="Blank Slide">
     <p:spTree>
       <p:nvGrpSpPr>
@@ -42,6 +142,7 @@
         <p:spPr/>
         <p:txBody>
           <a:bodyPr/>
+          <a:lstStyle/>
           <a:p>
             <a:r>
               <a:t>Footer</a:t>
@@ -62,10 +163,12 @@
         <p:spPr/>
         <p:txBody>
           <a:bodyPr/>
+          <a:lstStyle/>
           <a:p>
             <a:fld id="{36DA2D1B-7895-47C4-A809-C486A5C15317}" type="slidenum">
-              <a:t>&lt;#&gt;</a:t>
+              <a:t>‹#›</a:t>
             </a:fld>
+            <a:endParaRPr/>
           </a:p>
         </p:txBody>
       </p:sp>
@@ -82,21 +185,22 @@
         <p:spPr/>
         <p:txBody>
           <a:bodyPr/>
-          <a:p>
-            <a:r>
-              <a:rPr lang="en-CA"/>
-              <a:t/>
-            </a:r>
+          <a:lstStyle/>
+          <a:p>
+            <a:endParaRPr/>
           </a:p>
         </p:txBody>
       </p:sp>
     </p:spTree>
   </p:cSld>
+  <p:clrMapOvr>
+    <a:masterClrMapping/>
+  </p:clrMapOvr>
 </p:sldLayout>
 </file>
 
 <file path=ppt/slideLayouts/slideLayout10.xml><?xml version="1.0" encoding="utf-8"?>
-<p:sldLayout xmlns:a="http://schemas.openxmlformats.org/drawingml/2006/main" xmlns:p="http://schemas.openxmlformats.org/presentationml/2006/main" xmlns:r="http://schemas.openxmlformats.org/officeDocument/2006/relationships" xmlns:p14="http://schemas.microsoft.com/office/powerpoint/2010/main" xmlns:p15="http://schemas.microsoft.com/office/powerpoint/2012/main" xmlns:mc="http://schemas.openxmlformats.org/markup-compatibility/2006" type="objOverTx" preserve="1">
+<p:sldLayout xmlns:a="http://schemas.openxmlformats.org/drawingml/2006/main" xmlns:r="http://schemas.openxmlformats.org/officeDocument/2006/relationships" xmlns:p="http://schemas.openxmlformats.org/presentationml/2006/main" type="objOverTx" preserve="1">
   <p:cSld name="Title, Content over Content">
     <p:spTree>
       <p:nvGrpSpPr>
@@ -136,11 +240,12 @@
           </a:ln>
         </p:spPr>
         <p:txBody>
-          <a:bodyPr lIns="0" rIns="0" tIns="0" bIns="0" anchor="ctr">
+          <a:bodyPr lIns="0" tIns="0" rIns="0" bIns="0" anchor="ctr">
             <a:noAutofit/>
           </a:bodyPr>
-          <a:p>
-            <a:endParaRPr b="0" lang="en-US" sz="1800" spc="-1" strike="noStrike">
+          <a:lstStyle/>
+          <a:p>
+            <a:endParaRPr lang="en-US" sz="1800" b="0" strike="noStrike" spc="-1">
               <a:solidFill>
                 <a:srgbClr val="000000"/>
               </a:solidFill>
@@ -173,9 +278,10 @@
           </a:ln>
         </p:spPr>
         <p:txBody>
-          <a:bodyPr lIns="0" rIns="0" tIns="0" bIns="0" anchor="t">
+          <a:bodyPr lIns="0" tIns="0" rIns="0" bIns="0" anchor="t">
             <a:normAutofit/>
           </a:bodyPr>
+          <a:lstStyle/>
           <a:p>
             <a:pPr>
               <a:lnSpc>
@@ -186,7 +292,7 @@
               </a:spcBef>
               <a:buNone/>
             </a:pPr>
-            <a:endParaRPr b="0" lang="en-US" sz="9920" spc="-1" strike="noStrike">
+            <a:endParaRPr lang="en-US" sz="9920" b="0" strike="noStrike" spc="-1">
               <a:solidFill>
                 <a:srgbClr val="000000"/>
               </a:solidFill>
@@ -219,9 +325,10 @@
           </a:ln>
         </p:spPr>
         <p:txBody>
-          <a:bodyPr lIns="0" rIns="0" tIns="0" bIns="0" anchor="t">
+          <a:bodyPr lIns="0" tIns="0" rIns="0" bIns="0" anchor="t">
             <a:normAutofit/>
           </a:bodyPr>
+          <a:lstStyle/>
           <a:p>
             <a:pPr>
               <a:lnSpc>
@@ -232,7 +339,7 @@
               </a:spcBef>
               <a:buNone/>
             </a:pPr>
-            <a:endParaRPr b="0" lang="en-US" sz="9920" spc="-1" strike="noStrike">
+            <a:endParaRPr lang="en-US" sz="9920" b="0" strike="noStrike" spc="-1">
               <a:solidFill>
                 <a:srgbClr val="000000"/>
               </a:solidFill>
@@ -254,6 +361,7 @@
         <p:spPr/>
         <p:txBody>
           <a:bodyPr/>
+          <a:lstStyle/>
           <a:p>
             <a:r>
               <a:t>Footer</a:t>
@@ -274,10 +382,12 @@
         <p:spPr/>
         <p:txBody>
           <a:bodyPr/>
+          <a:lstStyle/>
           <a:p>
             <a:fld id="{DB04922B-17C9-4A9D-A92E-927CB4A5DCC8}" type="slidenum">
-              <a:t>&lt;#&gt;</a:t>
+              <a:t>‹#›</a:t>
             </a:fld>
+            <a:endParaRPr/>
           </a:p>
         </p:txBody>
       </p:sp>
@@ -294,21 +404,22 @@
         <p:spPr/>
         <p:txBody>
           <a:bodyPr/>
-          <a:p>
-            <a:r>
-              <a:rPr lang="en-CA"/>
-              <a:t/>
-            </a:r>
+          <a:lstStyle/>
+          <a:p>
+            <a:endParaRPr/>
           </a:p>
         </p:txBody>
       </p:sp>
     </p:spTree>
   </p:cSld>
+  <p:clrMapOvr>
+    <a:masterClrMapping/>
+  </p:clrMapOvr>
 </p:sldLayout>
 </file>
 
 <file path=ppt/slideLayouts/slideLayout11.xml><?xml version="1.0" encoding="utf-8"?>
-<p:sldLayout xmlns:a="http://schemas.openxmlformats.org/drawingml/2006/main" xmlns:p="http://schemas.openxmlformats.org/presentationml/2006/main" xmlns:r="http://schemas.openxmlformats.org/officeDocument/2006/relationships" xmlns:p14="http://schemas.microsoft.com/office/powerpoint/2010/main" xmlns:p15="http://schemas.microsoft.com/office/powerpoint/2012/main" xmlns:mc="http://schemas.openxmlformats.org/markup-compatibility/2006" type="fourObj" preserve="1">
+<p:sldLayout xmlns:a="http://schemas.openxmlformats.org/drawingml/2006/main" xmlns:r="http://schemas.openxmlformats.org/officeDocument/2006/relationships" xmlns:p="http://schemas.openxmlformats.org/presentationml/2006/main" type="fourObj" preserve="1">
   <p:cSld name="Title, 4 Content">
     <p:spTree>
       <p:nvGrpSpPr>
@@ -348,11 +459,12 @@
           </a:ln>
         </p:spPr>
         <p:txBody>
-          <a:bodyPr lIns="0" rIns="0" tIns="0" bIns="0" anchor="ctr">
+          <a:bodyPr lIns="0" tIns="0" rIns="0" bIns="0" anchor="ctr">
             <a:noAutofit/>
           </a:bodyPr>
-          <a:p>
-            <a:endParaRPr b="0" lang="en-US" sz="1800" spc="-1" strike="noStrike">
+          <a:lstStyle/>
+          <a:p>
+            <a:endParaRPr lang="en-US" sz="1800" b="0" strike="noStrike" spc="-1">
               <a:solidFill>
                 <a:srgbClr val="000000"/>
               </a:solidFill>
@@ -385,9 +497,10 @@
           </a:ln>
         </p:spPr>
         <p:txBody>
-          <a:bodyPr lIns="0" rIns="0" tIns="0" bIns="0" anchor="t">
+          <a:bodyPr lIns="0" tIns="0" rIns="0" bIns="0" anchor="t">
             <a:normAutofit/>
           </a:bodyPr>
+          <a:lstStyle/>
           <a:p>
             <a:pPr>
               <a:lnSpc>
@@ -398,7 +511,7 @@
               </a:spcBef>
               <a:buNone/>
             </a:pPr>
-            <a:endParaRPr b="0" lang="en-US" sz="9920" spc="-1" strike="noStrike">
+            <a:endParaRPr lang="en-US" sz="9920" b="0" strike="noStrike" spc="-1">
               <a:solidFill>
                 <a:srgbClr val="000000"/>
               </a:solidFill>
@@ -431,9 +544,10 @@
           </a:ln>
         </p:spPr>
         <p:txBody>
-          <a:bodyPr lIns="0" rIns="0" tIns="0" bIns="0" anchor="t">
+          <a:bodyPr lIns="0" tIns="0" rIns="0" bIns="0" anchor="t">
             <a:normAutofit/>
           </a:bodyPr>
+          <a:lstStyle/>
           <a:p>
             <a:pPr>
               <a:lnSpc>
@@ -444,7 +558,7 @@
               </a:spcBef>
               <a:buNone/>
             </a:pPr>
-            <a:endParaRPr b="0" lang="en-US" sz="9920" spc="-1" strike="noStrike">
+            <a:endParaRPr lang="en-US" sz="9920" b="0" strike="noStrike" spc="-1">
               <a:solidFill>
                 <a:srgbClr val="000000"/>
               </a:solidFill>
@@ -477,9 +591,10 @@
           </a:ln>
         </p:spPr>
         <p:txBody>
-          <a:bodyPr lIns="0" rIns="0" tIns="0" bIns="0" anchor="t">
+          <a:bodyPr lIns="0" tIns="0" rIns="0" bIns="0" anchor="t">
             <a:normAutofit/>
           </a:bodyPr>
+          <a:lstStyle/>
           <a:p>
             <a:pPr>
               <a:lnSpc>
@@ -490,7 +605,7 @@
               </a:spcBef>
               <a:buNone/>
             </a:pPr>
-            <a:endParaRPr b="0" lang="en-US" sz="9920" spc="-1" strike="noStrike">
+            <a:endParaRPr lang="en-US" sz="9920" b="0" strike="noStrike" spc="-1">
               <a:solidFill>
                 <a:srgbClr val="000000"/>
               </a:solidFill>
@@ -523,9 +638,10 @@
           </a:ln>
         </p:spPr>
         <p:txBody>
-          <a:bodyPr lIns="0" rIns="0" tIns="0" bIns="0" anchor="t">
+          <a:bodyPr lIns="0" tIns="0" rIns="0" bIns="0" anchor="t">
             <a:normAutofit/>
           </a:bodyPr>
+          <a:lstStyle/>
           <a:p>
             <a:pPr>
               <a:lnSpc>
@@ -536,7 +652,7 @@
               </a:spcBef>
               <a:buNone/>
             </a:pPr>
-            <a:endParaRPr b="0" lang="en-US" sz="9920" spc="-1" strike="noStrike">
+            <a:endParaRPr lang="en-US" sz="9920" b="0" strike="noStrike" spc="-1">
               <a:solidFill>
                 <a:srgbClr val="000000"/>
               </a:solidFill>
@@ -558,6 +674,7 @@
         <p:spPr/>
         <p:txBody>
           <a:bodyPr/>
+          <a:lstStyle/>
           <a:p>
             <a:r>
               <a:t>Footer</a:t>
@@ -578,10 +695,12 @@
         <p:spPr/>
         <p:txBody>
           <a:bodyPr/>
+          <a:lstStyle/>
           <a:p>
             <a:fld id="{397487FF-B699-482F-8A97-4F0E9DC02FB8}" type="slidenum">
-              <a:t>&lt;#&gt;</a:t>
+              <a:t>‹#›</a:t>
             </a:fld>
+            <a:endParaRPr/>
           </a:p>
         </p:txBody>
       </p:sp>
@@ -598,21 +717,22 @@
         <p:spPr/>
         <p:txBody>
           <a:bodyPr/>
-          <a:p>
-            <a:r>
-              <a:rPr lang="en-CA"/>
-              <a:t/>
-            </a:r>
+          <a:lstStyle/>
+          <a:p>
+            <a:endParaRPr/>
           </a:p>
         </p:txBody>
       </p:sp>
     </p:spTree>
   </p:cSld>
+  <p:clrMapOvr>
+    <a:masterClrMapping/>
+  </p:clrMapOvr>
 </p:sldLayout>
 </file>
 
 <file path=ppt/slideLayouts/slideLayout12.xml><?xml version="1.0" encoding="utf-8"?>
-<p:sldLayout xmlns:a="http://schemas.openxmlformats.org/drawingml/2006/main" xmlns:p="http://schemas.openxmlformats.org/presentationml/2006/main" xmlns:r="http://schemas.openxmlformats.org/officeDocument/2006/relationships" xmlns:p14="http://schemas.microsoft.com/office/powerpoint/2010/main" xmlns:p15="http://schemas.microsoft.com/office/powerpoint/2012/main" xmlns:mc="http://schemas.openxmlformats.org/markup-compatibility/2006" type="blank" preserve="1">
+<p:sldLayout xmlns:a="http://schemas.openxmlformats.org/drawingml/2006/main" xmlns:r="http://schemas.openxmlformats.org/officeDocument/2006/relationships" xmlns:p="http://schemas.openxmlformats.org/presentationml/2006/main" type="blank" preserve="1">
   <p:cSld name="Title, 6 Content">
     <p:spTree>
       <p:nvGrpSpPr>
@@ -652,11 +772,12 @@
           </a:ln>
         </p:spPr>
         <p:txBody>
-          <a:bodyPr lIns="0" rIns="0" tIns="0" bIns="0" anchor="ctr">
+          <a:bodyPr lIns="0" tIns="0" rIns="0" bIns="0" anchor="ctr">
             <a:noAutofit/>
           </a:bodyPr>
-          <a:p>
-            <a:endParaRPr b="0" lang="en-US" sz="1800" spc="-1" strike="noStrike">
+          <a:lstStyle/>
+          <a:p>
+            <a:endParaRPr lang="en-US" sz="1800" b="0" strike="noStrike" spc="-1">
               <a:solidFill>
                 <a:srgbClr val="000000"/>
               </a:solidFill>
@@ -689,9 +810,10 @@
           </a:ln>
         </p:spPr>
         <p:txBody>
-          <a:bodyPr lIns="0" rIns="0" tIns="0" bIns="0" anchor="t">
+          <a:bodyPr lIns="0" tIns="0" rIns="0" bIns="0" anchor="t">
             <a:normAutofit/>
           </a:bodyPr>
+          <a:lstStyle/>
           <a:p>
             <a:pPr>
               <a:lnSpc>
@@ -702,7 +824,7 @@
               </a:spcBef>
               <a:buNone/>
             </a:pPr>
-            <a:endParaRPr b="0" lang="en-US" sz="9920" spc="-1" strike="noStrike">
+            <a:endParaRPr lang="en-US" sz="9920" b="0" strike="noStrike" spc="-1">
               <a:solidFill>
                 <a:srgbClr val="000000"/>
               </a:solidFill>
@@ -735,9 +857,10 @@
           </a:ln>
         </p:spPr>
         <p:txBody>
-          <a:bodyPr lIns="0" rIns="0" tIns="0" bIns="0" anchor="t">
+          <a:bodyPr lIns="0" tIns="0" rIns="0" bIns="0" anchor="t">
             <a:normAutofit/>
           </a:bodyPr>
+          <a:lstStyle/>
           <a:p>
             <a:pPr>
               <a:lnSpc>
@@ -748,7 +871,7 @@
               </a:spcBef>
               <a:buNone/>
             </a:pPr>
-            <a:endParaRPr b="0" lang="en-US" sz="9920" spc="-1" strike="noStrike">
+            <a:endParaRPr lang="en-US" sz="9920" b="0" strike="noStrike" spc="-1">
               <a:solidFill>
                 <a:srgbClr val="000000"/>
               </a:solidFill>
@@ -781,9 +904,10 @@
           </a:ln>
         </p:spPr>
         <p:txBody>
-          <a:bodyPr lIns="0" rIns="0" tIns="0" bIns="0" anchor="t">
+          <a:bodyPr lIns="0" tIns="0" rIns="0" bIns="0" anchor="t">
             <a:normAutofit/>
           </a:bodyPr>
+          <a:lstStyle/>
           <a:p>
             <a:pPr>
               <a:lnSpc>
@@ -794,7 +918,7 @@
               </a:spcBef>
               <a:buNone/>
             </a:pPr>
-            <a:endParaRPr b="0" lang="en-US" sz="9920" spc="-1" strike="noStrike">
+            <a:endParaRPr lang="en-US" sz="9920" b="0" strike="noStrike" spc="-1">
               <a:solidFill>
                 <a:srgbClr val="000000"/>
               </a:solidFill>
@@ -827,9 +951,10 @@
           </a:ln>
         </p:spPr>
         <p:txBody>
-          <a:bodyPr lIns="0" rIns="0" tIns="0" bIns="0" anchor="t">
+          <a:bodyPr lIns="0" tIns="0" rIns="0" bIns="0" anchor="t">
             <a:normAutofit/>
           </a:bodyPr>
+          <a:lstStyle/>
           <a:p>
             <a:pPr>
               <a:lnSpc>
@@ -840,7 +965,7 @@
               </a:spcBef>
               <a:buNone/>
             </a:pPr>
-            <a:endParaRPr b="0" lang="en-US" sz="9920" spc="-1" strike="noStrike">
+            <a:endParaRPr lang="en-US" sz="9920" b="0" strike="noStrike" spc="-1">
               <a:solidFill>
                 <a:srgbClr val="000000"/>
               </a:solidFill>
@@ -873,9 +998,10 @@
           </a:ln>
         </p:spPr>
         <p:txBody>
-          <a:bodyPr lIns="0" rIns="0" tIns="0" bIns="0" anchor="t">
+          <a:bodyPr lIns="0" tIns="0" rIns="0" bIns="0" anchor="t">
             <a:normAutofit/>
           </a:bodyPr>
+          <a:lstStyle/>
           <a:p>
             <a:pPr>
               <a:lnSpc>
@@ -886,7 +1012,7 @@
               </a:spcBef>
               <a:buNone/>
             </a:pPr>
-            <a:endParaRPr b="0" lang="en-US" sz="9920" spc="-1" strike="noStrike">
+            <a:endParaRPr lang="en-US" sz="9920" b="0" strike="noStrike" spc="-1">
               <a:solidFill>
                 <a:srgbClr val="000000"/>
               </a:solidFill>
@@ -919,9 +1045,10 @@
           </a:ln>
         </p:spPr>
         <p:txBody>
-          <a:bodyPr lIns="0" rIns="0" tIns="0" bIns="0" anchor="t">
+          <a:bodyPr lIns="0" tIns="0" rIns="0" bIns="0" anchor="t">
             <a:normAutofit/>
           </a:bodyPr>
+          <a:lstStyle/>
           <a:p>
             <a:pPr>
               <a:lnSpc>
@@ -932,7 +1059,7 @@
               </a:spcBef>
               <a:buNone/>
             </a:pPr>
-            <a:endParaRPr b="0" lang="en-US" sz="9920" spc="-1" strike="noStrike">
+            <a:endParaRPr lang="en-US" sz="9920" b="0" strike="noStrike" spc="-1">
               <a:solidFill>
                 <a:srgbClr val="000000"/>
               </a:solidFill>
@@ -954,6 +1081,7 @@
         <p:spPr/>
         <p:txBody>
           <a:bodyPr/>
+          <a:lstStyle/>
           <a:p>
             <a:r>
               <a:t>Footer</a:t>
@@ -974,10 +1102,12 @@
         <p:spPr/>
         <p:txBody>
           <a:bodyPr/>
+          <a:lstStyle/>
           <a:p>
             <a:fld id="{A54F08B9-2913-4D89-AB1E-BC1C7BE479F1}" type="slidenum">
-              <a:t>&lt;#&gt;</a:t>
+              <a:t>‹#›</a:t>
             </a:fld>
+            <a:endParaRPr/>
           </a:p>
         </p:txBody>
       </p:sp>
@@ -994,21 +1124,22 @@
         <p:spPr/>
         <p:txBody>
           <a:bodyPr/>
-          <a:p>
-            <a:r>
-              <a:rPr lang="en-CA"/>
-              <a:t/>
-            </a:r>
+          <a:lstStyle/>
+          <a:p>
+            <a:endParaRPr/>
           </a:p>
         </p:txBody>
       </p:sp>
     </p:spTree>
   </p:cSld>
+  <p:clrMapOvr>
+    <a:masterClrMapping/>
+  </p:clrMapOvr>
 </p:sldLayout>
 </file>
 
 <file path=ppt/slideLayouts/slideLayout2.xml><?xml version="1.0" encoding="utf-8"?>
-<p:sldLayout xmlns:a="http://schemas.openxmlformats.org/drawingml/2006/main" xmlns:p="http://schemas.openxmlformats.org/presentationml/2006/main" xmlns:r="http://schemas.openxmlformats.org/officeDocument/2006/relationships" xmlns:p14="http://schemas.microsoft.com/office/powerpoint/2010/main" xmlns:p15="http://schemas.microsoft.com/office/powerpoint/2012/main" xmlns:mc="http://schemas.openxmlformats.org/markup-compatibility/2006" type="tx" preserve="1">
+<p:sldLayout xmlns:a="http://schemas.openxmlformats.org/drawingml/2006/main" xmlns:r="http://schemas.openxmlformats.org/officeDocument/2006/relationships" xmlns:p="http://schemas.openxmlformats.org/presentationml/2006/main" type="tx" preserve="1">
   <p:cSld name="Title Slide">
     <p:spTree>
       <p:nvGrpSpPr>
@@ -1048,11 +1179,12 @@
           </a:ln>
         </p:spPr>
         <p:txBody>
-          <a:bodyPr lIns="0" rIns="0" tIns="0" bIns="0" anchor="ctr">
+          <a:bodyPr lIns="0" tIns="0" rIns="0" bIns="0" anchor="ctr">
             <a:noAutofit/>
           </a:bodyPr>
-          <a:p>
-            <a:endParaRPr b="0" lang="en-US" sz="1800" spc="-1" strike="noStrike">
+          <a:lstStyle/>
+          <a:p>
+            <a:endParaRPr lang="en-US" sz="1800" b="0" strike="noStrike" spc="-1">
               <a:solidFill>
                 <a:srgbClr val="000000"/>
               </a:solidFill>
@@ -1085,14 +1217,15 @@
           </a:ln>
         </p:spPr>
         <p:txBody>
-          <a:bodyPr lIns="0" rIns="0" tIns="0" bIns="0" anchor="ctr">
+          <a:bodyPr lIns="0" tIns="0" rIns="0" bIns="0" anchor="ctr">
             <a:noAutofit/>
           </a:bodyPr>
+          <a:lstStyle/>
           <a:p>
             <a:pPr algn="ctr">
               <a:buNone/>
             </a:pPr>
-            <a:endParaRPr b="0" lang="en-CA" sz="3200" spc="-1" strike="noStrike">
+            <a:endParaRPr lang="en-CA" sz="3200" b="0" strike="noStrike" spc="-1">
               <a:latin typeface="Arial"/>
             </a:endParaRPr>
           </a:p>
@@ -1100,7 +1233,7 @@
       </p:sp>
       <p:sp>
         <p:nvSpPr>
-          <p:cNvPr id="4" name="PlaceHolder 3"/>
+          <p:cNvPr id="2" name="PlaceHolder 3"/>
           <p:cNvSpPr>
             <a:spLocks noGrp="1"/>
           </p:cNvSpPr>
@@ -1111,6 +1244,7 @@
         <p:spPr/>
         <p:txBody>
           <a:bodyPr/>
+          <a:lstStyle/>
           <a:p>
             <a:r>
               <a:t>Footer</a:t>
@@ -1120,7 +1254,7 @@
       </p:sp>
       <p:sp>
         <p:nvSpPr>
-          <p:cNvPr id="5" name="PlaceHolder 4"/>
+          <p:cNvPr id="3" name="PlaceHolder 4"/>
           <p:cNvSpPr>
             <a:spLocks noGrp="1"/>
           </p:cNvSpPr>
@@ -1131,10 +1265,12 @@
         <p:spPr/>
         <p:txBody>
           <a:bodyPr/>
+          <a:lstStyle/>
           <a:p>
             <a:fld id="{B3E3B536-8248-486F-A351-6AB92C248C26}" type="slidenum">
-              <a:t>&lt;#&gt;</a:t>
+              <a:t>‹#›</a:t>
             </a:fld>
+            <a:endParaRPr/>
           </a:p>
         </p:txBody>
       </p:sp>
@@ -1151,21 +1287,22 @@
         <p:spPr/>
         <p:txBody>
           <a:bodyPr/>
-          <a:p>
-            <a:r>
-              <a:rPr lang="en-CA"/>
-              <a:t/>
-            </a:r>
+          <a:lstStyle/>
+          <a:p>
+            <a:endParaRPr/>
           </a:p>
         </p:txBody>
       </p:sp>
     </p:spTree>
   </p:cSld>
+  <p:clrMapOvr>
+    <a:masterClrMapping/>
+  </p:clrMapOvr>
 </p:sldLayout>
 </file>
 
 <file path=ppt/slideLayouts/slideLayout3.xml><?xml version="1.0" encoding="utf-8"?>
-<p:sldLayout xmlns:a="http://schemas.openxmlformats.org/drawingml/2006/main" xmlns:p="http://schemas.openxmlformats.org/presentationml/2006/main" xmlns:r="http://schemas.openxmlformats.org/officeDocument/2006/relationships" xmlns:p14="http://schemas.microsoft.com/office/powerpoint/2010/main" xmlns:p15="http://schemas.microsoft.com/office/powerpoint/2012/main" xmlns:mc="http://schemas.openxmlformats.org/markup-compatibility/2006" type="obj" preserve="1">
+<p:sldLayout xmlns:a="http://schemas.openxmlformats.org/drawingml/2006/main" xmlns:r="http://schemas.openxmlformats.org/officeDocument/2006/relationships" xmlns:p="http://schemas.openxmlformats.org/presentationml/2006/main" type="obj" preserve="1">
   <p:cSld name="Title, Content">
     <p:spTree>
       <p:nvGrpSpPr>
@@ -1205,11 +1342,12 @@
           </a:ln>
         </p:spPr>
         <p:txBody>
-          <a:bodyPr lIns="0" rIns="0" tIns="0" bIns="0" anchor="ctr">
+          <a:bodyPr lIns="0" tIns="0" rIns="0" bIns="0" anchor="ctr">
             <a:noAutofit/>
           </a:bodyPr>
-          <a:p>
-            <a:endParaRPr b="0" lang="en-US" sz="1800" spc="-1" strike="noStrike">
+          <a:lstStyle/>
+          <a:p>
+            <a:endParaRPr lang="en-US" sz="1800" b="0" strike="noStrike" spc="-1">
               <a:solidFill>
                 <a:srgbClr val="000000"/>
               </a:solidFill>
@@ -1242,9 +1380,10 @@
           </a:ln>
         </p:spPr>
         <p:txBody>
-          <a:bodyPr lIns="0" rIns="0" tIns="0" bIns="0" anchor="t">
+          <a:bodyPr lIns="0" tIns="0" rIns="0" bIns="0" anchor="t">
             <a:normAutofit/>
           </a:bodyPr>
+          <a:lstStyle/>
           <a:p>
             <a:pPr>
               <a:lnSpc>
@@ -1255,7 +1394,7 @@
               </a:spcBef>
               <a:buNone/>
             </a:pPr>
-            <a:endParaRPr b="0" lang="en-US" sz="9920" spc="-1" strike="noStrike">
+            <a:endParaRPr lang="en-US" sz="9920" b="0" strike="noStrike" spc="-1">
               <a:solidFill>
                 <a:srgbClr val="000000"/>
               </a:solidFill>
@@ -1277,6 +1416,7 @@
         <p:spPr/>
         <p:txBody>
           <a:bodyPr/>
+          <a:lstStyle/>
           <a:p>
             <a:r>
               <a:t>Footer</a:t>
@@ -1297,16 +1437,18 @@
         <p:spPr/>
         <p:txBody>
           <a:bodyPr/>
+          <a:lstStyle/>
           <a:p>
             <a:fld id="{70A323F8-7584-4326-9613-1FE5564475B3}" type="slidenum">
-              <a:t>&lt;#&gt;</a:t>
+              <a:t>‹#›</a:t>
             </a:fld>
-          </a:p>
-        </p:txBody>
-      </p:sp>
-      <p:sp>
-        <p:nvSpPr>
-          <p:cNvPr id="6" name="PlaceHolder 5"/>
+            <a:endParaRPr/>
+          </a:p>
+        </p:txBody>
+      </p:sp>
+      <p:sp>
+        <p:nvSpPr>
+          <p:cNvPr id="2" name="PlaceHolder 5"/>
           <p:cNvSpPr>
             <a:spLocks noGrp="1"/>
           </p:cNvSpPr>
@@ -1317,21 +1459,22 @@
         <p:spPr/>
         <p:txBody>
           <a:bodyPr/>
-          <a:p>
-            <a:r>
-              <a:rPr lang="en-CA"/>
-              <a:t/>
-            </a:r>
+          <a:lstStyle/>
+          <a:p>
+            <a:endParaRPr/>
           </a:p>
         </p:txBody>
       </p:sp>
     </p:spTree>
   </p:cSld>
+  <p:clrMapOvr>
+    <a:masterClrMapping/>
+  </p:clrMapOvr>
 </p:sldLayout>
 </file>
 
 <file path=ppt/slideLayouts/slideLayout4.xml><?xml version="1.0" encoding="utf-8"?>
-<p:sldLayout xmlns:a="http://schemas.openxmlformats.org/drawingml/2006/main" xmlns:p="http://schemas.openxmlformats.org/presentationml/2006/main" xmlns:r="http://schemas.openxmlformats.org/officeDocument/2006/relationships" xmlns:p14="http://schemas.microsoft.com/office/powerpoint/2010/main" xmlns:p15="http://schemas.microsoft.com/office/powerpoint/2012/main" xmlns:mc="http://schemas.openxmlformats.org/markup-compatibility/2006" type="twoObj" preserve="1">
+<p:sldLayout xmlns:a="http://schemas.openxmlformats.org/drawingml/2006/main" xmlns:r="http://schemas.openxmlformats.org/officeDocument/2006/relationships" xmlns:p="http://schemas.openxmlformats.org/presentationml/2006/main" type="twoObj" preserve="1">
   <p:cSld name="Title, 2 Content">
     <p:spTree>
       <p:nvGrpSpPr>
@@ -1371,11 +1514,12 @@
           </a:ln>
         </p:spPr>
         <p:txBody>
-          <a:bodyPr lIns="0" rIns="0" tIns="0" bIns="0" anchor="ctr">
+          <a:bodyPr lIns="0" tIns="0" rIns="0" bIns="0" anchor="ctr">
             <a:noAutofit/>
           </a:bodyPr>
-          <a:p>
-            <a:endParaRPr b="0" lang="en-US" sz="1800" spc="-1" strike="noStrike">
+          <a:lstStyle/>
+          <a:p>
+            <a:endParaRPr lang="en-US" sz="1800" b="0" strike="noStrike" spc="-1">
               <a:solidFill>
                 <a:srgbClr val="000000"/>
               </a:solidFill>
@@ -1408,9 +1552,10 @@
           </a:ln>
         </p:spPr>
         <p:txBody>
-          <a:bodyPr lIns="0" rIns="0" tIns="0" bIns="0" anchor="t">
+          <a:bodyPr lIns="0" tIns="0" rIns="0" bIns="0" anchor="t">
             <a:normAutofit/>
           </a:bodyPr>
+          <a:lstStyle/>
           <a:p>
             <a:pPr>
               <a:lnSpc>
@@ -1421,7 +1566,7 @@
               </a:spcBef>
               <a:buNone/>
             </a:pPr>
-            <a:endParaRPr b="0" lang="en-US" sz="9920" spc="-1" strike="noStrike">
+            <a:endParaRPr lang="en-US" sz="9920" b="0" strike="noStrike" spc="-1">
               <a:solidFill>
                 <a:srgbClr val="000000"/>
               </a:solidFill>
@@ -1454,9 +1599,10 @@
           </a:ln>
         </p:spPr>
         <p:txBody>
-          <a:bodyPr lIns="0" rIns="0" tIns="0" bIns="0" anchor="t">
+          <a:bodyPr lIns="0" tIns="0" rIns="0" bIns="0" anchor="t">
             <a:normAutofit/>
           </a:bodyPr>
+          <a:lstStyle/>
           <a:p>
             <a:pPr>
               <a:lnSpc>
@@ -1467,7 +1613,7 @@
               </a:spcBef>
               <a:buNone/>
             </a:pPr>
-            <a:endParaRPr b="0" lang="en-US" sz="9920" spc="-1" strike="noStrike">
+            <a:endParaRPr lang="en-US" sz="9920" b="0" strike="noStrike" spc="-1">
               <a:solidFill>
                 <a:srgbClr val="000000"/>
               </a:solidFill>
@@ -1489,6 +1635,7 @@
         <p:spPr/>
         <p:txBody>
           <a:bodyPr/>
+          <a:lstStyle/>
           <a:p>
             <a:r>
               <a:t>Footer</a:t>
@@ -1509,10 +1656,12 @@
         <p:spPr/>
         <p:txBody>
           <a:bodyPr/>
+          <a:lstStyle/>
           <a:p>
             <a:fld id="{A19E13BB-8B0D-4284-801B-D0B5B7B603A1}" type="slidenum">
-              <a:t>&lt;#&gt;</a:t>
+              <a:t>‹#›</a:t>
             </a:fld>
+            <a:endParaRPr/>
           </a:p>
         </p:txBody>
       </p:sp>
@@ -1529,21 +1678,22 @@
         <p:spPr/>
         <p:txBody>
           <a:bodyPr/>
-          <a:p>
-            <a:r>
-              <a:rPr lang="en-CA"/>
-              <a:t/>
-            </a:r>
+          <a:lstStyle/>
+          <a:p>
+            <a:endParaRPr/>
           </a:p>
         </p:txBody>
       </p:sp>
     </p:spTree>
   </p:cSld>
+  <p:clrMapOvr>
+    <a:masterClrMapping/>
+  </p:clrMapOvr>
 </p:sldLayout>
 </file>
 
 <file path=ppt/slideLayouts/slideLayout5.xml><?xml version="1.0" encoding="utf-8"?>
-<p:sldLayout xmlns:a="http://schemas.openxmlformats.org/drawingml/2006/main" xmlns:p="http://schemas.openxmlformats.org/presentationml/2006/main" xmlns:r="http://schemas.openxmlformats.org/officeDocument/2006/relationships" xmlns:p14="http://schemas.microsoft.com/office/powerpoint/2010/main" xmlns:p15="http://schemas.microsoft.com/office/powerpoint/2012/main" xmlns:mc="http://schemas.openxmlformats.org/markup-compatibility/2006" type="titleOnly" preserve="1">
+<p:sldLayout xmlns:a="http://schemas.openxmlformats.org/drawingml/2006/main" xmlns:r="http://schemas.openxmlformats.org/officeDocument/2006/relationships" xmlns:p="http://schemas.openxmlformats.org/presentationml/2006/main" type="titleOnly" preserve="1">
   <p:cSld name="Title Only">
     <p:spTree>
       <p:nvGrpSpPr>
@@ -1583,11 +1733,12 @@
           </a:ln>
         </p:spPr>
         <p:txBody>
-          <a:bodyPr lIns="0" rIns="0" tIns="0" bIns="0" anchor="ctr">
+          <a:bodyPr lIns="0" tIns="0" rIns="0" bIns="0" anchor="ctr">
             <a:noAutofit/>
           </a:bodyPr>
-          <a:p>
-            <a:endParaRPr b="0" lang="en-US" sz="1800" spc="-1" strike="noStrike">
+          <a:lstStyle/>
+          <a:p>
+            <a:endParaRPr lang="en-US" sz="1800" b="0" strike="noStrike" spc="-1">
               <a:solidFill>
                 <a:srgbClr val="000000"/>
               </a:solidFill>
@@ -1609,6 +1760,7 @@
         <p:spPr/>
         <p:txBody>
           <a:bodyPr/>
+          <a:lstStyle/>
           <a:p>
             <a:r>
               <a:t>Footer</a:t>
@@ -1629,10 +1781,12 @@
         <p:spPr/>
         <p:txBody>
           <a:bodyPr/>
+          <a:lstStyle/>
           <a:p>
             <a:fld id="{79EA1D1C-9246-4F36-A29D-CC1764F7494C}" type="slidenum">
-              <a:t>&lt;#&gt;</a:t>
+              <a:t>‹#›</a:t>
             </a:fld>
+            <a:endParaRPr/>
           </a:p>
         </p:txBody>
       </p:sp>
@@ -1649,21 +1803,22 @@
         <p:spPr/>
         <p:txBody>
           <a:bodyPr/>
-          <a:p>
-            <a:r>
-              <a:rPr lang="en-CA"/>
-              <a:t/>
-            </a:r>
+          <a:lstStyle/>
+          <a:p>
+            <a:endParaRPr/>
           </a:p>
         </p:txBody>
       </p:sp>
     </p:spTree>
   </p:cSld>
+  <p:clrMapOvr>
+    <a:masterClrMapping/>
+  </p:clrMapOvr>
 </p:sldLayout>
 </file>
 
 <file path=ppt/slideLayouts/slideLayout6.xml><?xml version="1.0" encoding="utf-8"?>
-<p:sldLayout xmlns:a="http://schemas.openxmlformats.org/drawingml/2006/main" xmlns:p="http://schemas.openxmlformats.org/presentationml/2006/main" xmlns:r="http://schemas.openxmlformats.org/officeDocument/2006/relationships" xmlns:p14="http://schemas.microsoft.com/office/powerpoint/2010/main" xmlns:p15="http://schemas.microsoft.com/office/powerpoint/2012/main" xmlns:mc="http://schemas.openxmlformats.org/markup-compatibility/2006" type="objOnly" preserve="1">
+<p:sldLayout xmlns:a="http://schemas.openxmlformats.org/drawingml/2006/main" xmlns:r="http://schemas.openxmlformats.org/officeDocument/2006/relationships" xmlns:p="http://schemas.openxmlformats.org/presentationml/2006/main" type="objOnly" preserve="1">
   <p:cSld name="Centered Text">
     <p:spTree>
       <p:nvGrpSpPr>
@@ -1703,14 +1858,15 @@
           </a:ln>
         </p:spPr>
         <p:txBody>
-          <a:bodyPr lIns="0" rIns="0" tIns="0" bIns="0" anchor="ctr">
+          <a:bodyPr lIns="0" tIns="0" rIns="0" bIns="0" anchor="ctr">
             <a:noAutofit/>
           </a:bodyPr>
+          <a:lstStyle/>
           <a:p>
             <a:pPr algn="ctr">
               <a:buNone/>
             </a:pPr>
-            <a:endParaRPr b="0" lang="en-CA" sz="3200" spc="-1" strike="noStrike">
+            <a:endParaRPr lang="en-CA" sz="3200" b="0" strike="noStrike" spc="-1">
               <a:latin typeface="Arial"/>
             </a:endParaRPr>
           </a:p>
@@ -1729,6 +1885,7 @@
         <p:spPr/>
         <p:txBody>
           <a:bodyPr/>
+          <a:lstStyle/>
           <a:p>
             <a:r>
               <a:t>Footer</a:t>
@@ -1749,10 +1906,12 @@
         <p:spPr/>
         <p:txBody>
           <a:bodyPr/>
+          <a:lstStyle/>
           <a:p>
             <a:fld id="{06C753B2-B97D-4582-9A1B-91E395834511}" type="slidenum">
-              <a:t>&lt;#&gt;</a:t>
+              <a:t>‹#›</a:t>
             </a:fld>
+            <a:endParaRPr/>
           </a:p>
         </p:txBody>
       </p:sp>
@@ -1769,21 +1928,22 @@
         <p:spPr/>
         <p:txBody>
           <a:bodyPr/>
-          <a:p>
-            <a:r>
-              <a:rPr lang="en-CA"/>
-              <a:t/>
-            </a:r>
+          <a:lstStyle/>
+          <a:p>
+            <a:endParaRPr/>
           </a:p>
         </p:txBody>
       </p:sp>
     </p:spTree>
   </p:cSld>
+  <p:clrMapOvr>
+    <a:masterClrMapping/>
+  </p:clrMapOvr>
 </p:sldLayout>
 </file>
 
 <file path=ppt/slideLayouts/slideLayout7.xml><?xml version="1.0" encoding="utf-8"?>
-<p:sldLayout xmlns:a="http://schemas.openxmlformats.org/drawingml/2006/main" xmlns:p="http://schemas.openxmlformats.org/presentationml/2006/main" xmlns:r="http://schemas.openxmlformats.org/officeDocument/2006/relationships" xmlns:p14="http://schemas.microsoft.com/office/powerpoint/2010/main" xmlns:p15="http://schemas.microsoft.com/office/powerpoint/2012/main" xmlns:mc="http://schemas.openxmlformats.org/markup-compatibility/2006" type="twoObjAndObj" preserve="1">
+<p:sldLayout xmlns:a="http://schemas.openxmlformats.org/drawingml/2006/main" xmlns:r="http://schemas.openxmlformats.org/officeDocument/2006/relationships" xmlns:p="http://schemas.openxmlformats.org/presentationml/2006/main" type="twoObjAndObj" preserve="1">
   <p:cSld name="Title, 2 Content and Content">
     <p:spTree>
       <p:nvGrpSpPr>
@@ -1823,11 +1983,12 @@
           </a:ln>
         </p:spPr>
         <p:txBody>
-          <a:bodyPr lIns="0" rIns="0" tIns="0" bIns="0" anchor="ctr">
+          <a:bodyPr lIns="0" tIns="0" rIns="0" bIns="0" anchor="ctr">
             <a:noAutofit/>
           </a:bodyPr>
-          <a:p>
-            <a:endParaRPr b="0" lang="en-US" sz="1800" spc="-1" strike="noStrike">
+          <a:lstStyle/>
+          <a:p>
+            <a:endParaRPr lang="en-US" sz="1800" b="0" strike="noStrike" spc="-1">
               <a:solidFill>
                 <a:srgbClr val="000000"/>
               </a:solidFill>
@@ -1860,9 +2021,10 @@
           </a:ln>
         </p:spPr>
         <p:txBody>
-          <a:bodyPr lIns="0" rIns="0" tIns="0" bIns="0" anchor="t">
+          <a:bodyPr lIns="0" tIns="0" rIns="0" bIns="0" anchor="t">
             <a:normAutofit/>
           </a:bodyPr>
+          <a:lstStyle/>
           <a:p>
             <a:pPr>
               <a:lnSpc>
@@ -1873,7 +2035,7 @@
               </a:spcBef>
               <a:buNone/>
             </a:pPr>
-            <a:endParaRPr b="0" lang="en-US" sz="9920" spc="-1" strike="noStrike">
+            <a:endParaRPr lang="en-US" sz="9920" b="0" strike="noStrike" spc="-1">
               <a:solidFill>
                 <a:srgbClr val="000000"/>
               </a:solidFill>
@@ -1906,9 +2068,10 @@
           </a:ln>
         </p:spPr>
         <p:txBody>
-          <a:bodyPr lIns="0" rIns="0" tIns="0" bIns="0" anchor="t">
+          <a:bodyPr lIns="0" tIns="0" rIns="0" bIns="0" anchor="t">
             <a:normAutofit/>
           </a:bodyPr>
+          <a:lstStyle/>
           <a:p>
             <a:pPr>
               <a:lnSpc>
@@ -1919,7 +2082,7 @@
               </a:spcBef>
               <a:buNone/>
             </a:pPr>
-            <a:endParaRPr b="0" lang="en-US" sz="9920" spc="-1" strike="noStrike">
+            <a:endParaRPr lang="en-US" sz="9920" b="0" strike="noStrike" spc="-1">
               <a:solidFill>
                 <a:srgbClr val="000000"/>
               </a:solidFill>
@@ -1952,9 +2115,10 @@
           </a:ln>
         </p:spPr>
         <p:txBody>
-          <a:bodyPr lIns="0" rIns="0" tIns="0" bIns="0" anchor="t">
+          <a:bodyPr lIns="0" tIns="0" rIns="0" bIns="0" anchor="t">
             <a:normAutofit/>
           </a:bodyPr>
+          <a:lstStyle/>
           <a:p>
             <a:pPr>
               <a:lnSpc>
@@ -1965,7 +2129,7 @@
               </a:spcBef>
               <a:buNone/>
             </a:pPr>
-            <a:endParaRPr b="0" lang="en-US" sz="9920" spc="-1" strike="noStrike">
+            <a:endParaRPr lang="en-US" sz="9920" b="0" strike="noStrike" spc="-1">
               <a:solidFill>
                 <a:srgbClr val="000000"/>
               </a:solidFill>
@@ -1987,6 +2151,7 @@
         <p:spPr/>
         <p:txBody>
           <a:bodyPr/>
+          <a:lstStyle/>
           <a:p>
             <a:r>
               <a:t>Footer</a:t>
@@ -2007,10 +2172,12 @@
         <p:spPr/>
         <p:txBody>
           <a:bodyPr/>
+          <a:lstStyle/>
           <a:p>
             <a:fld id="{ABB356F2-7AE2-40BB-91CD-43597EA87868}" type="slidenum">
-              <a:t>&lt;#&gt;</a:t>
+              <a:t>‹#›</a:t>
             </a:fld>
+            <a:endParaRPr/>
           </a:p>
         </p:txBody>
       </p:sp>
@@ -2027,21 +2194,22 @@
         <p:spPr/>
         <p:txBody>
           <a:bodyPr/>
-          <a:p>
-            <a:r>
-              <a:rPr lang="en-CA"/>
-              <a:t/>
-            </a:r>
+          <a:lstStyle/>
+          <a:p>
+            <a:endParaRPr/>
           </a:p>
         </p:txBody>
       </p:sp>
     </p:spTree>
   </p:cSld>
+  <p:clrMapOvr>
+    <a:masterClrMapping/>
+  </p:clrMapOvr>
 </p:sldLayout>
 </file>
 
 <file path=ppt/slideLayouts/slideLayout8.xml><?xml version="1.0" encoding="utf-8"?>
-<p:sldLayout xmlns:a="http://schemas.openxmlformats.org/drawingml/2006/main" xmlns:p="http://schemas.openxmlformats.org/presentationml/2006/main" xmlns:r="http://schemas.openxmlformats.org/officeDocument/2006/relationships" xmlns:p14="http://schemas.microsoft.com/office/powerpoint/2010/main" xmlns:p15="http://schemas.microsoft.com/office/powerpoint/2012/main" xmlns:mc="http://schemas.openxmlformats.org/markup-compatibility/2006" type="objAndTwoObj" preserve="1">
+<p:sldLayout xmlns:a="http://schemas.openxmlformats.org/drawingml/2006/main" xmlns:r="http://schemas.openxmlformats.org/officeDocument/2006/relationships" xmlns:p="http://schemas.openxmlformats.org/presentationml/2006/main" type="objAndTwoObj" preserve="1">
   <p:cSld name="Title Content and 2 Content">
     <p:spTree>
       <p:nvGrpSpPr>
@@ -2081,11 +2249,12 @@
           </a:ln>
         </p:spPr>
         <p:txBody>
-          <a:bodyPr lIns="0" rIns="0" tIns="0" bIns="0" anchor="ctr">
+          <a:bodyPr lIns="0" tIns="0" rIns="0" bIns="0" anchor="ctr">
             <a:noAutofit/>
           </a:bodyPr>
-          <a:p>
-            <a:endParaRPr b="0" lang="en-US" sz="1800" spc="-1" strike="noStrike">
+          <a:lstStyle/>
+          <a:p>
+            <a:endParaRPr lang="en-US" sz="1800" b="0" strike="noStrike" spc="-1">
               <a:solidFill>
                 <a:srgbClr val="000000"/>
               </a:solidFill>
@@ -2118,9 +2287,10 @@
           </a:ln>
         </p:spPr>
         <p:txBody>
-          <a:bodyPr lIns="0" rIns="0" tIns="0" bIns="0" anchor="t">
+          <a:bodyPr lIns="0" tIns="0" rIns="0" bIns="0" anchor="t">
             <a:normAutofit/>
           </a:bodyPr>
+          <a:lstStyle/>
           <a:p>
             <a:pPr>
               <a:lnSpc>
@@ -2131,7 +2301,7 @@
               </a:spcBef>
               <a:buNone/>
             </a:pPr>
-            <a:endParaRPr b="0" lang="en-US" sz="9920" spc="-1" strike="noStrike">
+            <a:endParaRPr lang="en-US" sz="9920" b="0" strike="noStrike" spc="-1">
               <a:solidFill>
                 <a:srgbClr val="000000"/>
               </a:solidFill>
@@ -2164,9 +2334,10 @@
           </a:ln>
         </p:spPr>
         <p:txBody>
-          <a:bodyPr lIns="0" rIns="0" tIns="0" bIns="0" anchor="t">
+          <a:bodyPr lIns="0" tIns="0" rIns="0" bIns="0" anchor="t">
             <a:normAutofit/>
           </a:bodyPr>
+          <a:lstStyle/>
           <a:p>
             <a:pPr>
               <a:lnSpc>
@@ -2177,7 +2348,7 @@
               </a:spcBef>
               <a:buNone/>
             </a:pPr>
-            <a:endParaRPr b="0" lang="en-US" sz="9920" spc="-1" strike="noStrike">
+            <a:endParaRPr lang="en-US" sz="9920" b="0" strike="noStrike" spc="-1">
               <a:solidFill>
                 <a:srgbClr val="000000"/>
               </a:solidFill>
@@ -2210,9 +2381,10 @@
           </a:ln>
         </p:spPr>
         <p:txBody>
-          <a:bodyPr lIns="0" rIns="0" tIns="0" bIns="0" anchor="t">
+          <a:bodyPr lIns="0" tIns="0" rIns="0" bIns="0" anchor="t">
             <a:normAutofit/>
           </a:bodyPr>
+          <a:lstStyle/>
           <a:p>
             <a:pPr>
               <a:lnSpc>
@@ -2223,7 +2395,7 @@
               </a:spcBef>
               <a:buNone/>
             </a:pPr>
-            <a:endParaRPr b="0" lang="en-US" sz="9920" spc="-1" strike="noStrike">
+            <a:endParaRPr lang="en-US" sz="9920" b="0" strike="noStrike" spc="-1">
               <a:solidFill>
                 <a:srgbClr val="000000"/>
               </a:solidFill>
@@ -2245,6 +2417,7 @@
         <p:spPr/>
         <p:txBody>
           <a:bodyPr/>
+          <a:lstStyle/>
           <a:p>
             <a:r>
               <a:t>Footer</a:t>
@@ -2265,10 +2438,12 @@
         <p:spPr/>
         <p:txBody>
           <a:bodyPr/>
+          <a:lstStyle/>
           <a:p>
             <a:fld id="{5EB21AFD-8097-4AAF-8C56-8A624D7101D9}" type="slidenum">
-              <a:t>&lt;#&gt;</a:t>
+              <a:t>‹#›</a:t>
             </a:fld>
+            <a:endParaRPr/>
           </a:p>
         </p:txBody>
       </p:sp>
@@ -2285,21 +2460,22 @@
         <p:spPr/>
         <p:txBody>
           <a:bodyPr/>
-          <a:p>
-            <a:r>
-              <a:rPr lang="en-CA"/>
-              <a:t/>
-            </a:r>
+          <a:lstStyle/>
+          <a:p>
+            <a:endParaRPr/>
           </a:p>
         </p:txBody>
       </p:sp>
     </p:spTree>
   </p:cSld>
+  <p:clrMapOvr>
+    <a:masterClrMapping/>
+  </p:clrMapOvr>
 </p:sldLayout>
 </file>
 
 <file path=ppt/slideLayouts/slideLayout9.xml><?xml version="1.0" encoding="utf-8"?>
-<p:sldLayout xmlns:a="http://schemas.openxmlformats.org/drawingml/2006/main" xmlns:p="http://schemas.openxmlformats.org/presentationml/2006/main" xmlns:r="http://schemas.openxmlformats.org/officeDocument/2006/relationships" xmlns:p14="http://schemas.microsoft.com/office/powerpoint/2010/main" xmlns:p15="http://schemas.microsoft.com/office/powerpoint/2012/main" xmlns:mc="http://schemas.openxmlformats.org/markup-compatibility/2006" type="twoObjOverTx" preserve="1">
+<p:sldLayout xmlns:a="http://schemas.openxmlformats.org/drawingml/2006/main" xmlns:r="http://schemas.openxmlformats.org/officeDocument/2006/relationships" xmlns:p="http://schemas.openxmlformats.org/presentationml/2006/main" type="twoObjOverTx" preserve="1">
   <p:cSld name="Title, 2 Content over Content">
     <p:spTree>
       <p:nvGrpSpPr>
@@ -2339,11 +2515,12 @@
           </a:ln>
         </p:spPr>
         <p:txBody>
-          <a:bodyPr lIns="0" rIns="0" tIns="0" bIns="0" anchor="ctr">
+          <a:bodyPr lIns="0" tIns="0" rIns="0" bIns="0" anchor="ctr">
             <a:noAutofit/>
           </a:bodyPr>
-          <a:p>
-            <a:endParaRPr b="0" lang="en-US" sz="1800" spc="-1" strike="noStrike">
+          <a:lstStyle/>
+          <a:p>
+            <a:endParaRPr lang="en-US" sz="1800" b="0" strike="noStrike" spc="-1">
               <a:solidFill>
                 <a:srgbClr val="000000"/>
               </a:solidFill>
@@ -2376,9 +2553,10 @@
           </a:ln>
         </p:spPr>
         <p:txBody>
-          <a:bodyPr lIns="0" rIns="0" tIns="0" bIns="0" anchor="t">
+          <a:bodyPr lIns="0" tIns="0" rIns="0" bIns="0" anchor="t">
             <a:normAutofit/>
           </a:bodyPr>
+          <a:lstStyle/>
           <a:p>
             <a:pPr>
               <a:lnSpc>
@@ -2389,7 +2567,7 @@
               </a:spcBef>
               <a:buNone/>
             </a:pPr>
-            <a:endParaRPr b="0" lang="en-US" sz="9920" spc="-1" strike="noStrike">
+            <a:endParaRPr lang="en-US" sz="9920" b="0" strike="noStrike" spc="-1">
               <a:solidFill>
                 <a:srgbClr val="000000"/>
               </a:solidFill>
@@ -2422,9 +2600,10 @@
           </a:ln>
         </p:spPr>
         <p:txBody>
-          <a:bodyPr lIns="0" rIns="0" tIns="0" bIns="0" anchor="t">
+          <a:bodyPr lIns="0" tIns="0" rIns="0" bIns="0" anchor="t">
             <a:normAutofit/>
           </a:bodyPr>
+          <a:lstStyle/>
           <a:p>
             <a:pPr>
               <a:lnSpc>
@@ -2435,7 +2614,7 @@
               </a:spcBef>
               <a:buNone/>
             </a:pPr>
-            <a:endParaRPr b="0" lang="en-US" sz="9920" spc="-1" strike="noStrike">
+            <a:endParaRPr lang="en-US" sz="9920" b="0" strike="noStrike" spc="-1">
               <a:solidFill>
                 <a:srgbClr val="000000"/>
               </a:solidFill>
@@ -2468,9 +2647,10 @@
           </a:ln>
         </p:spPr>
         <p:txBody>
-          <a:bodyPr lIns="0" rIns="0" tIns="0" bIns="0" anchor="t">
+          <a:bodyPr lIns="0" tIns="0" rIns="0" bIns="0" anchor="t">
             <a:normAutofit/>
           </a:bodyPr>
+          <a:lstStyle/>
           <a:p>
             <a:pPr>
               <a:lnSpc>
@@ -2481,7 +2661,7 @@
               </a:spcBef>
               <a:buNone/>
             </a:pPr>
-            <a:endParaRPr b="0" lang="en-US" sz="9920" spc="-1" strike="noStrike">
+            <a:endParaRPr lang="en-US" sz="9920" b="0" strike="noStrike" spc="-1">
               <a:solidFill>
                 <a:srgbClr val="000000"/>
               </a:solidFill>
@@ -2503,6 +2683,7 @@
         <p:spPr/>
         <p:txBody>
           <a:bodyPr/>
+          <a:lstStyle/>
           <a:p>
             <a:r>
               <a:t>Footer</a:t>
@@ -2523,10 +2704,12 @@
         <p:spPr/>
         <p:txBody>
           <a:bodyPr/>
+          <a:lstStyle/>
           <a:p>
             <a:fld id="{98CA81A2-53B7-4290-B1A7-13C18DF389A6}" type="slidenum">
-              <a:t>&lt;#&gt;</a:t>
+              <a:t>‹#›</a:t>
             </a:fld>
+            <a:endParaRPr/>
           </a:p>
         </p:txBody>
       </p:sp>
@@ -2543,27 +2726,29 @@
         <p:spPr/>
         <p:txBody>
           <a:bodyPr/>
-          <a:p>
-            <a:r>
-              <a:rPr lang="en-CA"/>
-              <a:t/>
-            </a:r>
+          <a:lstStyle/>
+          <a:p>
+            <a:endParaRPr/>
           </a:p>
         </p:txBody>
       </p:sp>
     </p:spTree>
   </p:cSld>
+  <p:clrMapOvr>
+    <a:masterClrMapping/>
+  </p:clrMapOvr>
 </p:sldLayout>
 </file>
 
 <file path=ppt/slideMasters/slideMaster1.xml><?xml version="1.0" encoding="utf-8"?>
-<p:sldMaster xmlns:a="http://schemas.openxmlformats.org/drawingml/2006/main" xmlns:p="http://schemas.openxmlformats.org/presentationml/2006/main" xmlns:r="http://schemas.openxmlformats.org/officeDocument/2006/relationships" xmlns:p14="http://schemas.microsoft.com/office/powerpoint/2010/main" xmlns:p15="http://schemas.microsoft.com/office/powerpoint/2012/main" xmlns:mc="http://schemas.openxmlformats.org/markup-compatibility/2006">
+<p:sldMaster xmlns:a="http://schemas.openxmlformats.org/drawingml/2006/main" xmlns:r="http://schemas.openxmlformats.org/officeDocument/2006/relationships" xmlns:p="http://schemas.openxmlformats.org/presentationml/2006/main">
   <p:cSld>
     <p:bg>
       <p:bgPr>
         <a:solidFill>
-          <a:srgbClr val="ffffff"/>
+          <a:srgbClr val="FFFFFF"/>
         </a:solidFill>
+        <a:effectLst/>
       </p:bgPr>
     </p:bg>
     <p:spTree>
@@ -2582,7 +2767,7 @@
       </p:grpSpPr>
       <p:sp>
         <p:nvSpPr>
-          <p:cNvPr id="0" name="PlaceHolder 1"/>
+          <p:cNvPr id="4" name="PlaceHolder 1"/>
           <p:cNvSpPr>
             <a:spLocks noGrp="1"/>
           </p:cNvSpPr>
@@ -2607,6 +2792,7 @@
           <a:bodyPr anchor="b">
             <a:noAutofit/>
           </a:bodyPr>
+          <a:lstStyle/>
           <a:p>
             <a:pPr algn="ctr">
               <a:lnSpc>
@@ -2615,7 +2801,7 @@
               <a:buNone/>
             </a:pPr>
             <a:r>
-              <a:rPr b="0" lang="en-US" sz="21260" spc="-1" strike="noStrike">
+              <a:rPr lang="en-US" sz="21260" b="0" strike="noStrike" spc="-1">
                 <a:solidFill>
                   <a:srgbClr val="000000"/>
                 </a:solidFill>
@@ -2623,7 +2809,7 @@
               </a:rPr>
               <a:t>Click to edit Master title style</a:t>
             </a:r>
-            <a:endParaRPr b="0" lang="en-US" sz="21260" spc="-1" strike="noStrike">
+            <a:endParaRPr lang="en-US" sz="21260" b="0" strike="noStrike" spc="-1">
               <a:solidFill>
                 <a:srgbClr val="000000"/>
               </a:solidFill>
@@ -2634,7 +2820,7 @@
       </p:sp>
       <p:sp>
         <p:nvSpPr>
-          <p:cNvPr id="1" name="PlaceHolder 2"/>
+          <p:cNvPr id="5" name="PlaceHolder 2"/>
           <p:cNvSpPr>
             <a:spLocks noGrp="1"/>
           </p:cNvSpPr>
@@ -2665,9 +2851,9 @@
                 <a:spcPct val="100000"/>
               </a:lnSpc>
               <a:buNone/>
-              <a:defRPr b="0" lang="en-US" sz="4250" spc="-1" strike="noStrike">
+              <a:defRPr lang="en-US" sz="4250" b="0" strike="noStrike" spc="-1">
                 <a:solidFill>
-                  <a:srgbClr val="8b8b8b"/>
+                  <a:srgbClr val="8B8B8B"/>
                 </a:solidFill>
                 <a:latin typeface="Calibri"/>
               </a:defRPr>
@@ -2681,15 +2867,15 @@
               <a:buNone/>
             </a:pPr>
             <a:r>
-              <a:rPr b="0" lang="en-US" sz="4250" spc="-1" strike="noStrike">
+              <a:rPr lang="en-US" sz="4250" b="0" strike="noStrike" spc="-1">
                 <a:solidFill>
-                  <a:srgbClr val="8b8b8b"/>
+                  <a:srgbClr val="8B8B8B"/>
                 </a:solidFill>
                 <a:latin typeface="Calibri"/>
               </a:rPr>
               <a:t>&lt;date/time&gt;</a:t>
             </a:r>
-            <a:endParaRPr b="0" lang="en-CA" sz="4250" spc="-1" strike="noStrike">
+            <a:endParaRPr lang="en-CA" sz="4250" b="0" strike="noStrike" spc="-1">
               <a:latin typeface="Times New Roman"/>
             </a:endParaRPr>
           </a:p>
@@ -2725,7 +2911,7 @@
           <a:lstStyle>
             <a:lvl1pPr algn="ctr">
               <a:buNone/>
-              <a:defRPr b="0" lang="en-CA" sz="1400" spc="-1" strike="noStrike">
+              <a:defRPr lang="en-CA" sz="1400" b="0" strike="noStrike" spc="-1">
                 <a:latin typeface="Times New Roman"/>
               </a:defRPr>
             </a:lvl1pPr>
@@ -2735,14 +2921,11 @@
               <a:buNone/>
             </a:pPr>
             <a:r>
-              <a:rPr b="0" lang="en-CA" sz="1400" spc="-1" strike="noStrike">
+              <a:rPr lang="en-CA" sz="1400" b="0" strike="noStrike" spc="-1">
                 <a:latin typeface="Times New Roman"/>
               </a:rPr>
               <a:t>&lt;footer&gt;</a:t>
             </a:r>
-            <a:endParaRPr b="0" lang="en-CA" sz="1400" spc="-1" strike="noStrike">
-              <a:latin typeface="Times New Roman"/>
-            </a:endParaRPr>
           </a:p>
         </p:txBody>
       </p:sp>
@@ -2779,9 +2962,9 @@
                 <a:spcPct val="100000"/>
               </a:lnSpc>
               <a:buNone/>
-              <a:defRPr b="0" lang="en-US" sz="4250" spc="-1" strike="noStrike">
+              <a:defRPr lang="en-US" sz="4250" b="0" strike="noStrike" spc="-1">
                 <a:solidFill>
-                  <a:srgbClr val="8b8b8b"/>
+                  <a:srgbClr val="8B8B8B"/>
                 </a:solidFill>
                 <a:latin typeface="Calibri"/>
               </a:defRPr>
@@ -2795,15 +2978,15 @@
               <a:buNone/>
             </a:pPr>
             <a:fld id="{32D15FE3-D0C6-4C58-87EE-D58C727F1D2A}" type="slidenum">
-              <a:rPr b="0" lang="en-US" sz="4250" spc="-1" strike="noStrike">
+              <a:rPr lang="en-US" sz="4250" b="0" strike="noStrike" spc="-1">
                 <a:solidFill>
-                  <a:srgbClr val="8b8b8b"/>
+                  <a:srgbClr val="8B8B8B"/>
                 </a:solidFill>
                 <a:latin typeface="Calibri"/>
               </a:rPr>
-              <a:t>&lt;number&gt;</a:t>
+              <a:t>‹#›</a:t>
             </a:fld>
-            <a:endParaRPr b="0" lang="en-CA" sz="4250" spc="-1" strike="noStrike">
+            <a:endParaRPr lang="en-CA" sz="4250" b="0" strike="noStrike" spc="-1">
               <a:latin typeface="Times New Roman"/>
             </a:endParaRPr>
           </a:p>
@@ -2811,26 +2994,306 @@
       </p:sp>
     </p:spTree>
   </p:cSld>
-  <p:clrMap bg1="lt1" bg2="lt2" tx1="dk1" tx2="dk2" accent1="accent1" accent2="accent2" accent3="accent3" accent4="accent4" accent5="accent5" accent6="accent6" hlink="hlink" folHlink="folHlink"/>
+  <p:clrMap bg1="lt1" tx1="dk1" bg2="lt2" tx2="dk2" accent1="accent1" accent2="accent2" accent3="accent3" accent4="accent4" accent5="accent5" accent6="accent6" hlink="hlink" folHlink="folHlink"/>
   <p:sldLayoutIdLst>
-    <p:sldLayoutId id="2147483649" r:id="rId2"/>
-    <p:sldLayoutId id="2147483650" r:id="rId3"/>
-    <p:sldLayoutId id="2147483651" r:id="rId4"/>
-    <p:sldLayoutId id="2147483652" r:id="rId5"/>
-    <p:sldLayoutId id="2147483653" r:id="rId6"/>
-    <p:sldLayoutId id="2147483654" r:id="rId7"/>
-    <p:sldLayoutId id="2147483655" r:id="rId8"/>
-    <p:sldLayoutId id="2147483656" r:id="rId9"/>
-    <p:sldLayoutId id="2147483657" r:id="rId10"/>
-    <p:sldLayoutId id="2147483658" r:id="rId11"/>
-    <p:sldLayoutId id="2147483659" r:id="rId12"/>
-    <p:sldLayoutId id="2147483660" r:id="rId13"/>
+    <p:sldLayoutId id="2147483649" r:id="rId1"/>
+    <p:sldLayoutId id="2147483650" r:id="rId2"/>
+    <p:sldLayoutId id="2147483651" r:id="rId3"/>
+    <p:sldLayoutId id="2147483652" r:id="rId4"/>
+    <p:sldLayoutId id="2147483653" r:id="rId5"/>
+    <p:sldLayoutId id="2147483654" r:id="rId6"/>
+    <p:sldLayoutId id="2147483655" r:id="rId7"/>
+    <p:sldLayoutId id="2147483656" r:id="rId8"/>
+    <p:sldLayoutId id="2147483657" r:id="rId9"/>
+    <p:sldLayoutId id="2147483658" r:id="rId10"/>
+    <p:sldLayoutId id="2147483659" r:id="rId11"/>
+    <p:sldLayoutId id="2147483660" r:id="rId12"/>
   </p:sldLayoutIdLst>
+  <p:txStyles>
+    <p:titleStyle>
+      <a:lvl1pPr algn="l" defTabSz="914400" rtl="0" eaLnBrk="1" latinLnBrk="0" hangingPunct="1">
+        <a:lnSpc>
+          <a:spcPct val="90000"/>
+        </a:lnSpc>
+        <a:spcBef>
+          <a:spcPct val="0"/>
+        </a:spcBef>
+        <a:buNone/>
+        <a:defRPr sz="4400" kern="1200">
+          <a:solidFill>
+            <a:schemeClr val="tx1"/>
+          </a:solidFill>
+          <a:latin typeface="+mj-lt"/>
+          <a:ea typeface="+mj-ea"/>
+          <a:cs typeface="+mj-cs"/>
+        </a:defRPr>
+      </a:lvl1pPr>
+    </p:titleStyle>
+    <p:bodyStyle>
+      <a:lvl1pPr marL="228600" indent="-228600" algn="l" defTabSz="914400" rtl="0" eaLnBrk="1" latinLnBrk="0" hangingPunct="1">
+        <a:lnSpc>
+          <a:spcPct val="90000"/>
+        </a:lnSpc>
+        <a:spcBef>
+          <a:spcPts val="1000"/>
+        </a:spcBef>
+        <a:buFont typeface="Arial" panose="020B0604020202020204" pitchFamily="34" charset="0"/>
+        <a:buChar char="•"/>
+        <a:defRPr sz="2800" kern="1200">
+          <a:solidFill>
+            <a:schemeClr val="tx1"/>
+          </a:solidFill>
+          <a:latin typeface="+mn-lt"/>
+          <a:ea typeface="+mn-ea"/>
+          <a:cs typeface="+mn-cs"/>
+        </a:defRPr>
+      </a:lvl1pPr>
+      <a:lvl2pPr marL="685800" indent="-228600" algn="l" defTabSz="914400" rtl="0" eaLnBrk="1" latinLnBrk="0" hangingPunct="1">
+        <a:lnSpc>
+          <a:spcPct val="90000"/>
+        </a:lnSpc>
+        <a:spcBef>
+          <a:spcPts val="500"/>
+        </a:spcBef>
+        <a:buFont typeface="Arial" panose="020B0604020202020204" pitchFamily="34" charset="0"/>
+        <a:buChar char="•"/>
+        <a:defRPr sz="2400" kern="1200">
+          <a:solidFill>
+            <a:schemeClr val="tx1"/>
+          </a:solidFill>
+          <a:latin typeface="+mn-lt"/>
+          <a:ea typeface="+mn-ea"/>
+          <a:cs typeface="+mn-cs"/>
+        </a:defRPr>
+      </a:lvl2pPr>
+      <a:lvl3pPr marL="1143000" indent="-228600" algn="l" defTabSz="914400" rtl="0" eaLnBrk="1" latinLnBrk="0" hangingPunct="1">
+        <a:lnSpc>
+          <a:spcPct val="90000"/>
+        </a:lnSpc>
+        <a:spcBef>
+          <a:spcPts val="500"/>
+        </a:spcBef>
+        <a:buFont typeface="Arial" panose="020B0604020202020204" pitchFamily="34" charset="0"/>
+        <a:buChar char="•"/>
+        <a:defRPr sz="2000" kern="1200">
+          <a:solidFill>
+            <a:schemeClr val="tx1"/>
+          </a:solidFill>
+          <a:latin typeface="+mn-lt"/>
+          <a:ea typeface="+mn-ea"/>
+          <a:cs typeface="+mn-cs"/>
+        </a:defRPr>
+      </a:lvl3pPr>
+      <a:lvl4pPr marL="1600200" indent="-228600" algn="l" defTabSz="914400" rtl="0" eaLnBrk="1" latinLnBrk="0" hangingPunct="1">
+        <a:lnSpc>
+          <a:spcPct val="90000"/>
+        </a:lnSpc>
+        <a:spcBef>
+          <a:spcPts val="500"/>
+        </a:spcBef>
+        <a:buFont typeface="Arial" panose="020B0604020202020204" pitchFamily="34" charset="0"/>
+        <a:buChar char="•"/>
+        <a:defRPr sz="1800" kern="1200">
+          <a:solidFill>
+            <a:schemeClr val="tx1"/>
+          </a:solidFill>
+          <a:latin typeface="+mn-lt"/>
+          <a:ea typeface="+mn-ea"/>
+          <a:cs typeface="+mn-cs"/>
+        </a:defRPr>
+      </a:lvl4pPr>
+      <a:lvl5pPr marL="2057400" indent="-228600" algn="l" defTabSz="914400" rtl="0" eaLnBrk="1" latinLnBrk="0" hangingPunct="1">
+        <a:lnSpc>
+          <a:spcPct val="90000"/>
+        </a:lnSpc>
+        <a:spcBef>
+          <a:spcPts val="500"/>
+        </a:spcBef>
+        <a:buFont typeface="Arial" panose="020B0604020202020204" pitchFamily="34" charset="0"/>
+        <a:buChar char="•"/>
+        <a:defRPr sz="1800" kern="1200">
+          <a:solidFill>
+            <a:schemeClr val="tx1"/>
+          </a:solidFill>
+          <a:latin typeface="+mn-lt"/>
+          <a:ea typeface="+mn-ea"/>
+          <a:cs typeface="+mn-cs"/>
+        </a:defRPr>
+      </a:lvl5pPr>
+      <a:lvl6pPr marL="2514600" indent="-228600" algn="l" defTabSz="914400" rtl="0" eaLnBrk="1" latinLnBrk="0" hangingPunct="1">
+        <a:lnSpc>
+          <a:spcPct val="90000"/>
+        </a:lnSpc>
+        <a:spcBef>
+          <a:spcPts val="500"/>
+        </a:spcBef>
+        <a:buFont typeface="Arial" panose="020B0604020202020204" pitchFamily="34" charset="0"/>
+        <a:buChar char="•"/>
+        <a:defRPr sz="1800" kern="1200">
+          <a:solidFill>
+            <a:schemeClr val="tx1"/>
+          </a:solidFill>
+          <a:latin typeface="+mn-lt"/>
+          <a:ea typeface="+mn-ea"/>
+          <a:cs typeface="+mn-cs"/>
+        </a:defRPr>
+      </a:lvl6pPr>
+      <a:lvl7pPr marL="2971800" indent="-228600" algn="l" defTabSz="914400" rtl="0" eaLnBrk="1" latinLnBrk="0" hangingPunct="1">
+        <a:lnSpc>
+          <a:spcPct val="90000"/>
+        </a:lnSpc>
+        <a:spcBef>
+          <a:spcPts val="500"/>
+        </a:spcBef>
+        <a:buFont typeface="Arial" panose="020B0604020202020204" pitchFamily="34" charset="0"/>
+        <a:buChar char="•"/>
+        <a:defRPr sz="1800" kern="1200">
+          <a:solidFill>
+            <a:schemeClr val="tx1"/>
+          </a:solidFill>
+          <a:latin typeface="+mn-lt"/>
+          <a:ea typeface="+mn-ea"/>
+          <a:cs typeface="+mn-cs"/>
+        </a:defRPr>
+      </a:lvl7pPr>
+      <a:lvl8pPr marL="3429000" indent="-228600" algn="l" defTabSz="914400" rtl="0" eaLnBrk="1" latinLnBrk="0" hangingPunct="1">
+        <a:lnSpc>
+          <a:spcPct val="90000"/>
+        </a:lnSpc>
+        <a:spcBef>
+          <a:spcPts val="500"/>
+        </a:spcBef>
+        <a:buFont typeface="Arial" panose="020B0604020202020204" pitchFamily="34" charset="0"/>
+        <a:buChar char="•"/>
+        <a:defRPr sz="1800" kern="1200">
+          <a:solidFill>
+            <a:schemeClr val="tx1"/>
+          </a:solidFill>
+          <a:latin typeface="+mn-lt"/>
+          <a:ea typeface="+mn-ea"/>
+          <a:cs typeface="+mn-cs"/>
+        </a:defRPr>
+      </a:lvl8pPr>
+      <a:lvl9pPr marL="3886200" indent="-228600" algn="l" defTabSz="914400" rtl="0" eaLnBrk="1" latinLnBrk="0" hangingPunct="1">
+        <a:lnSpc>
+          <a:spcPct val="90000"/>
+        </a:lnSpc>
+        <a:spcBef>
+          <a:spcPts val="500"/>
+        </a:spcBef>
+        <a:buFont typeface="Arial" panose="020B0604020202020204" pitchFamily="34" charset="0"/>
+        <a:buChar char="•"/>
+        <a:defRPr sz="1800" kern="1200">
+          <a:solidFill>
+            <a:schemeClr val="tx1"/>
+          </a:solidFill>
+          <a:latin typeface="+mn-lt"/>
+          <a:ea typeface="+mn-ea"/>
+          <a:cs typeface="+mn-cs"/>
+        </a:defRPr>
+      </a:lvl9pPr>
+    </p:bodyStyle>
+    <p:otherStyle>
+      <a:defPPr>
+        <a:defRPr lang="en-US"/>
+      </a:defPPr>
+      <a:lvl1pPr marL="0" algn="l" defTabSz="914400" rtl="0" eaLnBrk="1" latinLnBrk="0" hangingPunct="1">
+        <a:defRPr sz="1800" kern="1200">
+          <a:solidFill>
+            <a:schemeClr val="tx1"/>
+          </a:solidFill>
+          <a:latin typeface="+mn-lt"/>
+          <a:ea typeface="+mn-ea"/>
+          <a:cs typeface="+mn-cs"/>
+        </a:defRPr>
+      </a:lvl1pPr>
+      <a:lvl2pPr marL="457200" algn="l" defTabSz="914400" rtl="0" eaLnBrk="1" latinLnBrk="0" hangingPunct="1">
+        <a:defRPr sz="1800" kern="1200">
+          <a:solidFill>
+            <a:schemeClr val="tx1"/>
+          </a:solidFill>
+          <a:latin typeface="+mn-lt"/>
+          <a:ea typeface="+mn-ea"/>
+          <a:cs typeface="+mn-cs"/>
+        </a:defRPr>
+      </a:lvl2pPr>
+      <a:lvl3pPr marL="914400" algn="l" defTabSz="914400" rtl="0" eaLnBrk="1" latinLnBrk="0" hangingPunct="1">
+        <a:defRPr sz="1800" kern="1200">
+          <a:solidFill>
+            <a:schemeClr val="tx1"/>
+          </a:solidFill>
+          <a:latin typeface="+mn-lt"/>
+          <a:ea typeface="+mn-ea"/>
+          <a:cs typeface="+mn-cs"/>
+        </a:defRPr>
+      </a:lvl3pPr>
+      <a:lvl4pPr marL="1371600" algn="l" defTabSz="914400" rtl="0" eaLnBrk="1" latinLnBrk="0" hangingPunct="1">
+        <a:defRPr sz="1800" kern="1200">
+          <a:solidFill>
+            <a:schemeClr val="tx1"/>
+          </a:solidFill>
+          <a:latin typeface="+mn-lt"/>
+          <a:ea typeface="+mn-ea"/>
+          <a:cs typeface="+mn-cs"/>
+        </a:defRPr>
+      </a:lvl4pPr>
+      <a:lvl5pPr marL="1828800" algn="l" defTabSz="914400" rtl="0" eaLnBrk="1" latinLnBrk="0" hangingPunct="1">
+        <a:defRPr sz="1800" kern="1200">
+          <a:solidFill>
+            <a:schemeClr val="tx1"/>
+          </a:solidFill>
+          <a:latin typeface="+mn-lt"/>
+          <a:ea typeface="+mn-ea"/>
+          <a:cs typeface="+mn-cs"/>
+        </a:defRPr>
+      </a:lvl5pPr>
+      <a:lvl6pPr marL="2286000" algn="l" defTabSz="914400" rtl="0" eaLnBrk="1" latinLnBrk="0" hangingPunct="1">
+        <a:defRPr sz="1800" kern="1200">
+          <a:solidFill>
+            <a:schemeClr val="tx1"/>
+          </a:solidFill>
+          <a:latin typeface="+mn-lt"/>
+          <a:ea typeface="+mn-ea"/>
+          <a:cs typeface="+mn-cs"/>
+        </a:defRPr>
+      </a:lvl6pPr>
+      <a:lvl7pPr marL="2743200" algn="l" defTabSz="914400" rtl="0" eaLnBrk="1" latinLnBrk="0" hangingPunct="1">
+        <a:defRPr sz="1800" kern="1200">
+          <a:solidFill>
+            <a:schemeClr val="tx1"/>
+          </a:solidFill>
+          <a:latin typeface="+mn-lt"/>
+          <a:ea typeface="+mn-ea"/>
+          <a:cs typeface="+mn-cs"/>
+        </a:defRPr>
+      </a:lvl7pPr>
+      <a:lvl8pPr marL="3200400" algn="l" defTabSz="914400" rtl="0" eaLnBrk="1" latinLnBrk="0" hangingPunct="1">
+        <a:defRPr sz="1800" kern="1200">
+          <a:solidFill>
+            <a:schemeClr val="tx1"/>
+          </a:solidFill>
+          <a:latin typeface="+mn-lt"/>
+          <a:ea typeface="+mn-ea"/>
+          <a:cs typeface="+mn-cs"/>
+        </a:defRPr>
+      </a:lvl8pPr>
+      <a:lvl9pPr marL="3657600" algn="l" defTabSz="914400" rtl="0" eaLnBrk="1" latinLnBrk="0" hangingPunct="1">
+        <a:defRPr sz="1800" kern="1200">
+          <a:solidFill>
+            <a:schemeClr val="tx1"/>
+          </a:solidFill>
+          <a:latin typeface="+mn-lt"/>
+          <a:ea typeface="+mn-ea"/>
+          <a:cs typeface="+mn-cs"/>
+        </a:defRPr>
+      </a:lvl9pPr>
+    </p:otherStyle>
+  </p:txStyles>
 </p:sldMaster>
 </file>
 
 <file path=ppt/slides/slide1.xml><?xml version="1.0" encoding="utf-8"?>
-<p:sld xmlns:a="http://schemas.openxmlformats.org/drawingml/2006/main" xmlns:p="http://schemas.openxmlformats.org/presentationml/2006/main" xmlns:r="http://schemas.openxmlformats.org/officeDocument/2006/relationships" xmlns:p14="http://schemas.microsoft.com/office/powerpoint/2010/main" xmlns:p15="http://schemas.microsoft.com/office/powerpoint/2012/main" xmlns:mc="http://schemas.openxmlformats.org/markup-compatibility/2006">
+<p:sld xmlns:a="http://schemas.openxmlformats.org/drawingml/2006/main" xmlns:r="http://schemas.openxmlformats.org/officeDocument/2006/relationships" xmlns:p="http://schemas.openxmlformats.org/presentationml/2006/main">
   <p:cSld>
     <p:spTree>
       <p:nvGrpSpPr>
@@ -2848,14 +3311,76 @@
       </p:grpSpPr>
       <p:sp>
         <p:nvSpPr>
-          <p:cNvPr id="40" name="Title 3"/>
+          <p:cNvPr id="37" name="Rectangle: Rounded Corners 36">
+            <a:extLst>
+              <a:ext uri="{FF2B5EF4-FFF2-40B4-BE49-F238E27FC236}">
+                <a16:creationId xmlns:a16="http://schemas.microsoft.com/office/drawing/2014/main" id="{F15CC377-118D-149F-E191-997AE40BB12A}"/>
+              </a:ext>
+            </a:extLst>
+          </p:cNvPr>
           <p:cNvSpPr/>
           <p:nvPr/>
         </p:nvSpPr>
         <p:spPr>
           <a:xfrm>
-            <a:off x="2430000" y="12168720"/>
-            <a:ext cx="27538920" cy="3652920"/>
+            <a:off x="969420" y="12830733"/>
+            <a:ext cx="14716899" cy="16970806"/>
+          </a:xfrm>
+          <a:prstGeom prst="roundRect">
+            <a:avLst/>
+          </a:prstGeom>
+          <a:solidFill>
+            <a:schemeClr val="bg1">
+              <a:lumMod val="95000"/>
+            </a:schemeClr>
+          </a:solidFill>
+          <a:ln w="38100">
+            <a:solidFill>
+              <a:srgbClr val="0C234B"/>
+            </a:solidFill>
+          </a:ln>
+        </p:spPr>
+        <p:style>
+          <a:lnRef idx="2">
+            <a:schemeClr val="accent1">
+              <a:shade val="15000"/>
+            </a:schemeClr>
+          </a:lnRef>
+          <a:fillRef idx="1">
+            <a:schemeClr val="accent1"/>
+          </a:fillRef>
+          <a:effectRef idx="0">
+            <a:schemeClr val="accent1"/>
+          </a:effectRef>
+          <a:fontRef idx="minor">
+            <a:schemeClr val="lt1"/>
+          </a:fontRef>
+        </p:style>
+        <p:txBody>
+          <a:bodyPr rtlCol="0" anchor="ctr"/>
+          <a:lstStyle/>
+          <a:p>
+            <a:pPr algn="ctr"/>
+            <a:endParaRPr lang="en-US" dirty="0"/>
+          </a:p>
+        </p:txBody>
+      </p:sp>
+      <p:sp>
+        <p:nvSpPr>
+          <p:cNvPr id="39" name="Title 3">
+            <a:extLst>
+              <a:ext uri="{FF2B5EF4-FFF2-40B4-BE49-F238E27FC236}">
+                <a16:creationId xmlns:a16="http://schemas.microsoft.com/office/drawing/2014/main" id="{4EE6D461-D626-5F49-9671-20E4E2D11BA5}"/>
+              </a:ext>
+            </a:extLst>
+          </p:cNvPr>
+          <p:cNvSpPr/>
+          <p:nvPr/>
+        </p:nvSpPr>
+        <p:spPr>
+          <a:xfrm>
+            <a:off x="1762308" y="13706606"/>
+            <a:ext cx="13080321" cy="16375278"/>
           </a:xfrm>
           <a:prstGeom prst="rect">
             <a:avLst/>
@@ -2866,189 +3391,479 @@
           </a:ln>
         </p:spPr>
         <p:style>
-          <a:lnRef idx="0"/>
-          <a:fillRef idx="0"/>
-          <a:effectRef idx="0"/>
+          <a:lnRef idx="0">
+            <a:scrgbClr r="0" g="0" b="0"/>
+          </a:lnRef>
+          <a:fillRef idx="0">
+            <a:scrgbClr r="0" g="0" b="0"/>
+          </a:fillRef>
+          <a:effectRef idx="0">
+            <a:scrgbClr r="0" g="0" b="0"/>
+          </a:effectRef>
           <a:fontRef idx="minor"/>
         </p:style>
         <p:txBody>
-          <a:bodyPr anchor="b">
+          <a:bodyPr anchor="t">
             <a:normAutofit/>
           </a:bodyPr>
-          <a:p>
-            <a:pPr algn="ctr">
-              <a:lnSpc>
-                <a:spcPct val="90000"/>
-              </a:lnSpc>
-              <a:buNone/>
-            </a:pPr>
-            <a:r>
-              <a:rPr b="0" lang="en-US" sz="4400" spc="-1" strike="noStrike">
-                <a:solidFill>
-                  <a:srgbClr val="000000"/>
-                </a:solidFill>
-                <a:latin typeface="Calibri Light"/>
-                <a:ea typeface="Noto Sans CJK SC"/>
-              </a:rPr>
-              <a:t>Brock A. Parker</a:t>
-            </a:r>
-            <a:r>
-              <a:rPr b="0" lang="en-US" sz="4400" spc="-1" strike="noStrike" baseline="33000">
-                <a:solidFill>
-                  <a:srgbClr val="000000"/>
-                </a:solidFill>
-                <a:latin typeface="Calibri Light"/>
-                <a:ea typeface="Noto Sans CJK SC"/>
-              </a:rPr>
-              <a:t>1</a:t>
-            </a:r>
-            <a:r>
-              <a:rPr b="0" lang="en-US" sz="4400" spc="-1" strike="noStrike">
-                <a:solidFill>
-                  <a:srgbClr val="000000"/>
-                </a:solidFill>
-                <a:latin typeface="Calibri Light"/>
-                <a:ea typeface="Noto Sans CJK SC"/>
-              </a:rPr>
-              <a:t>, Erika Hamden</a:t>
-            </a:r>
-            <a:r>
-              <a:rPr b="0" lang="en-US" sz="4400" spc="-1" strike="noStrike" baseline="33000">
-                <a:solidFill>
-                  <a:srgbClr val="000000"/>
-                </a:solidFill>
-                <a:latin typeface="Calibri Light"/>
-                <a:ea typeface="Noto Sans CJK SC"/>
-              </a:rPr>
-              <a:t>1</a:t>
-            </a:r>
-            <a:r>
-              <a:rPr b="0" lang="en-US" sz="4400" spc="-1" strike="noStrike">
-                <a:solidFill>
-                  <a:srgbClr val="000000"/>
-                </a:solidFill>
-                <a:latin typeface="Calibri Light"/>
-                <a:ea typeface="Noto Sans CJK SC"/>
-              </a:rPr>
-              <a:t>, Steve Kaye</a:t>
-            </a:r>
-            <a:r>
-              <a:rPr b="0" lang="en-US" sz="4400" spc="-1" strike="noStrike" baseline="33000">
-                <a:solidFill>
-                  <a:srgbClr val="000000"/>
-                </a:solidFill>
-                <a:latin typeface="Calibri Light"/>
-                <a:ea typeface="Noto Sans CJK SC"/>
-              </a:rPr>
-              <a:t>1</a:t>
-            </a:r>
-            <a:r>
-              <a:rPr b="0" lang="en-US" sz="4400" spc="-1" strike="noStrike">
-                <a:solidFill>
-                  <a:srgbClr val="000000"/>
-                </a:solidFill>
-                <a:latin typeface="Calibri Light"/>
-                <a:ea typeface="Noto Sans CJK SC"/>
-              </a:rPr>
-              <a:t>, Aafaque Khan</a:t>
-            </a:r>
-            <a:r>
-              <a:rPr b="0" lang="en-US" sz="4400" spc="-1" strike="noStrike" baseline="33000">
-                <a:solidFill>
-                  <a:srgbClr val="000000"/>
-                </a:solidFill>
-                <a:latin typeface="Calibri Light"/>
-              </a:rPr>
-              <a:t>1</a:t>
-            </a:r>
-            <a:endParaRPr b="0" lang="en-CA" sz="4400" spc="-1" strike="noStrike">
-              <a:latin typeface="Arial"/>
-            </a:endParaRPr>
-          </a:p>
-          <a:p>
-            <a:pPr algn="ctr">
-              <a:lnSpc>
-                <a:spcPct val="90000"/>
-              </a:lnSpc>
-              <a:buNone/>
-            </a:pPr>
-            <a:r>
-              <a:rPr b="0" lang="en-US" sz="4400" spc="-1" strike="noStrike">
-                <a:solidFill>
-                  <a:srgbClr val="000000"/>
-                </a:solidFill>
-                <a:latin typeface="Calibri Light"/>
-              </a:rPr>
-              <a:t>University of Arizona</a:t>
-            </a:r>
-            <a:endParaRPr b="0" lang="en-CA" sz="4400" spc="-1" strike="noStrike">
-              <a:latin typeface="Arial"/>
-            </a:endParaRPr>
-          </a:p>
-        </p:txBody>
-      </p:sp>
-      <p:sp>
-        <p:nvSpPr>
-          <p:cNvPr id="41" name="PlaceHolder 1"/>
-          <p:cNvSpPr>
-            <a:spLocks noGrp="1"/>
-          </p:cNvSpPr>
-          <p:nvPr>
-            <p:ph type="title"/>
-          </p:nvPr>
+          <a:lstStyle/>
+          <a:p>
+            <a:pPr algn="just">
+              <a:lnSpc>
+                <a:spcPct val="90000"/>
+              </a:lnSpc>
+            </a:pPr>
+            <a:r>
+              <a:rPr lang="en-CA" sz="2800" b="0" strike="noStrike" spc="-1" dirty="0">
+                <a:latin typeface="Calibri" panose="020F0502020204030204" pitchFamily="34" charset="0"/>
+                <a:ea typeface="Calibri" panose="020F0502020204030204" pitchFamily="34" charset="0"/>
+                <a:cs typeface="Calibri" panose="020F0502020204030204" pitchFamily="34" charset="0"/>
+              </a:rPr>
+              <a:t>Typical CCD readout noise is well characterized and can be modeled analytically fairly accurately [5, 12], as can be seen in black in Figure 3. Following this same methodology, and slightly modifying the transfer function, we can similarly model the integrated noise performance of hypothetical Skipper CCDS. We obtained readout electronics noise spectra from both the STA Archon controller and the newly developed Low Threshold Acquisitio</a:t>
+            </a:r>
+            <a:r>
+              <a:rPr lang="en-CA" sz="2800" spc="-1" dirty="0">
+                <a:latin typeface="Calibri" panose="020F0502020204030204" pitchFamily="34" charset="0"/>
+                <a:ea typeface="Calibri" panose="020F0502020204030204" pitchFamily="34" charset="0"/>
+                <a:cs typeface="Calibri" panose="020F0502020204030204" pitchFamily="34" charset="0"/>
+              </a:rPr>
+              <a:t>n controller from </a:t>
+            </a:r>
+            <a:r>
+              <a:rPr lang="en-CA" sz="2800" spc="-1" dirty="0" err="1">
+                <a:latin typeface="Calibri" panose="020F0502020204030204" pitchFamily="34" charset="0"/>
+                <a:ea typeface="Calibri" panose="020F0502020204030204" pitchFamily="34" charset="0"/>
+                <a:cs typeface="Calibri" panose="020F0502020204030204" pitchFamily="34" charset="0"/>
+              </a:rPr>
+              <a:t>FermiLab</a:t>
+            </a:r>
+            <a:r>
+              <a:rPr lang="en-CA" sz="2800" spc="-1" dirty="0">
+                <a:latin typeface="Calibri" panose="020F0502020204030204" pitchFamily="34" charset="0"/>
+                <a:ea typeface="Calibri" panose="020F0502020204030204" pitchFamily="34" charset="0"/>
+                <a:cs typeface="Calibri" panose="020F0502020204030204" pitchFamily="34" charset="0"/>
+              </a:rPr>
+              <a:t> [5]. Because of the need for non-destructive readout-electronics, baseline Skipper read noise is higher than usual CCDs at around 2.5 e</a:t>
+            </a:r>
+            <a:r>
+              <a:rPr lang="en-CA" sz="2800" spc="-1" baseline="30000" dirty="0">
+                <a:latin typeface="Calibri" panose="020F0502020204030204" pitchFamily="34" charset="0"/>
+                <a:ea typeface="Calibri" panose="020F0502020204030204" pitchFamily="34" charset="0"/>
+                <a:cs typeface="Calibri" panose="020F0502020204030204" pitchFamily="34" charset="0"/>
+              </a:rPr>
+              <a:t>- </a:t>
+            </a:r>
+            <a:r>
+              <a:rPr lang="en-CA" sz="2800" spc="-1" dirty="0">
+                <a:latin typeface="Calibri" panose="020F0502020204030204" pitchFamily="34" charset="0"/>
+                <a:ea typeface="Calibri" panose="020F0502020204030204" pitchFamily="34" charset="0"/>
+                <a:cs typeface="Calibri" panose="020F0502020204030204" pitchFamily="34" charset="0"/>
+              </a:rPr>
+              <a:t>RMS [3, 6, 8]. However, new detector readout electronics promise to push intrinsic noise to sub-electron levels, reducing total readout times by a factor of ~10. </a:t>
+            </a:r>
+          </a:p>
+          <a:p>
+            <a:pPr algn="just">
+              <a:lnSpc>
+                <a:spcPct val="90000"/>
+              </a:lnSpc>
+            </a:pPr>
+            <a:endParaRPr lang="en-CA" sz="2800" b="0" strike="noStrike" spc="-1" dirty="0">
+              <a:latin typeface="Calibri" panose="020F0502020204030204" pitchFamily="34" charset="0"/>
+              <a:ea typeface="Calibri" panose="020F0502020204030204" pitchFamily="34" charset="0"/>
+              <a:cs typeface="Calibri" panose="020F0502020204030204" pitchFamily="34" charset="0"/>
+            </a:endParaRPr>
+          </a:p>
+          <a:p>
+            <a:pPr algn="just">
+              <a:lnSpc>
+                <a:spcPct val="90000"/>
+              </a:lnSpc>
+            </a:pPr>
+            <a:endParaRPr lang="en-CA" sz="2800" spc="-1" dirty="0">
+              <a:latin typeface="Calibri" panose="020F0502020204030204" pitchFamily="34" charset="0"/>
+              <a:ea typeface="Calibri" panose="020F0502020204030204" pitchFamily="34" charset="0"/>
+              <a:cs typeface="Calibri" panose="020F0502020204030204" pitchFamily="34" charset="0"/>
+            </a:endParaRPr>
+          </a:p>
+          <a:p>
+            <a:pPr algn="just">
+              <a:lnSpc>
+                <a:spcPct val="90000"/>
+              </a:lnSpc>
+            </a:pPr>
+            <a:endParaRPr lang="en-CA" sz="2800" b="0" strike="noStrike" spc="-1" dirty="0">
+              <a:latin typeface="Calibri" panose="020F0502020204030204" pitchFamily="34" charset="0"/>
+              <a:ea typeface="Calibri" panose="020F0502020204030204" pitchFamily="34" charset="0"/>
+              <a:cs typeface="Calibri" panose="020F0502020204030204" pitchFamily="34" charset="0"/>
+            </a:endParaRPr>
+          </a:p>
+          <a:p>
+            <a:pPr algn="just">
+              <a:lnSpc>
+                <a:spcPct val="90000"/>
+              </a:lnSpc>
+            </a:pPr>
+            <a:endParaRPr lang="en-CA" sz="2800" spc="-1" dirty="0">
+              <a:latin typeface="Calibri" panose="020F0502020204030204" pitchFamily="34" charset="0"/>
+              <a:ea typeface="Calibri" panose="020F0502020204030204" pitchFamily="34" charset="0"/>
+              <a:cs typeface="Calibri" panose="020F0502020204030204" pitchFamily="34" charset="0"/>
+            </a:endParaRPr>
+          </a:p>
+          <a:p>
+            <a:pPr algn="just">
+              <a:lnSpc>
+                <a:spcPct val="90000"/>
+              </a:lnSpc>
+            </a:pPr>
+            <a:endParaRPr lang="en-CA" sz="2800" b="0" strike="noStrike" spc="-1" dirty="0">
+              <a:latin typeface="Calibri" panose="020F0502020204030204" pitchFamily="34" charset="0"/>
+              <a:ea typeface="Calibri" panose="020F0502020204030204" pitchFamily="34" charset="0"/>
+              <a:cs typeface="Calibri" panose="020F0502020204030204" pitchFamily="34" charset="0"/>
+            </a:endParaRPr>
+          </a:p>
+          <a:p>
+            <a:pPr algn="just">
+              <a:lnSpc>
+                <a:spcPct val="90000"/>
+              </a:lnSpc>
+            </a:pPr>
+            <a:endParaRPr lang="en-CA" sz="2800" spc="-1" dirty="0">
+              <a:latin typeface="Calibri" panose="020F0502020204030204" pitchFamily="34" charset="0"/>
+              <a:ea typeface="Calibri" panose="020F0502020204030204" pitchFamily="34" charset="0"/>
+              <a:cs typeface="Calibri" panose="020F0502020204030204" pitchFamily="34" charset="0"/>
+            </a:endParaRPr>
+          </a:p>
+          <a:p>
+            <a:pPr algn="just">
+              <a:lnSpc>
+                <a:spcPct val="90000"/>
+              </a:lnSpc>
+            </a:pPr>
+            <a:endParaRPr lang="en-CA" sz="2800" b="0" strike="noStrike" spc="-1" dirty="0">
+              <a:latin typeface="Calibri" panose="020F0502020204030204" pitchFamily="34" charset="0"/>
+              <a:ea typeface="Calibri" panose="020F0502020204030204" pitchFamily="34" charset="0"/>
+              <a:cs typeface="Calibri" panose="020F0502020204030204" pitchFamily="34" charset="0"/>
+            </a:endParaRPr>
+          </a:p>
+          <a:p>
+            <a:pPr algn="just">
+              <a:lnSpc>
+                <a:spcPct val="90000"/>
+              </a:lnSpc>
+            </a:pPr>
+            <a:endParaRPr lang="en-CA" sz="2800" spc="-1" dirty="0">
+              <a:latin typeface="Calibri" panose="020F0502020204030204" pitchFamily="34" charset="0"/>
+              <a:ea typeface="Calibri" panose="020F0502020204030204" pitchFamily="34" charset="0"/>
+              <a:cs typeface="Calibri" panose="020F0502020204030204" pitchFamily="34" charset="0"/>
+            </a:endParaRPr>
+          </a:p>
+          <a:p>
+            <a:pPr algn="just">
+              <a:lnSpc>
+                <a:spcPct val="90000"/>
+              </a:lnSpc>
+            </a:pPr>
+            <a:endParaRPr lang="en-CA" sz="2800" spc="-1" dirty="0">
+              <a:latin typeface="Calibri" panose="020F0502020204030204" pitchFamily="34" charset="0"/>
+              <a:ea typeface="Calibri" panose="020F0502020204030204" pitchFamily="34" charset="0"/>
+              <a:cs typeface="Calibri" panose="020F0502020204030204" pitchFamily="34" charset="0"/>
+            </a:endParaRPr>
+          </a:p>
+          <a:p>
+            <a:pPr algn="just">
+              <a:lnSpc>
+                <a:spcPct val="90000"/>
+              </a:lnSpc>
+            </a:pPr>
+            <a:endParaRPr lang="en-CA" sz="2800" spc="-1" dirty="0">
+              <a:latin typeface="Calibri" panose="020F0502020204030204" pitchFamily="34" charset="0"/>
+              <a:ea typeface="Calibri" panose="020F0502020204030204" pitchFamily="34" charset="0"/>
+              <a:cs typeface="Calibri" panose="020F0502020204030204" pitchFamily="34" charset="0"/>
+            </a:endParaRPr>
+          </a:p>
+          <a:p>
+            <a:pPr algn="just">
+              <a:lnSpc>
+                <a:spcPct val="90000"/>
+              </a:lnSpc>
+            </a:pPr>
+            <a:endParaRPr lang="en-CA" sz="2800" spc="-1" dirty="0">
+              <a:latin typeface="Calibri" panose="020F0502020204030204" pitchFamily="34" charset="0"/>
+              <a:ea typeface="Calibri" panose="020F0502020204030204" pitchFamily="34" charset="0"/>
+              <a:cs typeface="Calibri" panose="020F0502020204030204" pitchFamily="34" charset="0"/>
+            </a:endParaRPr>
+          </a:p>
+          <a:p>
+            <a:pPr algn="just">
+              <a:lnSpc>
+                <a:spcPct val="90000"/>
+              </a:lnSpc>
+            </a:pPr>
+            <a:endParaRPr lang="en-CA" sz="2800" b="0" strike="noStrike" spc="-1" dirty="0">
+              <a:latin typeface="Calibri" panose="020F0502020204030204" pitchFamily="34" charset="0"/>
+              <a:ea typeface="Calibri" panose="020F0502020204030204" pitchFamily="34" charset="0"/>
+              <a:cs typeface="Calibri" panose="020F0502020204030204" pitchFamily="34" charset="0"/>
+            </a:endParaRPr>
+          </a:p>
+          <a:p>
+            <a:pPr algn="just">
+              <a:lnSpc>
+                <a:spcPct val="90000"/>
+              </a:lnSpc>
+            </a:pPr>
+            <a:endParaRPr lang="en-CA" sz="2800" spc="-1" dirty="0">
+              <a:latin typeface="Calibri" panose="020F0502020204030204" pitchFamily="34" charset="0"/>
+              <a:ea typeface="Calibri" panose="020F0502020204030204" pitchFamily="34" charset="0"/>
+              <a:cs typeface="Calibri" panose="020F0502020204030204" pitchFamily="34" charset="0"/>
+            </a:endParaRPr>
+          </a:p>
+          <a:p>
+            <a:pPr algn="just">
+              <a:lnSpc>
+                <a:spcPct val="90000"/>
+              </a:lnSpc>
+            </a:pPr>
+            <a:endParaRPr lang="en-CA" sz="2800" b="0" strike="noStrike" spc="-1" dirty="0">
+              <a:latin typeface="Calibri" panose="020F0502020204030204" pitchFamily="34" charset="0"/>
+              <a:ea typeface="Calibri" panose="020F0502020204030204" pitchFamily="34" charset="0"/>
+              <a:cs typeface="Calibri" panose="020F0502020204030204" pitchFamily="34" charset="0"/>
+            </a:endParaRPr>
+          </a:p>
+          <a:p>
+            <a:pPr algn="just">
+              <a:lnSpc>
+                <a:spcPct val="90000"/>
+              </a:lnSpc>
+            </a:pPr>
+            <a:endParaRPr lang="en-CA" sz="2800" spc="-1" dirty="0">
+              <a:latin typeface="Calibri" panose="020F0502020204030204" pitchFamily="34" charset="0"/>
+              <a:ea typeface="Calibri" panose="020F0502020204030204" pitchFamily="34" charset="0"/>
+              <a:cs typeface="Calibri" panose="020F0502020204030204" pitchFamily="34" charset="0"/>
+            </a:endParaRPr>
+          </a:p>
+          <a:p>
+            <a:pPr algn="just">
+              <a:lnSpc>
+                <a:spcPct val="90000"/>
+              </a:lnSpc>
+            </a:pPr>
+            <a:endParaRPr lang="en-CA" sz="2800" b="0" strike="noStrike" spc="-1" dirty="0">
+              <a:latin typeface="Calibri" panose="020F0502020204030204" pitchFamily="34" charset="0"/>
+              <a:ea typeface="Calibri" panose="020F0502020204030204" pitchFamily="34" charset="0"/>
+              <a:cs typeface="Calibri" panose="020F0502020204030204" pitchFamily="34" charset="0"/>
+            </a:endParaRPr>
+          </a:p>
+          <a:p>
+            <a:pPr algn="just">
+              <a:lnSpc>
+                <a:spcPct val="90000"/>
+              </a:lnSpc>
+            </a:pPr>
+            <a:endParaRPr lang="en-CA" sz="2800" spc="-1" dirty="0">
+              <a:latin typeface="Calibri" panose="020F0502020204030204" pitchFamily="34" charset="0"/>
+              <a:ea typeface="Calibri" panose="020F0502020204030204" pitchFamily="34" charset="0"/>
+              <a:cs typeface="Calibri" panose="020F0502020204030204" pitchFamily="34" charset="0"/>
+            </a:endParaRPr>
+          </a:p>
+          <a:p>
+            <a:pPr algn="just">
+              <a:lnSpc>
+                <a:spcPct val="90000"/>
+              </a:lnSpc>
+            </a:pPr>
+            <a:endParaRPr lang="en-CA" sz="2800" b="0" strike="noStrike" spc="-1" dirty="0">
+              <a:latin typeface="Calibri" panose="020F0502020204030204" pitchFamily="34" charset="0"/>
+              <a:ea typeface="Calibri" panose="020F0502020204030204" pitchFamily="34" charset="0"/>
+              <a:cs typeface="Calibri" panose="020F0502020204030204" pitchFamily="34" charset="0"/>
+            </a:endParaRPr>
+          </a:p>
+          <a:p>
+            <a:pPr algn="just">
+              <a:lnSpc>
+                <a:spcPct val="90000"/>
+              </a:lnSpc>
+            </a:pPr>
+            <a:endParaRPr lang="en-CA" sz="2800" spc="-1" dirty="0">
+              <a:latin typeface="Calibri" panose="020F0502020204030204" pitchFamily="34" charset="0"/>
+              <a:ea typeface="Calibri" panose="020F0502020204030204" pitchFamily="34" charset="0"/>
+              <a:cs typeface="Calibri" panose="020F0502020204030204" pitchFamily="34" charset="0"/>
+            </a:endParaRPr>
+          </a:p>
+          <a:p>
+            <a:pPr algn="just">
+              <a:lnSpc>
+                <a:spcPct val="90000"/>
+              </a:lnSpc>
+            </a:pPr>
+            <a:endParaRPr lang="en-CA" sz="2800" b="0" strike="noStrike" spc="-1" dirty="0">
+              <a:latin typeface="Calibri" panose="020F0502020204030204" pitchFamily="34" charset="0"/>
+              <a:ea typeface="Calibri" panose="020F0502020204030204" pitchFamily="34" charset="0"/>
+              <a:cs typeface="Calibri" panose="020F0502020204030204" pitchFamily="34" charset="0"/>
+            </a:endParaRPr>
+          </a:p>
+          <a:p>
+            <a:pPr algn="just">
+              <a:lnSpc>
+                <a:spcPct val="90000"/>
+              </a:lnSpc>
+            </a:pPr>
+            <a:endParaRPr lang="en-CA" sz="2800" b="0" strike="noStrike" spc="-1" dirty="0">
+              <a:latin typeface="Calibri" panose="020F0502020204030204" pitchFamily="34" charset="0"/>
+              <a:ea typeface="Calibri" panose="020F0502020204030204" pitchFamily="34" charset="0"/>
+              <a:cs typeface="Calibri" panose="020F0502020204030204" pitchFamily="34" charset="0"/>
+            </a:endParaRPr>
+          </a:p>
+          <a:p>
+            <a:pPr algn="just">
+              <a:lnSpc>
+                <a:spcPct val="90000"/>
+              </a:lnSpc>
+            </a:pPr>
+            <a:r>
+              <a:rPr lang="en-CA" sz="2800" spc="-1" dirty="0">
+                <a:latin typeface="Calibri" panose="020F0502020204030204" pitchFamily="34" charset="0"/>
+                <a:ea typeface="Calibri" panose="020F0502020204030204" pitchFamily="34" charset="0"/>
+                <a:cs typeface="Calibri" panose="020F0502020204030204" pitchFamily="34" charset="0"/>
+              </a:rPr>
+              <a:t>From our simulations, we find an optimal readout frequency of around 100-200 kHz, corresponding to a minimum readout time of approximately 1 second. In order to push into the photon counting regime, we require ~1000 skips with the LTA board, and more than 2000 skips with the STA controller. For the LTA electronics, this gives a final readout-time of ~700 seconds, or ~11 minutes. While this readout time is still prohibitive to many astronomical applications, future developments will continue to decrease this time, including additional amplifiers, a novel differential amplifier design, and decreasing electronics noise. With missions such as Aspera and the HWO, Skipper CCDs are in a prime field to become ubiquitous within low signal observations.</a:t>
+            </a:r>
+            <a:endParaRPr lang="en-CA" sz="2800" b="0" strike="noStrike" spc="-1" dirty="0">
+              <a:latin typeface="Calibri" panose="020F0502020204030204" pitchFamily="34" charset="0"/>
+              <a:ea typeface="Calibri" panose="020F0502020204030204" pitchFamily="34" charset="0"/>
+              <a:cs typeface="Calibri" panose="020F0502020204030204" pitchFamily="34" charset="0"/>
+            </a:endParaRPr>
+          </a:p>
+        </p:txBody>
+      </p:sp>
+      <p:sp>
+        <p:nvSpPr>
+          <p:cNvPr id="38" name="Rectangle: Rounded Corners 37">
+            <a:extLst>
+              <a:ext uri="{FF2B5EF4-FFF2-40B4-BE49-F238E27FC236}">
+                <a16:creationId xmlns:a16="http://schemas.microsoft.com/office/drawing/2014/main" id="{9C6934A1-0213-4272-4228-F5A0A135B85C}"/>
+              </a:ext>
+            </a:extLst>
+          </p:cNvPr>
+          <p:cNvSpPr/>
+          <p:nvPr/>
         </p:nvSpPr>
         <p:spPr>
           <a:xfrm>
-            <a:off x="2430000" y="7070040"/>
-            <a:ext cx="27538920" cy="3652920"/>
+            <a:off x="969420" y="31066235"/>
+            <a:ext cx="14716899" cy="5595733"/>
           </a:xfrm>
-          <a:prstGeom prst="rect">
+          <a:prstGeom prst="roundRect">
             <a:avLst/>
           </a:prstGeom>
-          <a:noFill/>
-          <a:ln w="0">
-            <a:noFill/>
+          <a:solidFill>
+            <a:schemeClr val="bg1">
+              <a:lumMod val="95000"/>
+            </a:schemeClr>
+          </a:solidFill>
+          <a:ln w="38100">
+            <a:solidFill>
+              <a:srgbClr val="0C234B"/>
+            </a:solidFill>
           </a:ln>
         </p:spPr>
-        <p:txBody>
-          <a:bodyPr anchor="b">
-            <a:normAutofit/>
-          </a:bodyPr>
-          <a:p>
-            <a:pPr algn="ctr">
-              <a:lnSpc>
-                <a:spcPct val="90000"/>
-              </a:lnSpc>
-              <a:buNone/>
-            </a:pPr>
-            <a:r>
-              <a:rPr b="0" lang="en-US" sz="7200" spc="-1" strike="noStrike">
-                <a:solidFill>
-                  <a:srgbClr val="000000"/>
-                </a:solidFill>
-                <a:latin typeface="Calibri Light"/>
-              </a:rPr>
-              <a:t>Theoretical Performance and Applications of a Novel 128-amplifier Delta-Doped UV Enhanced Skipper CCD</a:t>
-            </a:r>
-            <a:endParaRPr b="0" lang="en-US" sz="7200" spc="-1" strike="noStrike">
-              <a:solidFill>
-                <a:srgbClr val="000000"/>
-              </a:solidFill>
-              <a:latin typeface="Calibri"/>
-            </a:endParaRPr>
-          </a:p>
-        </p:txBody>
-      </p:sp>
-      <p:sp>
-        <p:nvSpPr>
-          <p:cNvPr id="42" name="Title 3"/>
+        <p:style>
+          <a:lnRef idx="2">
+            <a:schemeClr val="accent1">
+              <a:shade val="15000"/>
+            </a:schemeClr>
+          </a:lnRef>
+          <a:fillRef idx="1">
+            <a:schemeClr val="accent1"/>
+          </a:fillRef>
+          <a:effectRef idx="0">
+            <a:schemeClr val="accent1"/>
+          </a:effectRef>
+          <a:fontRef idx="minor">
+            <a:schemeClr val="lt1"/>
+          </a:fontRef>
+        </p:style>
+        <p:txBody>
+          <a:bodyPr rtlCol="0" anchor="ctr"/>
+          <a:lstStyle/>
+          <a:p>
+            <a:pPr algn="ctr"/>
+            <a:endParaRPr lang="en-US" dirty="0"/>
+          </a:p>
+        </p:txBody>
+      </p:sp>
+      <p:sp>
+        <p:nvSpPr>
+          <p:cNvPr id="34" name="Rectangle: Rounded Corners 33">
+            <a:extLst>
+              <a:ext uri="{FF2B5EF4-FFF2-40B4-BE49-F238E27FC236}">
+                <a16:creationId xmlns:a16="http://schemas.microsoft.com/office/drawing/2014/main" id="{DC7896B6-975E-BDDA-2497-492847CF8106}"/>
+              </a:ext>
+            </a:extLst>
+          </p:cNvPr>
           <p:cNvSpPr/>
           <p:nvPr/>
         </p:nvSpPr>
         <p:spPr>
           <a:xfrm>
-            <a:off x="2430000" y="17021880"/>
-            <a:ext cx="27538920" cy="3652920"/>
+            <a:off x="16738371" y="17800114"/>
+            <a:ext cx="14716899" cy="18861855"/>
+          </a:xfrm>
+          <a:prstGeom prst="roundRect">
+            <a:avLst/>
+          </a:prstGeom>
+          <a:solidFill>
+            <a:schemeClr val="bg1">
+              <a:lumMod val="95000"/>
+            </a:schemeClr>
+          </a:solidFill>
+          <a:ln w="38100">
+            <a:solidFill>
+              <a:srgbClr val="0C234B"/>
+            </a:solidFill>
+          </a:ln>
+        </p:spPr>
+        <p:style>
+          <a:lnRef idx="2">
+            <a:schemeClr val="accent1">
+              <a:shade val="15000"/>
+            </a:schemeClr>
+          </a:lnRef>
+          <a:fillRef idx="1">
+            <a:schemeClr val="accent1"/>
+          </a:fillRef>
+          <a:effectRef idx="0">
+            <a:schemeClr val="accent1"/>
+          </a:effectRef>
+          <a:fontRef idx="minor">
+            <a:schemeClr val="lt1"/>
+          </a:fontRef>
+        </p:style>
+        <p:txBody>
+          <a:bodyPr rtlCol="0" anchor="ctr"/>
+          <a:lstStyle/>
+          <a:p>
+            <a:pPr algn="ctr"/>
+            <a:endParaRPr lang="en-US" dirty="0"/>
+          </a:p>
+        </p:txBody>
+      </p:sp>
+      <p:sp>
+        <p:nvSpPr>
+          <p:cNvPr id="36" name="Title 3">
+            <a:extLst>
+              <a:ext uri="{FF2B5EF4-FFF2-40B4-BE49-F238E27FC236}">
+                <a16:creationId xmlns:a16="http://schemas.microsoft.com/office/drawing/2014/main" id="{3FCDF800-9035-B850-5822-5123E1F05604}"/>
+              </a:ext>
+            </a:extLst>
+          </p:cNvPr>
+          <p:cNvSpPr/>
+          <p:nvPr/>
+        </p:nvSpPr>
+        <p:spPr>
+          <a:xfrm>
+            <a:off x="17551510" y="18661879"/>
+            <a:ext cx="13090620" cy="18277339"/>
           </a:xfrm>
           <a:prstGeom prst="rect">
             <a:avLst/>
@@ -3059,15 +3874,835 @@
           </a:ln>
         </p:spPr>
         <p:style>
-          <a:lnRef idx="0"/>
-          <a:fillRef idx="0"/>
-          <a:effectRef idx="0"/>
+          <a:lnRef idx="0">
+            <a:scrgbClr r="0" g="0" b="0"/>
+          </a:lnRef>
+          <a:fillRef idx="0">
+            <a:scrgbClr r="0" g="0" b="0"/>
+          </a:fillRef>
+          <a:effectRef idx="0">
+            <a:scrgbClr r="0" g="0" b="0"/>
+          </a:effectRef>
           <a:fontRef idx="minor"/>
         </p:style>
         <p:txBody>
-          <a:bodyPr anchor="b">
+          <a:bodyPr anchor="t">
             <a:normAutofit/>
           </a:bodyPr>
+          <a:lstStyle/>
+          <a:p>
+            <a:pPr algn="just">
+              <a:lnSpc>
+                <a:spcPct val="90000"/>
+              </a:lnSpc>
+              <a:buNone/>
+            </a:pPr>
+            <a:r>
+              <a:rPr lang="en-US" sz="2800" spc="-1" dirty="0">
+                <a:latin typeface="Calibri" panose="020F0502020204030204" pitchFamily="34" charset="0"/>
+                <a:ea typeface="Calibri" panose="020F0502020204030204" pitchFamily="34" charset="0"/>
+                <a:cs typeface="Calibri" panose="020F0502020204030204" pitchFamily="34" charset="0"/>
+              </a:rPr>
+              <a:t>Using high resolution OVI CGM simulations, we calculate theoretical performance of the low-read noise Skipper CCDs with Aspera. Aspera currently implements a MCP with performance near the 1-skip Skipper noise background. From the simulations, we clearly see a large increase in the diffuse OVI line emission SNR with increasing skips, approaching the UV background limited regime. Assuming the optimal readout speed from the readout simulations with a readout time of approximately ~1000s, a Skipper CCD with 1024 skips and 128 amplifiers adds approximately 2-3 hours to the total Aspera exposure time of ~30 days, only a ~0.5% down time. The long exposure times and low-signal of the Aspera observations provide an optimal environment for Skipper CCDs.</a:t>
+            </a:r>
+          </a:p>
+          <a:p>
+            <a:pPr algn="just">
+              <a:lnSpc>
+                <a:spcPct val="90000"/>
+              </a:lnSpc>
+              <a:buNone/>
+            </a:pPr>
+            <a:endParaRPr lang="en-US" sz="2800" spc="-1" dirty="0">
+              <a:latin typeface="Calibri" panose="020F0502020204030204" pitchFamily="34" charset="0"/>
+              <a:ea typeface="Calibri" panose="020F0502020204030204" pitchFamily="34" charset="0"/>
+              <a:cs typeface="Calibri" panose="020F0502020204030204" pitchFamily="34" charset="0"/>
+            </a:endParaRPr>
+          </a:p>
+          <a:p>
+            <a:pPr algn="just">
+              <a:lnSpc>
+                <a:spcPct val="90000"/>
+              </a:lnSpc>
+              <a:buNone/>
+            </a:pPr>
+            <a:endParaRPr lang="en-US" sz="2800" spc="-1" dirty="0">
+              <a:latin typeface="Calibri" panose="020F0502020204030204" pitchFamily="34" charset="0"/>
+              <a:ea typeface="Calibri" panose="020F0502020204030204" pitchFamily="34" charset="0"/>
+              <a:cs typeface="Calibri" panose="020F0502020204030204" pitchFamily="34" charset="0"/>
+            </a:endParaRPr>
+          </a:p>
+          <a:p>
+            <a:pPr algn="just">
+              <a:lnSpc>
+                <a:spcPct val="90000"/>
+              </a:lnSpc>
+              <a:buNone/>
+            </a:pPr>
+            <a:endParaRPr lang="en-US" sz="2800" spc="-1" dirty="0">
+              <a:latin typeface="Calibri" panose="020F0502020204030204" pitchFamily="34" charset="0"/>
+              <a:ea typeface="Calibri" panose="020F0502020204030204" pitchFamily="34" charset="0"/>
+              <a:cs typeface="Calibri" panose="020F0502020204030204" pitchFamily="34" charset="0"/>
+            </a:endParaRPr>
+          </a:p>
+          <a:p>
+            <a:pPr algn="just">
+              <a:lnSpc>
+                <a:spcPct val="90000"/>
+              </a:lnSpc>
+              <a:buNone/>
+            </a:pPr>
+            <a:endParaRPr lang="en-US" sz="2800" spc="-1" dirty="0">
+              <a:latin typeface="Calibri" panose="020F0502020204030204" pitchFamily="34" charset="0"/>
+              <a:ea typeface="Calibri" panose="020F0502020204030204" pitchFamily="34" charset="0"/>
+              <a:cs typeface="Calibri" panose="020F0502020204030204" pitchFamily="34" charset="0"/>
+            </a:endParaRPr>
+          </a:p>
+          <a:p>
+            <a:pPr algn="just">
+              <a:lnSpc>
+                <a:spcPct val="90000"/>
+              </a:lnSpc>
+              <a:buNone/>
+            </a:pPr>
+            <a:endParaRPr lang="en-US" sz="2800" spc="-1" dirty="0">
+              <a:latin typeface="Calibri" panose="020F0502020204030204" pitchFamily="34" charset="0"/>
+              <a:ea typeface="Calibri" panose="020F0502020204030204" pitchFamily="34" charset="0"/>
+              <a:cs typeface="Calibri" panose="020F0502020204030204" pitchFamily="34" charset="0"/>
+            </a:endParaRPr>
+          </a:p>
+          <a:p>
+            <a:pPr algn="just">
+              <a:lnSpc>
+                <a:spcPct val="90000"/>
+              </a:lnSpc>
+              <a:buNone/>
+            </a:pPr>
+            <a:endParaRPr lang="en-US" sz="2800" spc="-1" dirty="0">
+              <a:latin typeface="Calibri" panose="020F0502020204030204" pitchFamily="34" charset="0"/>
+              <a:ea typeface="Calibri" panose="020F0502020204030204" pitchFamily="34" charset="0"/>
+              <a:cs typeface="Calibri" panose="020F0502020204030204" pitchFamily="34" charset="0"/>
+            </a:endParaRPr>
+          </a:p>
+          <a:p>
+            <a:pPr algn="just">
+              <a:lnSpc>
+                <a:spcPct val="90000"/>
+              </a:lnSpc>
+              <a:buNone/>
+            </a:pPr>
+            <a:endParaRPr lang="en-US" sz="2800" spc="-1" dirty="0">
+              <a:latin typeface="Calibri" panose="020F0502020204030204" pitchFamily="34" charset="0"/>
+              <a:ea typeface="Calibri" panose="020F0502020204030204" pitchFamily="34" charset="0"/>
+              <a:cs typeface="Calibri" panose="020F0502020204030204" pitchFamily="34" charset="0"/>
+            </a:endParaRPr>
+          </a:p>
+          <a:p>
+            <a:pPr algn="just">
+              <a:lnSpc>
+                <a:spcPct val="90000"/>
+              </a:lnSpc>
+              <a:buNone/>
+            </a:pPr>
+            <a:endParaRPr lang="en-US" sz="2800" spc="-1" dirty="0">
+              <a:latin typeface="Calibri" panose="020F0502020204030204" pitchFamily="34" charset="0"/>
+              <a:ea typeface="Calibri" panose="020F0502020204030204" pitchFamily="34" charset="0"/>
+              <a:cs typeface="Calibri" panose="020F0502020204030204" pitchFamily="34" charset="0"/>
+            </a:endParaRPr>
+          </a:p>
+          <a:p>
+            <a:pPr algn="just">
+              <a:lnSpc>
+                <a:spcPct val="90000"/>
+              </a:lnSpc>
+              <a:buNone/>
+            </a:pPr>
+            <a:endParaRPr lang="en-US" sz="2800" spc="-1" dirty="0">
+              <a:latin typeface="Calibri" panose="020F0502020204030204" pitchFamily="34" charset="0"/>
+              <a:ea typeface="Calibri" panose="020F0502020204030204" pitchFamily="34" charset="0"/>
+              <a:cs typeface="Calibri" panose="020F0502020204030204" pitchFamily="34" charset="0"/>
+            </a:endParaRPr>
+          </a:p>
+          <a:p>
+            <a:pPr algn="just">
+              <a:lnSpc>
+                <a:spcPct val="90000"/>
+              </a:lnSpc>
+              <a:buNone/>
+            </a:pPr>
+            <a:endParaRPr lang="en-US" sz="2800" spc="-1" dirty="0">
+              <a:latin typeface="Calibri" panose="020F0502020204030204" pitchFamily="34" charset="0"/>
+              <a:ea typeface="Calibri" panose="020F0502020204030204" pitchFamily="34" charset="0"/>
+              <a:cs typeface="Calibri" panose="020F0502020204030204" pitchFamily="34" charset="0"/>
+            </a:endParaRPr>
+          </a:p>
+          <a:p>
+            <a:pPr algn="just">
+              <a:lnSpc>
+                <a:spcPct val="90000"/>
+              </a:lnSpc>
+              <a:buNone/>
+            </a:pPr>
+            <a:endParaRPr lang="en-US" sz="2800" spc="-1" dirty="0">
+              <a:latin typeface="Calibri" panose="020F0502020204030204" pitchFamily="34" charset="0"/>
+              <a:ea typeface="Calibri" panose="020F0502020204030204" pitchFamily="34" charset="0"/>
+              <a:cs typeface="Calibri" panose="020F0502020204030204" pitchFamily="34" charset="0"/>
+            </a:endParaRPr>
+          </a:p>
+          <a:p>
+            <a:pPr algn="just">
+              <a:lnSpc>
+                <a:spcPct val="90000"/>
+              </a:lnSpc>
+              <a:buNone/>
+            </a:pPr>
+            <a:endParaRPr lang="en-US" sz="2800" spc="-1" dirty="0">
+              <a:latin typeface="Calibri" panose="020F0502020204030204" pitchFamily="34" charset="0"/>
+              <a:ea typeface="Calibri" panose="020F0502020204030204" pitchFamily="34" charset="0"/>
+              <a:cs typeface="Calibri" panose="020F0502020204030204" pitchFamily="34" charset="0"/>
+            </a:endParaRPr>
+          </a:p>
+          <a:p>
+            <a:pPr algn="just">
+              <a:lnSpc>
+                <a:spcPct val="90000"/>
+              </a:lnSpc>
+              <a:buNone/>
+            </a:pPr>
+            <a:endParaRPr lang="en-US" sz="2800" spc="-1" dirty="0">
+              <a:latin typeface="Calibri" panose="020F0502020204030204" pitchFamily="34" charset="0"/>
+              <a:ea typeface="Calibri" panose="020F0502020204030204" pitchFamily="34" charset="0"/>
+              <a:cs typeface="Calibri" panose="020F0502020204030204" pitchFamily="34" charset="0"/>
+            </a:endParaRPr>
+          </a:p>
+          <a:p>
+            <a:pPr algn="just">
+              <a:lnSpc>
+                <a:spcPct val="90000"/>
+              </a:lnSpc>
+              <a:buNone/>
+            </a:pPr>
+            <a:endParaRPr lang="en-US" sz="2800" spc="-1" dirty="0">
+              <a:latin typeface="Calibri" panose="020F0502020204030204" pitchFamily="34" charset="0"/>
+              <a:ea typeface="Calibri" panose="020F0502020204030204" pitchFamily="34" charset="0"/>
+              <a:cs typeface="Calibri" panose="020F0502020204030204" pitchFamily="34" charset="0"/>
+            </a:endParaRPr>
+          </a:p>
+          <a:p>
+            <a:pPr algn="just">
+              <a:lnSpc>
+                <a:spcPct val="90000"/>
+              </a:lnSpc>
+              <a:buNone/>
+            </a:pPr>
+            <a:endParaRPr lang="en-US" sz="2800" spc="-1" dirty="0">
+              <a:latin typeface="Calibri" panose="020F0502020204030204" pitchFamily="34" charset="0"/>
+              <a:ea typeface="Calibri" panose="020F0502020204030204" pitchFamily="34" charset="0"/>
+              <a:cs typeface="Calibri" panose="020F0502020204030204" pitchFamily="34" charset="0"/>
+            </a:endParaRPr>
+          </a:p>
+          <a:p>
+            <a:pPr algn="just">
+              <a:lnSpc>
+                <a:spcPct val="90000"/>
+              </a:lnSpc>
+              <a:buNone/>
+            </a:pPr>
+            <a:endParaRPr lang="en-US" sz="2800" spc="-1" dirty="0">
+              <a:latin typeface="Calibri" panose="020F0502020204030204" pitchFamily="34" charset="0"/>
+              <a:ea typeface="Calibri" panose="020F0502020204030204" pitchFamily="34" charset="0"/>
+              <a:cs typeface="Calibri" panose="020F0502020204030204" pitchFamily="34" charset="0"/>
+            </a:endParaRPr>
+          </a:p>
+          <a:p>
+            <a:pPr algn="just">
+              <a:lnSpc>
+                <a:spcPct val="90000"/>
+              </a:lnSpc>
+              <a:buNone/>
+            </a:pPr>
+            <a:endParaRPr lang="en-US" sz="2800" spc="-1" dirty="0">
+              <a:latin typeface="Calibri" panose="020F0502020204030204" pitchFamily="34" charset="0"/>
+              <a:ea typeface="Calibri" panose="020F0502020204030204" pitchFamily="34" charset="0"/>
+              <a:cs typeface="Calibri" panose="020F0502020204030204" pitchFamily="34" charset="0"/>
+            </a:endParaRPr>
+          </a:p>
+          <a:p>
+            <a:pPr algn="just">
+              <a:lnSpc>
+                <a:spcPct val="90000"/>
+              </a:lnSpc>
+              <a:buNone/>
+            </a:pPr>
+            <a:endParaRPr lang="en-US" sz="2800" spc="-1" dirty="0">
+              <a:latin typeface="Calibri" panose="020F0502020204030204" pitchFamily="34" charset="0"/>
+              <a:ea typeface="Calibri" panose="020F0502020204030204" pitchFamily="34" charset="0"/>
+              <a:cs typeface="Calibri" panose="020F0502020204030204" pitchFamily="34" charset="0"/>
+            </a:endParaRPr>
+          </a:p>
+          <a:p>
+            <a:pPr algn="just">
+              <a:lnSpc>
+                <a:spcPct val="90000"/>
+              </a:lnSpc>
+              <a:buNone/>
+            </a:pPr>
+            <a:endParaRPr lang="en-US" sz="2800" spc="-1" dirty="0">
+              <a:latin typeface="Calibri" panose="020F0502020204030204" pitchFamily="34" charset="0"/>
+              <a:ea typeface="Calibri" panose="020F0502020204030204" pitchFamily="34" charset="0"/>
+              <a:cs typeface="Calibri" panose="020F0502020204030204" pitchFamily="34" charset="0"/>
+            </a:endParaRPr>
+          </a:p>
+          <a:p>
+            <a:pPr algn="just">
+              <a:lnSpc>
+                <a:spcPct val="90000"/>
+              </a:lnSpc>
+              <a:buNone/>
+            </a:pPr>
+            <a:endParaRPr lang="en-US" sz="2800" spc="-1" dirty="0">
+              <a:latin typeface="Calibri" panose="020F0502020204030204" pitchFamily="34" charset="0"/>
+              <a:ea typeface="Calibri" panose="020F0502020204030204" pitchFamily="34" charset="0"/>
+              <a:cs typeface="Calibri" panose="020F0502020204030204" pitchFamily="34" charset="0"/>
+            </a:endParaRPr>
+          </a:p>
+          <a:p>
+            <a:pPr algn="just">
+              <a:lnSpc>
+                <a:spcPct val="90000"/>
+              </a:lnSpc>
+              <a:buNone/>
+            </a:pPr>
+            <a:endParaRPr lang="en-US" sz="2800" spc="-1" dirty="0">
+              <a:latin typeface="Calibri" panose="020F0502020204030204" pitchFamily="34" charset="0"/>
+              <a:ea typeface="Calibri" panose="020F0502020204030204" pitchFamily="34" charset="0"/>
+              <a:cs typeface="Calibri" panose="020F0502020204030204" pitchFamily="34" charset="0"/>
+            </a:endParaRPr>
+          </a:p>
+          <a:p>
+            <a:pPr algn="just">
+              <a:lnSpc>
+                <a:spcPct val="90000"/>
+              </a:lnSpc>
+              <a:buNone/>
+            </a:pPr>
+            <a:endParaRPr lang="en-US" sz="2800" spc="-1" dirty="0">
+              <a:latin typeface="Calibri" panose="020F0502020204030204" pitchFamily="34" charset="0"/>
+              <a:ea typeface="Calibri" panose="020F0502020204030204" pitchFamily="34" charset="0"/>
+              <a:cs typeface="Calibri" panose="020F0502020204030204" pitchFamily="34" charset="0"/>
+            </a:endParaRPr>
+          </a:p>
+          <a:p>
+            <a:pPr algn="just">
+              <a:lnSpc>
+                <a:spcPct val="90000"/>
+              </a:lnSpc>
+              <a:buNone/>
+            </a:pPr>
+            <a:endParaRPr lang="en-US" sz="2800" spc="-1" dirty="0">
+              <a:latin typeface="Calibri" panose="020F0502020204030204" pitchFamily="34" charset="0"/>
+              <a:ea typeface="Calibri" panose="020F0502020204030204" pitchFamily="34" charset="0"/>
+              <a:cs typeface="Calibri" panose="020F0502020204030204" pitchFamily="34" charset="0"/>
+            </a:endParaRPr>
+          </a:p>
+          <a:p>
+            <a:pPr algn="just">
+              <a:lnSpc>
+                <a:spcPct val="90000"/>
+              </a:lnSpc>
+              <a:buNone/>
+            </a:pPr>
+            <a:endParaRPr lang="en-US" sz="2800" spc="-1" dirty="0">
+              <a:latin typeface="Calibri" panose="020F0502020204030204" pitchFamily="34" charset="0"/>
+              <a:ea typeface="Calibri" panose="020F0502020204030204" pitchFamily="34" charset="0"/>
+              <a:cs typeface="Calibri" panose="020F0502020204030204" pitchFamily="34" charset="0"/>
+            </a:endParaRPr>
+          </a:p>
+          <a:p>
+            <a:pPr algn="just">
+              <a:lnSpc>
+                <a:spcPct val="90000"/>
+              </a:lnSpc>
+              <a:buNone/>
+            </a:pPr>
+            <a:endParaRPr lang="en-US" sz="2800" spc="-1" dirty="0">
+              <a:latin typeface="Calibri" panose="020F0502020204030204" pitchFamily="34" charset="0"/>
+              <a:ea typeface="Calibri" panose="020F0502020204030204" pitchFamily="34" charset="0"/>
+              <a:cs typeface="Calibri" panose="020F0502020204030204" pitchFamily="34" charset="0"/>
+            </a:endParaRPr>
+          </a:p>
+          <a:p>
+            <a:pPr algn="just">
+              <a:lnSpc>
+                <a:spcPct val="90000"/>
+              </a:lnSpc>
+              <a:buNone/>
+            </a:pPr>
+            <a:endParaRPr lang="en-US" sz="2800" spc="-1" dirty="0">
+              <a:latin typeface="Calibri" panose="020F0502020204030204" pitchFamily="34" charset="0"/>
+              <a:ea typeface="Calibri" panose="020F0502020204030204" pitchFamily="34" charset="0"/>
+              <a:cs typeface="Calibri" panose="020F0502020204030204" pitchFamily="34" charset="0"/>
+            </a:endParaRPr>
+          </a:p>
+          <a:p>
+            <a:pPr algn="just">
+              <a:lnSpc>
+                <a:spcPct val="90000"/>
+              </a:lnSpc>
+              <a:buNone/>
+            </a:pPr>
+            <a:endParaRPr lang="en-US" sz="2800" spc="-1" dirty="0">
+              <a:latin typeface="Calibri" panose="020F0502020204030204" pitchFamily="34" charset="0"/>
+              <a:ea typeface="Calibri" panose="020F0502020204030204" pitchFamily="34" charset="0"/>
+              <a:cs typeface="Calibri" panose="020F0502020204030204" pitchFamily="34" charset="0"/>
+            </a:endParaRPr>
+          </a:p>
+          <a:p>
+            <a:pPr algn="just">
+              <a:lnSpc>
+                <a:spcPct val="90000"/>
+              </a:lnSpc>
+              <a:buNone/>
+            </a:pPr>
+            <a:endParaRPr lang="en-US" sz="2800" spc="-1" dirty="0">
+              <a:latin typeface="Calibri" panose="020F0502020204030204" pitchFamily="34" charset="0"/>
+              <a:ea typeface="Calibri" panose="020F0502020204030204" pitchFamily="34" charset="0"/>
+              <a:cs typeface="Calibri" panose="020F0502020204030204" pitchFamily="34" charset="0"/>
+            </a:endParaRPr>
+          </a:p>
+          <a:p>
+            <a:pPr algn="just">
+              <a:lnSpc>
+                <a:spcPct val="90000"/>
+              </a:lnSpc>
+              <a:buNone/>
+            </a:pPr>
+            <a:endParaRPr lang="en-US" sz="2800" spc="-1" dirty="0">
+              <a:latin typeface="Calibri" panose="020F0502020204030204" pitchFamily="34" charset="0"/>
+              <a:ea typeface="Calibri" panose="020F0502020204030204" pitchFamily="34" charset="0"/>
+              <a:cs typeface="Calibri" panose="020F0502020204030204" pitchFamily="34" charset="0"/>
+            </a:endParaRPr>
+          </a:p>
+          <a:p>
+            <a:pPr algn="just">
+              <a:lnSpc>
+                <a:spcPct val="90000"/>
+              </a:lnSpc>
+              <a:buNone/>
+            </a:pPr>
+            <a:endParaRPr lang="en-US" sz="2800" spc="-1" dirty="0">
+              <a:latin typeface="Calibri" panose="020F0502020204030204" pitchFamily="34" charset="0"/>
+              <a:ea typeface="Calibri" panose="020F0502020204030204" pitchFamily="34" charset="0"/>
+              <a:cs typeface="Calibri" panose="020F0502020204030204" pitchFamily="34" charset="0"/>
+            </a:endParaRPr>
+          </a:p>
+          <a:p>
+            <a:pPr algn="just">
+              <a:lnSpc>
+                <a:spcPct val="90000"/>
+              </a:lnSpc>
+              <a:buNone/>
+            </a:pPr>
+            <a:endParaRPr lang="en-US" sz="2800" spc="-1" dirty="0">
+              <a:latin typeface="Calibri" panose="020F0502020204030204" pitchFamily="34" charset="0"/>
+              <a:ea typeface="Calibri" panose="020F0502020204030204" pitchFamily="34" charset="0"/>
+              <a:cs typeface="Calibri" panose="020F0502020204030204" pitchFamily="34" charset="0"/>
+            </a:endParaRPr>
+          </a:p>
+          <a:p>
+            <a:pPr algn="just">
+              <a:lnSpc>
+                <a:spcPct val="90000"/>
+              </a:lnSpc>
+              <a:buNone/>
+            </a:pPr>
+            <a:endParaRPr lang="en-US" sz="2800" spc="-1" dirty="0">
+              <a:latin typeface="Calibri" panose="020F0502020204030204" pitchFamily="34" charset="0"/>
+              <a:ea typeface="Calibri" panose="020F0502020204030204" pitchFamily="34" charset="0"/>
+              <a:cs typeface="Calibri" panose="020F0502020204030204" pitchFamily="34" charset="0"/>
+            </a:endParaRPr>
+          </a:p>
+          <a:p>
+            <a:pPr algn="just">
+              <a:lnSpc>
+                <a:spcPct val="90000"/>
+              </a:lnSpc>
+              <a:buNone/>
+            </a:pPr>
+            <a:endParaRPr lang="en-US" sz="2800" spc="-1" dirty="0">
+              <a:latin typeface="Calibri" panose="020F0502020204030204" pitchFamily="34" charset="0"/>
+              <a:ea typeface="Calibri" panose="020F0502020204030204" pitchFamily="34" charset="0"/>
+              <a:cs typeface="Calibri" panose="020F0502020204030204" pitchFamily="34" charset="0"/>
+            </a:endParaRPr>
+          </a:p>
+          <a:p>
+            <a:pPr algn="just">
+              <a:lnSpc>
+                <a:spcPct val="90000"/>
+              </a:lnSpc>
+              <a:buNone/>
+            </a:pPr>
+            <a:r>
+              <a:rPr lang="en-US" sz="2800" spc="-1" dirty="0">
+                <a:latin typeface="Calibri" panose="020F0502020204030204" pitchFamily="34" charset="0"/>
+                <a:ea typeface="Calibri" panose="020F0502020204030204" pitchFamily="34" charset="0"/>
+                <a:cs typeface="Calibri" panose="020F0502020204030204" pitchFamily="34" charset="0"/>
+              </a:rPr>
+              <a:t>Figure 4: Simulated OVI line emission signal to noise ratios for the Aspera </a:t>
+            </a:r>
+            <a:r>
+              <a:rPr lang="en-US" sz="2800" spc="-1" dirty="0" err="1">
+                <a:latin typeface="Calibri" panose="020F0502020204030204" pitchFamily="34" charset="0"/>
+                <a:ea typeface="Calibri" panose="020F0502020204030204" pitchFamily="34" charset="0"/>
+                <a:cs typeface="Calibri" panose="020F0502020204030204" pitchFamily="34" charset="0"/>
+              </a:rPr>
+              <a:t>SmallSat</a:t>
+            </a:r>
+            <a:r>
+              <a:rPr lang="en-US" sz="2800" spc="-1" dirty="0">
+                <a:latin typeface="Calibri" panose="020F0502020204030204" pitchFamily="34" charset="0"/>
+                <a:ea typeface="Calibri" panose="020F0502020204030204" pitchFamily="34" charset="0"/>
+                <a:cs typeface="Calibri" panose="020F0502020204030204" pitchFamily="34" charset="0"/>
+              </a:rPr>
+              <a:t> mission. Notable improvements in the diffuse outer edges can be seen for increasing numbers of skips.</a:t>
+            </a:r>
+          </a:p>
+          <a:p>
+            <a:pPr algn="just">
+              <a:lnSpc>
+                <a:spcPct val="90000"/>
+              </a:lnSpc>
+              <a:buNone/>
+            </a:pPr>
+            <a:endParaRPr lang="en-US" sz="2800" spc="-1" dirty="0">
+              <a:latin typeface="Calibri" panose="020F0502020204030204" pitchFamily="34" charset="0"/>
+              <a:ea typeface="Calibri" panose="020F0502020204030204" pitchFamily="34" charset="0"/>
+              <a:cs typeface="Calibri" panose="020F0502020204030204" pitchFamily="34" charset="0"/>
+            </a:endParaRPr>
+          </a:p>
+          <a:p>
+            <a:pPr algn="just">
+              <a:lnSpc>
+                <a:spcPct val="90000"/>
+              </a:lnSpc>
+              <a:buNone/>
+            </a:pPr>
+            <a:endParaRPr lang="en-US" sz="2800" spc="-1" dirty="0">
+              <a:latin typeface="Calibri" panose="020F0502020204030204" pitchFamily="34" charset="0"/>
+              <a:ea typeface="Calibri" panose="020F0502020204030204" pitchFamily="34" charset="0"/>
+              <a:cs typeface="Calibri" panose="020F0502020204030204" pitchFamily="34" charset="0"/>
+            </a:endParaRPr>
+          </a:p>
+          <a:p>
+            <a:pPr algn="just">
+              <a:lnSpc>
+                <a:spcPct val="90000"/>
+              </a:lnSpc>
+              <a:buNone/>
+            </a:pPr>
+            <a:endParaRPr lang="en-US" sz="2800" spc="-1" dirty="0">
+              <a:latin typeface="Calibri" panose="020F0502020204030204" pitchFamily="34" charset="0"/>
+              <a:ea typeface="Calibri" panose="020F0502020204030204" pitchFamily="34" charset="0"/>
+              <a:cs typeface="Calibri" panose="020F0502020204030204" pitchFamily="34" charset="0"/>
+            </a:endParaRPr>
+          </a:p>
+          <a:p>
+            <a:pPr algn="just">
+              <a:lnSpc>
+                <a:spcPct val="90000"/>
+              </a:lnSpc>
+              <a:buNone/>
+            </a:pPr>
+            <a:endParaRPr lang="en-US" sz="2800" spc="-1" dirty="0">
+              <a:latin typeface="Calibri" panose="020F0502020204030204" pitchFamily="34" charset="0"/>
+              <a:ea typeface="Calibri" panose="020F0502020204030204" pitchFamily="34" charset="0"/>
+              <a:cs typeface="Calibri" panose="020F0502020204030204" pitchFamily="34" charset="0"/>
+            </a:endParaRPr>
+          </a:p>
+          <a:p>
+            <a:pPr algn="just">
+              <a:lnSpc>
+                <a:spcPct val="90000"/>
+              </a:lnSpc>
+              <a:buNone/>
+            </a:pPr>
+            <a:endParaRPr lang="en-US" sz="2800" spc="-1" dirty="0">
+              <a:latin typeface="Calibri" panose="020F0502020204030204" pitchFamily="34" charset="0"/>
+              <a:ea typeface="Calibri" panose="020F0502020204030204" pitchFamily="34" charset="0"/>
+              <a:cs typeface="Calibri" panose="020F0502020204030204" pitchFamily="34" charset="0"/>
+            </a:endParaRPr>
+          </a:p>
+          <a:p>
+            <a:pPr algn="just">
+              <a:lnSpc>
+                <a:spcPct val="90000"/>
+              </a:lnSpc>
+              <a:buNone/>
+            </a:pPr>
+            <a:endParaRPr lang="en-US" sz="2800" spc="-1" dirty="0">
+              <a:latin typeface="Calibri" panose="020F0502020204030204" pitchFamily="34" charset="0"/>
+              <a:ea typeface="Calibri" panose="020F0502020204030204" pitchFamily="34" charset="0"/>
+              <a:cs typeface="Calibri" panose="020F0502020204030204" pitchFamily="34" charset="0"/>
+            </a:endParaRPr>
+          </a:p>
+          <a:p>
+            <a:pPr algn="just">
+              <a:lnSpc>
+                <a:spcPct val="90000"/>
+              </a:lnSpc>
+              <a:buNone/>
+            </a:pPr>
+            <a:endParaRPr lang="en-US" sz="2800" spc="-1" dirty="0">
+              <a:latin typeface="Calibri" panose="020F0502020204030204" pitchFamily="34" charset="0"/>
+              <a:ea typeface="Calibri" panose="020F0502020204030204" pitchFamily="34" charset="0"/>
+              <a:cs typeface="Calibri" panose="020F0502020204030204" pitchFamily="34" charset="0"/>
+            </a:endParaRPr>
+          </a:p>
+          <a:p>
+            <a:pPr algn="just">
+              <a:lnSpc>
+                <a:spcPct val="90000"/>
+              </a:lnSpc>
+              <a:buNone/>
+            </a:pPr>
+            <a:endParaRPr lang="en-US" sz="2800" spc="-1" dirty="0">
+              <a:latin typeface="Calibri" panose="020F0502020204030204" pitchFamily="34" charset="0"/>
+              <a:ea typeface="Calibri" panose="020F0502020204030204" pitchFamily="34" charset="0"/>
+              <a:cs typeface="Calibri" panose="020F0502020204030204" pitchFamily="34" charset="0"/>
+            </a:endParaRPr>
+          </a:p>
+          <a:p>
+            <a:pPr algn="just">
+              <a:lnSpc>
+                <a:spcPct val="90000"/>
+              </a:lnSpc>
+              <a:buNone/>
+            </a:pPr>
+            <a:endParaRPr lang="en-US" sz="2800" spc="-1" dirty="0">
+              <a:latin typeface="Calibri" panose="020F0502020204030204" pitchFamily="34" charset="0"/>
+              <a:ea typeface="Calibri" panose="020F0502020204030204" pitchFamily="34" charset="0"/>
+              <a:cs typeface="Calibri" panose="020F0502020204030204" pitchFamily="34" charset="0"/>
+            </a:endParaRPr>
+          </a:p>
+          <a:p>
+            <a:pPr algn="just">
+              <a:lnSpc>
+                <a:spcPct val="90000"/>
+              </a:lnSpc>
+              <a:buNone/>
+            </a:pPr>
+            <a:endParaRPr lang="en-US" sz="2800" spc="-1" dirty="0">
+              <a:latin typeface="Calibri" panose="020F0502020204030204" pitchFamily="34" charset="0"/>
+              <a:ea typeface="Calibri" panose="020F0502020204030204" pitchFamily="34" charset="0"/>
+              <a:cs typeface="Calibri" panose="020F0502020204030204" pitchFamily="34" charset="0"/>
+            </a:endParaRPr>
+          </a:p>
+        </p:txBody>
+      </p:sp>
+      <p:sp>
+        <p:nvSpPr>
+          <p:cNvPr id="31" name="Rectangle: Rounded Corners 30">
+            <a:extLst>
+              <a:ext uri="{FF2B5EF4-FFF2-40B4-BE49-F238E27FC236}">
+                <a16:creationId xmlns:a16="http://schemas.microsoft.com/office/drawing/2014/main" id="{0FA73BFE-C0B0-6665-1297-32A0354608FB}"/>
+              </a:ext>
+            </a:extLst>
+          </p:cNvPr>
+          <p:cNvSpPr/>
+          <p:nvPr/>
+        </p:nvSpPr>
+        <p:spPr>
+          <a:xfrm>
+            <a:off x="16738371" y="5671615"/>
+            <a:ext cx="14716899" cy="10970234"/>
+          </a:xfrm>
+          <a:prstGeom prst="roundRect">
+            <a:avLst/>
+          </a:prstGeom>
+          <a:solidFill>
+            <a:schemeClr val="bg1">
+              <a:lumMod val="95000"/>
+            </a:schemeClr>
+          </a:solidFill>
+          <a:ln w="38100">
+            <a:solidFill>
+              <a:srgbClr val="0C234B"/>
+            </a:solidFill>
+          </a:ln>
+        </p:spPr>
+        <p:style>
+          <a:lnRef idx="2">
+            <a:schemeClr val="accent1">
+              <a:shade val="15000"/>
+            </a:schemeClr>
+          </a:lnRef>
+          <a:fillRef idx="1">
+            <a:schemeClr val="accent1"/>
+          </a:fillRef>
+          <a:effectRef idx="0">
+            <a:schemeClr val="accent1"/>
+          </a:effectRef>
+          <a:fontRef idx="minor">
+            <a:schemeClr val="lt1"/>
+          </a:fontRef>
+        </p:style>
+        <p:txBody>
+          <a:bodyPr rtlCol="0" anchor="ctr"/>
+          <a:lstStyle/>
+          <a:p>
+            <a:pPr algn="ctr"/>
+            <a:endParaRPr lang="en-US" dirty="0"/>
+          </a:p>
+        </p:txBody>
+      </p:sp>
+      <p:sp>
+        <p:nvSpPr>
+          <p:cNvPr id="32" name="Rectangle: Rounded Corners 31">
+            <a:extLst>
+              <a:ext uri="{FF2B5EF4-FFF2-40B4-BE49-F238E27FC236}">
+                <a16:creationId xmlns:a16="http://schemas.microsoft.com/office/drawing/2014/main" id="{C868B9FA-720F-DFFC-3A15-52EC7F622F8C}"/>
+              </a:ext>
+            </a:extLst>
+          </p:cNvPr>
+          <p:cNvSpPr/>
+          <p:nvPr/>
+        </p:nvSpPr>
+        <p:spPr>
+          <a:xfrm>
+            <a:off x="944020" y="5642533"/>
+            <a:ext cx="14716899" cy="5923504"/>
+          </a:xfrm>
+          <a:prstGeom prst="roundRect">
+            <a:avLst/>
+          </a:prstGeom>
+          <a:solidFill>
+            <a:schemeClr val="bg1">
+              <a:lumMod val="95000"/>
+            </a:schemeClr>
+          </a:solidFill>
+          <a:ln w="38100">
+            <a:solidFill>
+              <a:srgbClr val="0C234B"/>
+            </a:solidFill>
+          </a:ln>
+        </p:spPr>
+        <p:style>
+          <a:lnRef idx="2">
+            <a:schemeClr val="accent1">
+              <a:shade val="15000"/>
+            </a:schemeClr>
+          </a:lnRef>
+          <a:fillRef idx="1">
+            <a:schemeClr val="accent1"/>
+          </a:fillRef>
+          <a:effectRef idx="0">
+            <a:schemeClr val="accent1"/>
+          </a:effectRef>
+          <a:fontRef idx="minor">
+            <a:schemeClr val="lt1"/>
+          </a:fontRef>
+        </p:style>
+        <p:txBody>
+          <a:bodyPr rtlCol="0" anchor="ctr"/>
+          <a:lstStyle/>
+          <a:p>
+            <a:pPr algn="ctr"/>
+            <a:endParaRPr lang="en-US" dirty="0"/>
+          </a:p>
+        </p:txBody>
+      </p:sp>
+      <p:sp>
+        <p:nvSpPr>
+          <p:cNvPr id="28" name="Rectangle: Rounded Corners 27">
+            <a:extLst>
+              <a:ext uri="{FF2B5EF4-FFF2-40B4-BE49-F238E27FC236}">
+                <a16:creationId xmlns:a16="http://schemas.microsoft.com/office/drawing/2014/main" id="{39E4E8EB-2F11-A0BC-938B-7213A9F28523}"/>
+              </a:ext>
+            </a:extLst>
+          </p:cNvPr>
+          <p:cNvSpPr/>
+          <p:nvPr/>
+        </p:nvSpPr>
+        <p:spPr>
+          <a:xfrm>
+            <a:off x="1002007" y="38100228"/>
+            <a:ext cx="30394904" cy="4571153"/>
+          </a:xfrm>
+          <a:prstGeom prst="roundRect">
+            <a:avLst/>
+          </a:prstGeom>
+          <a:solidFill>
+            <a:schemeClr val="bg1">
+              <a:lumMod val="95000"/>
+            </a:schemeClr>
+          </a:solidFill>
+          <a:ln w="38100">
+            <a:solidFill>
+              <a:srgbClr val="0C234B"/>
+            </a:solidFill>
+          </a:ln>
+        </p:spPr>
+        <p:style>
+          <a:lnRef idx="2">
+            <a:schemeClr val="accent1">
+              <a:shade val="15000"/>
+            </a:schemeClr>
+          </a:lnRef>
+          <a:fillRef idx="1">
+            <a:schemeClr val="accent1"/>
+          </a:fillRef>
+          <a:effectRef idx="0">
+            <a:schemeClr val="accent1"/>
+          </a:effectRef>
+          <a:fontRef idx="minor">
+            <a:schemeClr val="lt1"/>
+          </a:fontRef>
+        </p:style>
+        <p:txBody>
+          <a:bodyPr rtlCol="0" anchor="ctr"/>
+          <a:lstStyle/>
+          <a:p>
+            <a:pPr algn="ctr"/>
+            <a:endParaRPr lang="en-US"/>
+          </a:p>
+        </p:txBody>
+      </p:sp>
+      <p:sp>
+        <p:nvSpPr>
+          <p:cNvPr id="40" name="Title 3"/>
+          <p:cNvSpPr/>
+          <p:nvPr/>
+        </p:nvSpPr>
+        <p:spPr>
+          <a:xfrm>
+            <a:off x="2429999" y="2716243"/>
+            <a:ext cx="27538920" cy="1471440"/>
+          </a:xfrm>
+          <a:prstGeom prst="rect">
+            <a:avLst/>
+          </a:prstGeom>
+          <a:noFill/>
+          <a:ln w="0">
+            <a:noFill/>
+          </a:ln>
+        </p:spPr>
+        <p:style>
+          <a:lnRef idx="0">
+            <a:scrgbClr r="0" g="0" b="0"/>
+          </a:lnRef>
+          <a:fillRef idx="0">
+            <a:scrgbClr r="0" g="0" b="0"/>
+          </a:fillRef>
+          <a:effectRef idx="0">
+            <a:scrgbClr r="0" g="0" b="0"/>
+          </a:effectRef>
+          <a:fontRef idx="minor"/>
+        </p:style>
+        <p:txBody>
+          <a:bodyPr anchor="t">
+            <a:normAutofit/>
+          </a:bodyPr>
+          <a:lstStyle/>
           <a:p>
             <a:pPr algn="ctr">
               <a:lnSpc>
@@ -3076,30 +4711,2909 @@
               <a:buNone/>
             </a:pPr>
             <a:r>
-              <a:rPr b="0" lang="en-US" sz="2400" spc="-1" strike="noStrike">
+              <a:rPr lang="en-US" sz="4800" b="0" strike="noStrike" spc="-1" dirty="0">
                 <a:solidFill>
                   <a:srgbClr val="000000"/>
                 </a:solidFill>
                 <a:latin typeface="Calibri Light"/>
-              </a:rPr>
-              <a:t>Efforts are being made to develop detectors that can be used for applications in astronomy. Skipper CCDs are an inventive detector architecture with photon-counting ability utilizing multiple non-destructive readouts of pixel charge. Our group is working on developing Skipper CCDs with enhanced UV QE. In this paper we present the design and readout electronics for a 128-amplifier Skipper CCD. We calculate theoretical Skipper noise models and optimize readout times for a selection of scenarios. Using this architecture, we demonstrate hypothetical signal-to-noise ratio improvements in two different applications: ultra-diffuse spatially resolved spectroscopic mapping, and high-resolution spectroscopy with pixel binning and automatic sky line removal. We provide the status of our on-going effort for extensive characterization of the noise performance of delta-doped enhanced Skipper CCDs, including our characterization setup and absolute quantum efficiency measurements. We propose a tentative project timeline, including planned lot runs, characterization tests, and on-sky testing. Low-noise Skipper CCDs have the potential to revolutionize ultra-faint imaging, due to their greatly increased signal-to-noise ratio at low incident fluxes.</a:t>
-            </a:r>
-            <a:endParaRPr b="0" lang="en-CA" sz="2400" spc="-1" strike="noStrike">
+                <a:ea typeface="Noto Sans CJK SC"/>
+              </a:rPr>
+              <a:t>Brock A. Parker</a:t>
+            </a:r>
+            <a:r>
+              <a:rPr lang="en-US" sz="4800" b="0" strike="noStrike" spc="-1" baseline="33000" dirty="0">
+                <a:solidFill>
+                  <a:srgbClr val="000000"/>
+                </a:solidFill>
+                <a:latin typeface="Calibri Light"/>
+                <a:ea typeface="Noto Sans CJK SC"/>
+              </a:rPr>
+              <a:t>1</a:t>
+            </a:r>
+            <a:r>
+              <a:rPr lang="en-US" sz="4800" b="0" strike="noStrike" spc="-1" dirty="0">
+                <a:solidFill>
+                  <a:srgbClr val="000000"/>
+                </a:solidFill>
+                <a:latin typeface="Calibri Light"/>
+                <a:ea typeface="Noto Sans CJK SC"/>
+              </a:rPr>
+              <a:t>, Erika Hamden</a:t>
+            </a:r>
+            <a:r>
+              <a:rPr lang="en-US" sz="4800" b="0" strike="noStrike" spc="-1" baseline="33000" dirty="0">
+                <a:solidFill>
+                  <a:srgbClr val="000000"/>
+                </a:solidFill>
+                <a:latin typeface="Calibri Light"/>
+                <a:ea typeface="Noto Sans CJK SC"/>
+              </a:rPr>
+              <a:t>1</a:t>
+            </a:r>
+            <a:r>
+              <a:rPr lang="en-US" sz="4800" b="0" strike="noStrike" spc="-1" dirty="0">
+                <a:solidFill>
+                  <a:srgbClr val="000000"/>
+                </a:solidFill>
+                <a:latin typeface="Calibri Light"/>
+                <a:ea typeface="Noto Sans CJK SC"/>
+              </a:rPr>
+              <a:t>, Steve Kaye</a:t>
+            </a:r>
+            <a:r>
+              <a:rPr lang="en-US" sz="4800" b="0" strike="noStrike" spc="-1" baseline="33000" dirty="0">
+                <a:solidFill>
+                  <a:srgbClr val="000000"/>
+                </a:solidFill>
+                <a:latin typeface="Calibri Light"/>
+                <a:ea typeface="Noto Sans CJK SC"/>
+              </a:rPr>
+              <a:t>1</a:t>
+            </a:r>
+            <a:r>
+              <a:rPr lang="en-US" sz="4800" b="0" strike="noStrike" spc="-1" dirty="0">
+                <a:solidFill>
+                  <a:srgbClr val="000000"/>
+                </a:solidFill>
+                <a:latin typeface="Calibri Light"/>
+                <a:ea typeface="Noto Sans CJK SC"/>
+              </a:rPr>
+              <a:t>, </a:t>
+            </a:r>
+            <a:r>
+              <a:rPr lang="en-US" sz="4800" b="0" strike="noStrike" spc="-1" dirty="0" err="1">
+                <a:solidFill>
+                  <a:srgbClr val="000000"/>
+                </a:solidFill>
+                <a:latin typeface="Calibri Light"/>
+                <a:ea typeface="Noto Sans CJK SC"/>
+              </a:rPr>
+              <a:t>Aafaque</a:t>
+            </a:r>
+            <a:r>
+              <a:rPr lang="en-US" sz="4800" b="0" strike="noStrike" spc="-1" dirty="0">
+                <a:solidFill>
+                  <a:srgbClr val="000000"/>
+                </a:solidFill>
+                <a:latin typeface="Calibri Light"/>
+                <a:ea typeface="Noto Sans CJK SC"/>
+              </a:rPr>
+              <a:t> Khan</a:t>
+            </a:r>
+            <a:r>
+              <a:rPr lang="en-US" sz="4800" b="0" strike="noStrike" spc="-1" baseline="33000" dirty="0">
+                <a:solidFill>
+                  <a:srgbClr val="000000"/>
+                </a:solidFill>
+                <a:latin typeface="Calibri Light"/>
+              </a:rPr>
+              <a:t>1</a:t>
+            </a:r>
+            <a:endParaRPr lang="en-CA" sz="4800" b="0" strike="noStrike" spc="-1" dirty="0">
               <a:latin typeface="Arial"/>
+            </a:endParaRPr>
+          </a:p>
+          <a:p>
+            <a:pPr algn="ctr">
+              <a:lnSpc>
+                <a:spcPct val="90000"/>
+              </a:lnSpc>
+              <a:buNone/>
+            </a:pPr>
+            <a:r>
+              <a:rPr lang="en-US" sz="4800" b="0" strike="noStrike" spc="-1" dirty="0">
+                <a:solidFill>
+                  <a:srgbClr val="000000"/>
+                </a:solidFill>
+                <a:latin typeface="Calibri Light"/>
+              </a:rPr>
+              <a:t>University of Arizona</a:t>
+            </a:r>
+            <a:endParaRPr lang="en-CA" sz="4800" b="0" strike="noStrike" spc="-1" dirty="0">
+              <a:latin typeface="Arial"/>
+            </a:endParaRPr>
+          </a:p>
+        </p:txBody>
+      </p:sp>
+      <p:sp>
+        <p:nvSpPr>
+          <p:cNvPr id="41" name="PlaceHolder 1"/>
+          <p:cNvSpPr>
+            <a:spLocks noGrp="1"/>
+          </p:cNvSpPr>
+          <p:nvPr>
+            <p:ph type="title"/>
+          </p:nvPr>
+        </p:nvSpPr>
+        <p:spPr>
+          <a:xfrm>
+            <a:off x="5278999" y="494907"/>
+            <a:ext cx="21840920" cy="2229622"/>
+          </a:xfrm>
+          <a:prstGeom prst="rect">
+            <a:avLst/>
+          </a:prstGeom>
+          <a:noFill/>
+          <a:ln w="0">
+            <a:noFill/>
+          </a:ln>
+        </p:spPr>
+        <p:txBody>
+          <a:bodyPr anchor="t">
+            <a:normAutofit/>
+          </a:bodyPr>
+          <a:lstStyle/>
+          <a:p>
+            <a:pPr algn="ctr">
+              <a:lnSpc>
+                <a:spcPct val="90000"/>
+              </a:lnSpc>
+              <a:buNone/>
+            </a:pPr>
+            <a:r>
+              <a:rPr lang="en-US" sz="8000" b="0" strike="noStrike" spc="-1" dirty="0">
+                <a:solidFill>
+                  <a:srgbClr val="000000"/>
+                </a:solidFill>
+                <a:latin typeface="Calibri Light"/>
+              </a:rPr>
+              <a:t>Theoretical Performance and Applications of a Novel </a:t>
+            </a:r>
+            <a:br>
+              <a:rPr lang="en-US" sz="8000" b="0" strike="noStrike" spc="-1" dirty="0">
+                <a:solidFill>
+                  <a:srgbClr val="000000"/>
+                </a:solidFill>
+                <a:latin typeface="Calibri Light"/>
+              </a:rPr>
+            </a:br>
+            <a:r>
+              <a:rPr lang="en-US" sz="8000" b="0" strike="noStrike" spc="-1" dirty="0">
+                <a:solidFill>
+                  <a:srgbClr val="000000"/>
+                </a:solidFill>
+                <a:latin typeface="Calibri Light"/>
+              </a:rPr>
+              <a:t>128-amplifier Delta-Doped UV Enhanced Skipper CCD</a:t>
+            </a:r>
+            <a:endParaRPr lang="en-US" sz="8000" b="0" strike="noStrike" spc="-1" dirty="0">
+              <a:solidFill>
+                <a:srgbClr val="000000"/>
+              </a:solidFill>
+              <a:latin typeface="Calibri"/>
+            </a:endParaRPr>
+          </a:p>
+        </p:txBody>
+      </p:sp>
+      <p:sp>
+        <p:nvSpPr>
+          <p:cNvPr id="42" name="Title 3"/>
+          <p:cNvSpPr/>
+          <p:nvPr/>
+        </p:nvSpPr>
+        <p:spPr>
+          <a:xfrm>
+            <a:off x="1762308" y="6035806"/>
+            <a:ext cx="13080321" cy="5484744"/>
+          </a:xfrm>
+          <a:prstGeom prst="rect">
+            <a:avLst/>
+          </a:prstGeom>
+          <a:noFill/>
+          <a:ln w="0">
+            <a:noFill/>
+          </a:ln>
+        </p:spPr>
+        <p:style>
+          <a:lnRef idx="0">
+            <a:scrgbClr r="0" g="0" b="0"/>
+          </a:lnRef>
+          <a:fillRef idx="0">
+            <a:scrgbClr r="0" g="0" b="0"/>
+          </a:fillRef>
+          <a:effectRef idx="0">
+            <a:scrgbClr r="0" g="0" b="0"/>
+          </a:effectRef>
+          <a:fontRef idx="minor"/>
+        </p:style>
+        <p:txBody>
+          <a:bodyPr anchor="t">
+            <a:normAutofit lnSpcReduction="10000"/>
+          </a:bodyPr>
+          <a:lstStyle/>
+          <a:p>
+            <a:pPr algn="just">
+              <a:lnSpc>
+                <a:spcPct val="90000"/>
+              </a:lnSpc>
+            </a:pPr>
+            <a:r>
+              <a:rPr lang="en-US" sz="2800" b="0" strike="noStrike" spc="-1" dirty="0">
+                <a:solidFill>
+                  <a:srgbClr val="000000"/>
+                </a:solidFill>
+                <a:latin typeface="Calibri" panose="020F0502020204030204" pitchFamily="34" charset="0"/>
+                <a:ea typeface="Calibri" panose="020F0502020204030204" pitchFamily="34" charset="0"/>
+                <a:cs typeface="Calibri" panose="020F0502020204030204" pitchFamily="34" charset="0"/>
+              </a:rPr>
+              <a:t>Efforts are being made to develop detectors that can be used for applications in astronomy. Skipper CCDs are an inventive detector architecture with photon-counting ability utilizing multiple non-destructive readouts of pixel charge [6]. Our group is working on developing Skipper CCDs with enhanced UV QE. In this paper we present the design and readout electronics for a 128-amplifier Skipper CCD. We calculate theoretical Skipper noise models and optimize readout times for a selection of scenarios. Using this architecture, we demonstrate hypothetical signal-to-noise ratio improvements in two different applications: ultra-diffuse spatially resolved spectroscopic mapping, and high-resolution spectroscopy with pixel binning and automatic sky line removal. We provide the status of our on-going effort for extensive characterization of the noise performance of delta-doped enhanced Skipper CCDs, including our characterization setup and absolute quantum efficiency measurements. We propose a tentative project timeline, including planned lot runs, characterization tests, and on-sky testing. Low-noise Skipper CCDs have the potential to revolutionize ultra-faint imaging, due to their greatly increased signal-to-noise ratio at low incident fluxes.</a:t>
+            </a:r>
+            <a:endParaRPr lang="en-CA" sz="2800" b="0" strike="noStrike" spc="-1" dirty="0">
+              <a:latin typeface="Calibri" panose="020F0502020204030204" pitchFamily="34" charset="0"/>
+              <a:ea typeface="Calibri" panose="020F0502020204030204" pitchFamily="34" charset="0"/>
+              <a:cs typeface="Calibri" panose="020F0502020204030204" pitchFamily="34" charset="0"/>
+            </a:endParaRPr>
+          </a:p>
+        </p:txBody>
+      </p:sp>
+      <p:sp>
+        <p:nvSpPr>
+          <p:cNvPr id="3" name="Title 3">
+            <a:extLst>
+              <a:ext uri="{FF2B5EF4-FFF2-40B4-BE49-F238E27FC236}">
+                <a16:creationId xmlns:a16="http://schemas.microsoft.com/office/drawing/2014/main" id="{322AD4A8-A400-4A2D-DF68-F790FAECC5D6}"/>
+              </a:ext>
+            </a:extLst>
+          </p:cNvPr>
+          <p:cNvSpPr/>
+          <p:nvPr/>
+        </p:nvSpPr>
+        <p:spPr>
+          <a:xfrm>
+            <a:off x="18313750" y="29084972"/>
+            <a:ext cx="12399300" cy="2010480"/>
+          </a:xfrm>
+          <a:prstGeom prst="rect">
+            <a:avLst/>
+          </a:prstGeom>
+          <a:noFill/>
+          <a:ln w="0">
+            <a:noFill/>
+          </a:ln>
+        </p:spPr>
+        <p:style>
+          <a:lnRef idx="0">
+            <a:scrgbClr r="0" g="0" b="0"/>
+          </a:lnRef>
+          <a:fillRef idx="0">
+            <a:scrgbClr r="0" g="0" b="0"/>
+          </a:fillRef>
+          <a:effectRef idx="0">
+            <a:scrgbClr r="0" g="0" b="0"/>
+          </a:effectRef>
+          <a:fontRef idx="minor"/>
+        </p:style>
+        <p:txBody>
+          <a:bodyPr anchor="t">
+            <a:normAutofit/>
+          </a:bodyPr>
+          <a:lstStyle/>
+          <a:p>
+            <a:pPr algn="ctr">
+              <a:lnSpc>
+                <a:spcPct val="90000"/>
+              </a:lnSpc>
+              <a:buNone/>
+            </a:pPr>
+            <a:r>
+              <a:rPr lang="en-CA" sz="2400" b="0" strike="noStrike" spc="-1" dirty="0">
+                <a:latin typeface="Arial"/>
+              </a:rPr>
+              <a:t>Body text for simulated observations</a:t>
+            </a:r>
+          </a:p>
+        </p:txBody>
+      </p:sp>
+      <p:sp>
+        <p:nvSpPr>
+          <p:cNvPr id="4" name="Title 3">
+            <a:extLst>
+              <a:ext uri="{FF2B5EF4-FFF2-40B4-BE49-F238E27FC236}">
+                <a16:creationId xmlns:a16="http://schemas.microsoft.com/office/drawing/2014/main" id="{35C84D96-ADA2-885A-D238-F569DB4C7176}"/>
+              </a:ext>
+            </a:extLst>
+          </p:cNvPr>
+          <p:cNvSpPr/>
+          <p:nvPr/>
+        </p:nvSpPr>
+        <p:spPr>
+          <a:xfrm>
+            <a:off x="17551510" y="6291200"/>
+            <a:ext cx="13090620" cy="9935401"/>
+          </a:xfrm>
+          <a:prstGeom prst="rect">
+            <a:avLst/>
+          </a:prstGeom>
+          <a:noFill/>
+          <a:ln w="0">
+            <a:noFill/>
+          </a:ln>
+        </p:spPr>
+        <p:style>
+          <a:lnRef idx="0">
+            <a:scrgbClr r="0" g="0" b="0"/>
+          </a:lnRef>
+          <a:fillRef idx="0">
+            <a:scrgbClr r="0" g="0" b="0"/>
+          </a:fillRef>
+          <a:effectRef idx="0">
+            <a:scrgbClr r="0" g="0" b="0"/>
+          </a:effectRef>
+          <a:fontRef idx="minor"/>
+        </p:style>
+        <p:txBody>
+          <a:bodyPr anchor="t">
+            <a:normAutofit/>
+          </a:bodyPr>
+          <a:lstStyle/>
+          <a:p>
+            <a:pPr algn="just">
+              <a:lnSpc>
+                <a:spcPct val="90000"/>
+              </a:lnSpc>
+              <a:buNone/>
+            </a:pPr>
+            <a:r>
+              <a:rPr lang="en-US" sz="2800" b="0" strike="noStrike" spc="-1" dirty="0">
+                <a:latin typeface="Calibri" panose="020F0502020204030204" pitchFamily="34" charset="0"/>
+                <a:ea typeface="Calibri" panose="020F0502020204030204" pitchFamily="34" charset="0"/>
+                <a:cs typeface="Calibri" panose="020F0502020204030204" pitchFamily="34" charset="0"/>
+              </a:rPr>
+              <a:t>We are currently undergoing construction of our Skipper CCD testing setup, including an existing UV monochromator, absolute QE measurement setup, and dark current measurement setup. In the proceeding years, we plan to perform UV characterization of existing Skipper CCDs, including 4k x 2k 15 </a:t>
+            </a:r>
+            <a:r>
+              <a:rPr lang="el-GR" sz="2800" b="0" strike="noStrike" spc="-1" dirty="0">
+                <a:latin typeface="Calibri" panose="020F0502020204030204" pitchFamily="34" charset="0"/>
+                <a:ea typeface="Calibri" panose="020F0502020204030204" pitchFamily="34" charset="0"/>
+                <a:cs typeface="Calibri" panose="020F0502020204030204" pitchFamily="34" charset="0"/>
+              </a:rPr>
+              <a:t>μ</a:t>
+            </a:r>
+            <a:r>
+              <a:rPr lang="en-US" sz="2800" b="0" strike="noStrike" spc="-1" dirty="0">
+                <a:latin typeface="Calibri" panose="020F0502020204030204" pitchFamily="34" charset="0"/>
+                <a:ea typeface="Calibri" panose="020F0502020204030204" pitchFamily="34" charset="0"/>
+                <a:cs typeface="Calibri" panose="020F0502020204030204" pitchFamily="34" charset="0"/>
+              </a:rPr>
+              <a:t>m detector designed at </a:t>
+            </a:r>
+            <a:r>
+              <a:rPr lang="en-US" sz="2800" b="0" strike="noStrike" spc="-1" dirty="0" err="1">
+                <a:latin typeface="Calibri" panose="020F0502020204030204" pitchFamily="34" charset="0"/>
+                <a:ea typeface="Calibri" panose="020F0502020204030204" pitchFamily="34" charset="0"/>
+                <a:cs typeface="Calibri" panose="020F0502020204030204" pitchFamily="34" charset="0"/>
+              </a:rPr>
+              <a:t>FermiLab</a:t>
+            </a:r>
+            <a:r>
+              <a:rPr lang="en-US" sz="2800" b="0" strike="noStrike" spc="-1" dirty="0">
+                <a:latin typeface="Calibri" panose="020F0502020204030204" pitchFamily="34" charset="0"/>
+                <a:ea typeface="Calibri" panose="020F0502020204030204" pitchFamily="34" charset="0"/>
+                <a:cs typeface="Calibri" panose="020F0502020204030204" pitchFamily="34" charset="0"/>
+              </a:rPr>
+              <a:t>. These devices will undergo UV optimization at JPL, including backside thinning, delta-doping, and AR coating. Concurrent to these characterization efforts, we are designing and planning a lot run of a 128-amplifier Skipper CCD, which we will characterize with our existing setup. Following design and testing of thes</a:t>
+            </a:r>
+            <a:r>
+              <a:rPr lang="en-US" sz="2800" spc="-1" dirty="0">
+                <a:latin typeface="Calibri" panose="020F0502020204030204" pitchFamily="34" charset="0"/>
+                <a:ea typeface="Calibri" panose="020F0502020204030204" pitchFamily="34" charset="0"/>
+                <a:cs typeface="Calibri" panose="020F0502020204030204" pitchFamily="34" charset="0"/>
+              </a:rPr>
+              <a:t>e devices, design optimizations will be completed and a new lot run will be performed, with the ultimate goal of deep-sub electron Skipper CCDs with a readout time of less than two minutes. After final testing and verification of the final device, we are planning on-sky testing of CGM observations with CH</a:t>
+            </a:r>
+            <a:r>
+              <a:rPr lang="el-GR" sz="2800" spc="-1" dirty="0">
+                <a:latin typeface="Calibri" panose="020F0502020204030204" pitchFamily="34" charset="0"/>
+                <a:ea typeface="Calibri" panose="020F0502020204030204" pitchFamily="34" charset="0"/>
+                <a:cs typeface="Calibri" panose="020F0502020204030204" pitchFamily="34" charset="0"/>
+              </a:rPr>
+              <a:t>α</a:t>
+            </a:r>
+            <a:r>
+              <a:rPr lang="en-US" sz="2800" spc="-1" dirty="0">
+                <a:latin typeface="Calibri" panose="020F0502020204030204" pitchFamily="34" charset="0"/>
+                <a:ea typeface="Calibri" panose="020F0502020204030204" pitchFamily="34" charset="0"/>
+                <a:cs typeface="Calibri" panose="020F0502020204030204" pitchFamily="34" charset="0"/>
+              </a:rPr>
+              <a:t>S, the </a:t>
+            </a:r>
+            <a:r>
+              <a:rPr lang="en-US" sz="2800" spc="-1" dirty="0" err="1">
+                <a:latin typeface="Calibri" panose="020F0502020204030204" pitchFamily="34" charset="0"/>
+                <a:ea typeface="Calibri" panose="020F0502020204030204" pitchFamily="34" charset="0"/>
+                <a:cs typeface="Calibri" panose="020F0502020204030204" pitchFamily="34" charset="0"/>
+              </a:rPr>
+              <a:t>Circumgalactic</a:t>
+            </a:r>
+            <a:r>
+              <a:rPr lang="en-US" sz="2800" spc="-1" dirty="0">
+                <a:latin typeface="Calibri" panose="020F0502020204030204" pitchFamily="34" charset="0"/>
+                <a:ea typeface="Calibri" panose="020F0502020204030204" pitchFamily="34" charset="0"/>
+                <a:cs typeface="Calibri" panose="020F0502020204030204" pitchFamily="34" charset="0"/>
+              </a:rPr>
+              <a:t> H</a:t>
+            </a:r>
+            <a:r>
+              <a:rPr lang="el-GR" sz="2800" spc="-1" dirty="0">
+                <a:latin typeface="Calibri" panose="020F0502020204030204" pitchFamily="34" charset="0"/>
+                <a:ea typeface="Calibri" panose="020F0502020204030204" pitchFamily="34" charset="0"/>
+                <a:cs typeface="Calibri" panose="020F0502020204030204" pitchFamily="34" charset="0"/>
+              </a:rPr>
+              <a:t>α</a:t>
+            </a:r>
+            <a:r>
+              <a:rPr lang="en-US" sz="2800" spc="-1" dirty="0">
+                <a:latin typeface="Calibri" panose="020F0502020204030204" pitchFamily="34" charset="0"/>
+                <a:ea typeface="Calibri" panose="020F0502020204030204" pitchFamily="34" charset="0"/>
+                <a:cs typeface="Calibri" panose="020F0502020204030204" pitchFamily="34" charset="0"/>
+              </a:rPr>
+              <a:t> Spectrograph.</a:t>
+            </a:r>
+          </a:p>
+          <a:p>
+            <a:pPr algn="just">
+              <a:lnSpc>
+                <a:spcPct val="90000"/>
+              </a:lnSpc>
+              <a:buNone/>
+            </a:pPr>
+            <a:endParaRPr lang="en-US" sz="2800" b="0" strike="noStrike" spc="-1" dirty="0">
+              <a:latin typeface="Calibri" panose="020F0502020204030204" pitchFamily="34" charset="0"/>
+              <a:ea typeface="Calibri" panose="020F0502020204030204" pitchFamily="34" charset="0"/>
+              <a:cs typeface="Calibri" panose="020F0502020204030204" pitchFamily="34" charset="0"/>
+            </a:endParaRPr>
+          </a:p>
+          <a:p>
+            <a:pPr algn="just">
+              <a:lnSpc>
+                <a:spcPct val="90000"/>
+              </a:lnSpc>
+              <a:buNone/>
+            </a:pPr>
+            <a:endParaRPr lang="en-US" sz="2800" spc="-1" dirty="0">
+              <a:latin typeface="Calibri" panose="020F0502020204030204" pitchFamily="34" charset="0"/>
+              <a:ea typeface="Calibri" panose="020F0502020204030204" pitchFamily="34" charset="0"/>
+              <a:cs typeface="Calibri" panose="020F0502020204030204" pitchFamily="34" charset="0"/>
+            </a:endParaRPr>
+          </a:p>
+          <a:p>
+            <a:pPr algn="just">
+              <a:lnSpc>
+                <a:spcPct val="90000"/>
+              </a:lnSpc>
+              <a:buNone/>
+            </a:pPr>
+            <a:endParaRPr lang="en-US" sz="2800" b="0" strike="noStrike" spc="-1" dirty="0">
+              <a:latin typeface="Calibri" panose="020F0502020204030204" pitchFamily="34" charset="0"/>
+              <a:ea typeface="Calibri" panose="020F0502020204030204" pitchFamily="34" charset="0"/>
+              <a:cs typeface="Calibri" panose="020F0502020204030204" pitchFamily="34" charset="0"/>
+            </a:endParaRPr>
+          </a:p>
+          <a:p>
+            <a:pPr algn="just">
+              <a:lnSpc>
+                <a:spcPct val="90000"/>
+              </a:lnSpc>
+              <a:buNone/>
+            </a:pPr>
+            <a:endParaRPr lang="en-US" sz="2800" spc="-1" dirty="0">
+              <a:latin typeface="Calibri" panose="020F0502020204030204" pitchFamily="34" charset="0"/>
+              <a:ea typeface="Calibri" panose="020F0502020204030204" pitchFamily="34" charset="0"/>
+              <a:cs typeface="Calibri" panose="020F0502020204030204" pitchFamily="34" charset="0"/>
+            </a:endParaRPr>
+          </a:p>
+          <a:p>
+            <a:pPr algn="just">
+              <a:lnSpc>
+                <a:spcPct val="90000"/>
+              </a:lnSpc>
+              <a:buNone/>
+            </a:pPr>
+            <a:endParaRPr lang="en-US" sz="2800" b="0" strike="noStrike" spc="-1" dirty="0">
+              <a:latin typeface="Calibri" panose="020F0502020204030204" pitchFamily="34" charset="0"/>
+              <a:ea typeface="Calibri" panose="020F0502020204030204" pitchFamily="34" charset="0"/>
+              <a:cs typeface="Calibri" panose="020F0502020204030204" pitchFamily="34" charset="0"/>
+            </a:endParaRPr>
+          </a:p>
+          <a:p>
+            <a:pPr algn="just">
+              <a:lnSpc>
+                <a:spcPct val="90000"/>
+              </a:lnSpc>
+              <a:buNone/>
+            </a:pPr>
+            <a:endParaRPr lang="en-US" sz="2800" spc="-1" dirty="0">
+              <a:latin typeface="Calibri" panose="020F0502020204030204" pitchFamily="34" charset="0"/>
+              <a:ea typeface="Calibri" panose="020F0502020204030204" pitchFamily="34" charset="0"/>
+              <a:cs typeface="Calibri" panose="020F0502020204030204" pitchFamily="34" charset="0"/>
+            </a:endParaRPr>
+          </a:p>
+          <a:p>
+            <a:pPr algn="just">
+              <a:lnSpc>
+                <a:spcPct val="90000"/>
+              </a:lnSpc>
+              <a:buNone/>
+            </a:pPr>
+            <a:endParaRPr lang="en-US" sz="2800" b="0" strike="noStrike" spc="-1" dirty="0">
+              <a:latin typeface="Calibri" panose="020F0502020204030204" pitchFamily="34" charset="0"/>
+              <a:ea typeface="Calibri" panose="020F0502020204030204" pitchFamily="34" charset="0"/>
+              <a:cs typeface="Calibri" panose="020F0502020204030204" pitchFamily="34" charset="0"/>
+            </a:endParaRPr>
+          </a:p>
+          <a:p>
+            <a:pPr algn="just">
+              <a:lnSpc>
+                <a:spcPct val="90000"/>
+              </a:lnSpc>
+              <a:buNone/>
+            </a:pPr>
+            <a:endParaRPr lang="en-US" sz="2800" spc="-1" dirty="0">
+              <a:latin typeface="Calibri" panose="020F0502020204030204" pitchFamily="34" charset="0"/>
+              <a:ea typeface="Calibri" panose="020F0502020204030204" pitchFamily="34" charset="0"/>
+              <a:cs typeface="Calibri" panose="020F0502020204030204" pitchFamily="34" charset="0"/>
+            </a:endParaRPr>
+          </a:p>
+          <a:p>
+            <a:pPr algn="just">
+              <a:lnSpc>
+                <a:spcPct val="90000"/>
+              </a:lnSpc>
+              <a:buNone/>
+            </a:pPr>
+            <a:endParaRPr lang="en-US" sz="2800" b="0" strike="noStrike" spc="-1" dirty="0">
+              <a:latin typeface="Calibri" panose="020F0502020204030204" pitchFamily="34" charset="0"/>
+              <a:ea typeface="Calibri" panose="020F0502020204030204" pitchFamily="34" charset="0"/>
+              <a:cs typeface="Calibri" panose="020F0502020204030204" pitchFamily="34" charset="0"/>
+            </a:endParaRPr>
+          </a:p>
+          <a:p>
+            <a:pPr algn="just">
+              <a:lnSpc>
+                <a:spcPct val="90000"/>
+              </a:lnSpc>
+              <a:buNone/>
+            </a:pPr>
+            <a:endParaRPr lang="en-US" sz="2800" spc="-1" dirty="0">
+              <a:latin typeface="Calibri" panose="020F0502020204030204" pitchFamily="34" charset="0"/>
+              <a:ea typeface="Calibri" panose="020F0502020204030204" pitchFamily="34" charset="0"/>
+              <a:cs typeface="Calibri" panose="020F0502020204030204" pitchFamily="34" charset="0"/>
+            </a:endParaRPr>
+          </a:p>
+          <a:p>
+            <a:pPr algn="just">
+              <a:lnSpc>
+                <a:spcPct val="90000"/>
+              </a:lnSpc>
+              <a:buNone/>
+            </a:pPr>
+            <a:endParaRPr lang="en-US" sz="2800" b="0" strike="noStrike" spc="-1" dirty="0">
+              <a:latin typeface="Calibri" panose="020F0502020204030204" pitchFamily="34" charset="0"/>
+              <a:ea typeface="Calibri" panose="020F0502020204030204" pitchFamily="34" charset="0"/>
+              <a:cs typeface="Calibri" panose="020F0502020204030204" pitchFamily="34" charset="0"/>
+            </a:endParaRPr>
+          </a:p>
+          <a:p>
+            <a:pPr algn="just">
+              <a:lnSpc>
+                <a:spcPct val="90000"/>
+              </a:lnSpc>
+              <a:buNone/>
+            </a:pPr>
+            <a:r>
+              <a:rPr lang="en-US" sz="2800" spc="-1" dirty="0">
+                <a:latin typeface="Calibri" panose="020F0502020204030204" pitchFamily="34" charset="0"/>
+                <a:ea typeface="Calibri" panose="020F0502020204030204" pitchFamily="34" charset="0"/>
+                <a:cs typeface="Calibri" panose="020F0502020204030204" pitchFamily="34" charset="0"/>
+              </a:rPr>
+              <a:t>Figure 1: Proposed project timeline, including detector characterization, multiple lot runs, and on-sky testing.</a:t>
+            </a:r>
+          </a:p>
+        </p:txBody>
+      </p:sp>
+      <p:sp>
+        <p:nvSpPr>
+          <p:cNvPr id="5" name="Title 3">
+            <a:extLst>
+              <a:ext uri="{FF2B5EF4-FFF2-40B4-BE49-F238E27FC236}">
+                <a16:creationId xmlns:a16="http://schemas.microsoft.com/office/drawing/2014/main" id="{4532B2CE-4473-F376-A753-EA15526A967D}"/>
+              </a:ext>
+            </a:extLst>
+          </p:cNvPr>
+          <p:cNvSpPr/>
+          <p:nvPr/>
+        </p:nvSpPr>
+        <p:spPr>
+          <a:xfrm>
+            <a:off x="1820400" y="38356171"/>
+            <a:ext cx="29819141" cy="4291899"/>
+          </a:xfrm>
+          <a:prstGeom prst="rect">
+            <a:avLst/>
+          </a:prstGeom>
+          <a:noFill/>
+          <a:ln w="0">
+            <a:noFill/>
+          </a:ln>
+        </p:spPr>
+        <p:style>
+          <a:lnRef idx="0">
+            <a:scrgbClr r="0" g="0" b="0"/>
+          </a:lnRef>
+          <a:fillRef idx="0">
+            <a:scrgbClr r="0" g="0" b="0"/>
+          </a:fillRef>
+          <a:effectRef idx="0">
+            <a:scrgbClr r="0" g="0" b="0"/>
+          </a:effectRef>
+          <a:fontRef idx="minor"/>
+        </p:style>
+        <p:txBody>
+          <a:bodyPr anchor="t">
+            <a:normAutofit fontScale="92500" lnSpcReduction="10000"/>
+          </a:bodyPr>
+          <a:lstStyle/>
+          <a:p>
+            <a:r>
+              <a:rPr lang="en-US" sz="2400" dirty="0">
+                <a:effectLst/>
+                <a:latin typeface="Calibri" panose="020F0502020204030204" pitchFamily="34" charset="0"/>
+                <a:ea typeface="Calibri" panose="020F0502020204030204" pitchFamily="34" charset="0"/>
+                <a:cs typeface="Calibri" panose="020F0502020204030204" pitchFamily="34" charset="0"/>
+              </a:rPr>
+              <a:t>[1] E. T. Hamden </a:t>
+            </a:r>
+            <a:r>
+              <a:rPr lang="en-US" sz="2400" i="1" dirty="0">
+                <a:effectLst/>
+                <a:latin typeface="Calibri" panose="020F0502020204030204" pitchFamily="34" charset="0"/>
+                <a:ea typeface="Calibri" panose="020F0502020204030204" pitchFamily="34" charset="0"/>
+                <a:cs typeface="Calibri" panose="020F0502020204030204" pitchFamily="34" charset="0"/>
+              </a:rPr>
+              <a:t>et al.</a:t>
+            </a:r>
+            <a:r>
+              <a:rPr lang="en-US" sz="2400" dirty="0">
+                <a:effectLst/>
+                <a:latin typeface="Calibri" panose="020F0502020204030204" pitchFamily="34" charset="0"/>
+                <a:ea typeface="Calibri" panose="020F0502020204030204" pitchFamily="34" charset="0"/>
+                <a:cs typeface="Calibri" panose="020F0502020204030204" pitchFamily="34" charset="0"/>
+              </a:rPr>
+              <a:t>, “Charge-coupled devices detectors with high quantum efficiency at UV wavelengths,” </a:t>
+            </a:r>
+            <a:r>
+              <a:rPr lang="en-US" sz="2400" i="1" dirty="0">
+                <a:effectLst/>
+                <a:latin typeface="Calibri" panose="020F0502020204030204" pitchFamily="34" charset="0"/>
+                <a:ea typeface="Calibri" panose="020F0502020204030204" pitchFamily="34" charset="0"/>
+                <a:cs typeface="Calibri" panose="020F0502020204030204" pitchFamily="34" charset="0"/>
+              </a:rPr>
+              <a:t>J. Astron. </a:t>
+            </a:r>
+            <a:r>
+              <a:rPr lang="en-US" sz="2400" i="1" dirty="0" err="1">
+                <a:effectLst/>
+                <a:latin typeface="Calibri" panose="020F0502020204030204" pitchFamily="34" charset="0"/>
+                <a:ea typeface="Calibri" panose="020F0502020204030204" pitchFamily="34" charset="0"/>
+                <a:cs typeface="Calibri" panose="020F0502020204030204" pitchFamily="34" charset="0"/>
+              </a:rPr>
+              <a:t>Telesc</a:t>
+            </a:r>
+            <a:r>
+              <a:rPr lang="en-US" sz="2400" i="1" dirty="0">
+                <a:effectLst/>
+                <a:latin typeface="Calibri" panose="020F0502020204030204" pitchFamily="34" charset="0"/>
+                <a:ea typeface="Calibri" panose="020F0502020204030204" pitchFamily="34" charset="0"/>
+                <a:cs typeface="Calibri" panose="020F0502020204030204" pitchFamily="34" charset="0"/>
+              </a:rPr>
+              <a:t>. </a:t>
+            </a:r>
+            <a:r>
+              <a:rPr lang="en-US" sz="2400" i="1" dirty="0" err="1">
+                <a:effectLst/>
+                <a:latin typeface="Calibri" panose="020F0502020204030204" pitchFamily="34" charset="0"/>
+                <a:ea typeface="Calibri" panose="020F0502020204030204" pitchFamily="34" charset="0"/>
+                <a:cs typeface="Calibri" panose="020F0502020204030204" pitchFamily="34" charset="0"/>
+              </a:rPr>
+              <a:t>Instrum</a:t>
+            </a:r>
+            <a:r>
+              <a:rPr lang="en-US" sz="2400" i="1" dirty="0">
+                <a:effectLst/>
+                <a:latin typeface="Calibri" panose="020F0502020204030204" pitchFamily="34" charset="0"/>
+                <a:ea typeface="Calibri" panose="020F0502020204030204" pitchFamily="34" charset="0"/>
+                <a:cs typeface="Calibri" panose="020F0502020204030204" pitchFamily="34" charset="0"/>
+              </a:rPr>
+              <a:t>. Syst</a:t>
+            </a:r>
+            <a:r>
+              <a:rPr lang="en-US" sz="2400" dirty="0">
+                <a:effectLst/>
+                <a:latin typeface="Calibri" panose="020F0502020204030204" pitchFamily="34" charset="0"/>
+                <a:ea typeface="Calibri" panose="020F0502020204030204" pitchFamily="34" charset="0"/>
+                <a:cs typeface="Calibri" panose="020F0502020204030204" pitchFamily="34" charset="0"/>
+              </a:rPr>
+              <a:t>, vol. 2, no. 3, p. 036003, Sep. 2016, </a:t>
+            </a:r>
+            <a:r>
+              <a:rPr lang="en-US" sz="2400" dirty="0" err="1">
+                <a:effectLst/>
+                <a:latin typeface="Calibri" panose="020F0502020204030204" pitchFamily="34" charset="0"/>
+                <a:ea typeface="Calibri" panose="020F0502020204030204" pitchFamily="34" charset="0"/>
+                <a:cs typeface="Calibri" panose="020F0502020204030204" pitchFamily="34" charset="0"/>
+              </a:rPr>
+              <a:t>doi</a:t>
+            </a:r>
+            <a:r>
+              <a:rPr lang="en-US" sz="2400" dirty="0">
+                <a:effectLst/>
+                <a:latin typeface="Calibri" panose="020F0502020204030204" pitchFamily="34" charset="0"/>
+                <a:ea typeface="Calibri" panose="020F0502020204030204" pitchFamily="34" charset="0"/>
+                <a:cs typeface="Calibri" panose="020F0502020204030204" pitchFamily="34" charset="0"/>
+              </a:rPr>
+              <a:t>: </a:t>
+            </a:r>
+            <a:r>
+              <a:rPr lang="en-US" sz="2400" dirty="0">
+                <a:effectLst/>
+                <a:latin typeface="Calibri" panose="020F0502020204030204" pitchFamily="34" charset="0"/>
+                <a:ea typeface="Calibri" panose="020F0502020204030204" pitchFamily="34" charset="0"/>
+                <a:cs typeface="Calibri" panose="020F0502020204030204" pitchFamily="34" charset="0"/>
+                <a:hlinkClick r:id="rId2"/>
+              </a:rPr>
+              <a:t>10.1117/1.JATIS.2.3.036003</a:t>
+            </a:r>
+            <a:r>
+              <a:rPr lang="en-US" sz="2400" dirty="0">
+                <a:effectLst/>
+                <a:latin typeface="Calibri" panose="020F0502020204030204" pitchFamily="34" charset="0"/>
+                <a:ea typeface="Calibri" panose="020F0502020204030204" pitchFamily="34" charset="0"/>
+                <a:cs typeface="Calibri" panose="020F0502020204030204" pitchFamily="34" charset="0"/>
+              </a:rPr>
+              <a:t>.</a:t>
+            </a:r>
+          </a:p>
+          <a:p>
+            <a:r>
+              <a:rPr lang="en-US" sz="2400" dirty="0">
+                <a:effectLst/>
+                <a:latin typeface="Calibri" panose="020F0502020204030204" pitchFamily="34" charset="0"/>
+                <a:ea typeface="Calibri" panose="020F0502020204030204" pitchFamily="34" charset="0"/>
+                <a:cs typeface="Calibri" panose="020F0502020204030204" pitchFamily="34" charset="0"/>
+              </a:rPr>
+              <a:t>[2] G. </a:t>
+            </a:r>
+            <a:r>
+              <a:rPr lang="en-US" sz="2400" dirty="0" err="1">
+                <a:effectLst/>
+                <a:latin typeface="Calibri" panose="020F0502020204030204" pitchFamily="34" charset="0"/>
+                <a:ea typeface="Calibri" panose="020F0502020204030204" pitchFamily="34" charset="0"/>
+                <a:cs typeface="Calibri" panose="020F0502020204030204" pitchFamily="34" charset="0"/>
+              </a:rPr>
+              <a:t>Kyne</a:t>
+            </a:r>
+            <a:r>
+              <a:rPr lang="en-US" sz="2400" dirty="0">
+                <a:effectLst/>
+                <a:latin typeface="Calibri" panose="020F0502020204030204" pitchFamily="34" charset="0"/>
+                <a:ea typeface="Calibri" panose="020F0502020204030204" pitchFamily="34" charset="0"/>
+                <a:cs typeface="Calibri" panose="020F0502020204030204" pitchFamily="34" charset="0"/>
+              </a:rPr>
+              <a:t> </a:t>
+            </a:r>
+            <a:r>
+              <a:rPr lang="en-US" sz="2400" i="1" dirty="0">
+                <a:effectLst/>
+                <a:latin typeface="Calibri" panose="020F0502020204030204" pitchFamily="34" charset="0"/>
+                <a:ea typeface="Calibri" panose="020F0502020204030204" pitchFamily="34" charset="0"/>
+                <a:cs typeface="Calibri" panose="020F0502020204030204" pitchFamily="34" charset="0"/>
+              </a:rPr>
+              <a:t>et al.</a:t>
+            </a:r>
+            <a:r>
+              <a:rPr lang="en-US" sz="2400" dirty="0">
+                <a:effectLst/>
+                <a:latin typeface="Calibri" panose="020F0502020204030204" pitchFamily="34" charset="0"/>
+                <a:ea typeface="Calibri" panose="020F0502020204030204" pitchFamily="34" charset="0"/>
+                <a:cs typeface="Calibri" panose="020F0502020204030204" pitchFamily="34" charset="0"/>
+              </a:rPr>
+              <a:t>, “Delta-doped electron-multiplying CCDs for FIREBall-2,” </a:t>
+            </a:r>
+            <a:r>
+              <a:rPr lang="en-US" sz="2400" i="1" dirty="0">
+                <a:effectLst/>
+                <a:latin typeface="Calibri" panose="020F0502020204030204" pitchFamily="34" charset="0"/>
+                <a:ea typeface="Calibri" panose="020F0502020204030204" pitchFamily="34" charset="0"/>
+                <a:cs typeface="Calibri" panose="020F0502020204030204" pitchFamily="34" charset="0"/>
+              </a:rPr>
+              <a:t>J. Astron. </a:t>
+            </a:r>
+            <a:r>
+              <a:rPr lang="en-US" sz="2400" i="1" dirty="0" err="1">
+                <a:effectLst/>
+                <a:latin typeface="Calibri" panose="020F0502020204030204" pitchFamily="34" charset="0"/>
+                <a:ea typeface="Calibri" panose="020F0502020204030204" pitchFamily="34" charset="0"/>
+                <a:cs typeface="Calibri" panose="020F0502020204030204" pitchFamily="34" charset="0"/>
+              </a:rPr>
+              <a:t>Telesc</a:t>
+            </a:r>
+            <a:r>
+              <a:rPr lang="en-US" sz="2400" i="1" dirty="0">
+                <a:effectLst/>
+                <a:latin typeface="Calibri" panose="020F0502020204030204" pitchFamily="34" charset="0"/>
+                <a:ea typeface="Calibri" panose="020F0502020204030204" pitchFamily="34" charset="0"/>
+                <a:cs typeface="Calibri" panose="020F0502020204030204" pitchFamily="34" charset="0"/>
+              </a:rPr>
+              <a:t>. </a:t>
+            </a:r>
+            <a:r>
+              <a:rPr lang="en-US" sz="2400" i="1" dirty="0" err="1">
+                <a:effectLst/>
+                <a:latin typeface="Calibri" panose="020F0502020204030204" pitchFamily="34" charset="0"/>
+                <a:ea typeface="Calibri" panose="020F0502020204030204" pitchFamily="34" charset="0"/>
+                <a:cs typeface="Calibri" panose="020F0502020204030204" pitchFamily="34" charset="0"/>
+              </a:rPr>
+              <a:t>Instrum</a:t>
+            </a:r>
+            <a:r>
+              <a:rPr lang="en-US" sz="2400" i="1" dirty="0">
+                <a:effectLst/>
+                <a:latin typeface="Calibri" panose="020F0502020204030204" pitchFamily="34" charset="0"/>
+                <a:ea typeface="Calibri" panose="020F0502020204030204" pitchFamily="34" charset="0"/>
+                <a:cs typeface="Calibri" panose="020F0502020204030204" pitchFamily="34" charset="0"/>
+              </a:rPr>
+              <a:t>. Syst.</a:t>
+            </a:r>
+            <a:r>
+              <a:rPr lang="en-US" sz="2400" dirty="0">
+                <a:effectLst/>
+                <a:latin typeface="Calibri" panose="020F0502020204030204" pitchFamily="34" charset="0"/>
+                <a:ea typeface="Calibri" panose="020F0502020204030204" pitchFamily="34" charset="0"/>
+                <a:cs typeface="Calibri" panose="020F0502020204030204" pitchFamily="34" charset="0"/>
+              </a:rPr>
+              <a:t>, vol. 6, no. 01, p. 1, Mar. 2020, </a:t>
+            </a:r>
+            <a:r>
+              <a:rPr lang="en-US" sz="2400" dirty="0" err="1">
+                <a:effectLst/>
+                <a:latin typeface="Calibri" panose="020F0502020204030204" pitchFamily="34" charset="0"/>
+                <a:ea typeface="Calibri" panose="020F0502020204030204" pitchFamily="34" charset="0"/>
+                <a:cs typeface="Calibri" panose="020F0502020204030204" pitchFamily="34" charset="0"/>
+              </a:rPr>
+              <a:t>doi</a:t>
+            </a:r>
+            <a:r>
+              <a:rPr lang="en-US" sz="2400" dirty="0">
+                <a:effectLst/>
+                <a:latin typeface="Calibri" panose="020F0502020204030204" pitchFamily="34" charset="0"/>
+                <a:ea typeface="Calibri" panose="020F0502020204030204" pitchFamily="34" charset="0"/>
+                <a:cs typeface="Calibri" panose="020F0502020204030204" pitchFamily="34" charset="0"/>
+              </a:rPr>
+              <a:t>: </a:t>
+            </a:r>
+            <a:r>
+              <a:rPr lang="en-US" sz="2400" dirty="0">
+                <a:effectLst/>
+                <a:latin typeface="Calibri" panose="020F0502020204030204" pitchFamily="34" charset="0"/>
+                <a:ea typeface="Calibri" panose="020F0502020204030204" pitchFamily="34" charset="0"/>
+                <a:cs typeface="Calibri" panose="020F0502020204030204" pitchFamily="34" charset="0"/>
+                <a:hlinkClick r:id="rId3"/>
+              </a:rPr>
+              <a:t>10.1117/1.JATIS.6.1.011007</a:t>
+            </a:r>
+            <a:r>
+              <a:rPr lang="en-US" sz="2400" dirty="0">
+                <a:effectLst/>
+                <a:latin typeface="Calibri" panose="020F0502020204030204" pitchFamily="34" charset="0"/>
+                <a:ea typeface="Calibri" panose="020F0502020204030204" pitchFamily="34" charset="0"/>
+                <a:cs typeface="Calibri" panose="020F0502020204030204" pitchFamily="34" charset="0"/>
+              </a:rPr>
+              <a:t>.</a:t>
+            </a:r>
+          </a:p>
+          <a:p>
+            <a:r>
+              <a:rPr lang="en-US" sz="2400" dirty="0">
+                <a:effectLst/>
+                <a:latin typeface="Calibri" panose="020F0502020204030204" pitchFamily="34" charset="0"/>
+                <a:ea typeface="Calibri" panose="020F0502020204030204" pitchFamily="34" charset="0"/>
+                <a:cs typeface="Calibri" panose="020F0502020204030204" pitchFamily="34" charset="0"/>
+              </a:rPr>
+              <a:t>[3] A. </a:t>
+            </a:r>
+            <a:r>
+              <a:rPr lang="en-US" sz="2400" dirty="0" err="1">
+                <a:effectLst/>
+                <a:latin typeface="Calibri" panose="020F0502020204030204" pitchFamily="34" charset="0"/>
+                <a:ea typeface="Calibri" panose="020F0502020204030204" pitchFamily="34" charset="0"/>
+                <a:cs typeface="Calibri" panose="020F0502020204030204" pitchFamily="34" charset="0"/>
+              </a:rPr>
+              <a:t>Lapi</a:t>
+            </a:r>
+            <a:r>
+              <a:rPr lang="en-US" sz="2400" dirty="0">
+                <a:effectLst/>
+                <a:latin typeface="Calibri" panose="020F0502020204030204" pitchFamily="34" charset="0"/>
+                <a:ea typeface="Calibri" panose="020F0502020204030204" pitchFamily="34" charset="0"/>
+                <a:cs typeface="Calibri" panose="020F0502020204030204" pitchFamily="34" charset="0"/>
+              </a:rPr>
+              <a:t> </a:t>
+            </a:r>
+            <a:r>
+              <a:rPr lang="en-US" sz="2400" i="1" dirty="0">
+                <a:effectLst/>
+                <a:latin typeface="Calibri" panose="020F0502020204030204" pitchFamily="34" charset="0"/>
+                <a:ea typeface="Calibri" panose="020F0502020204030204" pitchFamily="34" charset="0"/>
+                <a:cs typeface="Calibri" panose="020F0502020204030204" pitchFamily="34" charset="0"/>
+              </a:rPr>
+              <a:t>et al.</a:t>
+            </a:r>
+            <a:r>
+              <a:rPr lang="en-US" sz="2400" dirty="0">
+                <a:effectLst/>
+                <a:latin typeface="Calibri" panose="020F0502020204030204" pitchFamily="34" charset="0"/>
+                <a:ea typeface="Calibri" panose="020F0502020204030204" pitchFamily="34" charset="0"/>
+                <a:cs typeface="Calibri" panose="020F0502020204030204" pitchFamily="34" charset="0"/>
+              </a:rPr>
+              <a:t>, “Fast readout of the Skipper CCD for astronomy and quantum imaging,” in </a:t>
+            </a:r>
+            <a:r>
+              <a:rPr lang="en-US" sz="2400" i="1" dirty="0">
+                <a:effectLst/>
+                <a:latin typeface="Calibri" panose="020F0502020204030204" pitchFamily="34" charset="0"/>
+                <a:ea typeface="Calibri" panose="020F0502020204030204" pitchFamily="34" charset="0"/>
+                <a:cs typeface="Calibri" panose="020F0502020204030204" pitchFamily="34" charset="0"/>
+              </a:rPr>
+              <a:t>X-Ray, Optical, and Infrared Detectors for Astronomy X</a:t>
+            </a:r>
+            <a:r>
+              <a:rPr lang="en-US" sz="2400" dirty="0">
+                <a:effectLst/>
+                <a:latin typeface="Calibri" panose="020F0502020204030204" pitchFamily="34" charset="0"/>
+                <a:ea typeface="Calibri" panose="020F0502020204030204" pitchFamily="34" charset="0"/>
+                <a:cs typeface="Calibri" panose="020F0502020204030204" pitchFamily="34" charset="0"/>
+              </a:rPr>
+              <a:t>, A. D. Holland and J. </a:t>
+            </a:r>
+            <a:r>
+              <a:rPr lang="en-US" sz="2400" dirty="0" err="1">
+                <a:effectLst/>
+                <a:latin typeface="Calibri" panose="020F0502020204030204" pitchFamily="34" charset="0"/>
+                <a:ea typeface="Calibri" panose="020F0502020204030204" pitchFamily="34" charset="0"/>
+                <a:cs typeface="Calibri" panose="020F0502020204030204" pitchFamily="34" charset="0"/>
+              </a:rPr>
+              <a:t>Beletic</a:t>
+            </a:r>
+            <a:r>
+              <a:rPr lang="en-US" sz="2400" dirty="0">
+                <a:effectLst/>
+                <a:latin typeface="Calibri" panose="020F0502020204030204" pitchFamily="34" charset="0"/>
+                <a:ea typeface="Calibri" panose="020F0502020204030204" pitchFamily="34" charset="0"/>
+                <a:cs typeface="Calibri" panose="020F0502020204030204" pitchFamily="34" charset="0"/>
+              </a:rPr>
+              <a:t>, Eds., Montréal, Canada: SPIE, Aug. 2022, p. 30. </a:t>
+            </a:r>
+            <a:r>
+              <a:rPr lang="en-US" sz="2400" dirty="0" err="1">
+                <a:effectLst/>
+                <a:latin typeface="Calibri" panose="020F0502020204030204" pitchFamily="34" charset="0"/>
+                <a:ea typeface="Calibri" panose="020F0502020204030204" pitchFamily="34" charset="0"/>
+                <a:cs typeface="Calibri" panose="020F0502020204030204" pitchFamily="34" charset="0"/>
+              </a:rPr>
+              <a:t>doi</a:t>
+            </a:r>
+            <a:r>
+              <a:rPr lang="en-US" sz="2400" dirty="0">
+                <a:effectLst/>
+                <a:latin typeface="Calibri" panose="020F0502020204030204" pitchFamily="34" charset="0"/>
+                <a:ea typeface="Calibri" panose="020F0502020204030204" pitchFamily="34" charset="0"/>
+                <a:cs typeface="Calibri" panose="020F0502020204030204" pitchFamily="34" charset="0"/>
+              </a:rPr>
+              <a:t>: </a:t>
+            </a:r>
+            <a:r>
+              <a:rPr lang="en-US" sz="2400" dirty="0">
+                <a:effectLst/>
+                <a:latin typeface="Calibri" panose="020F0502020204030204" pitchFamily="34" charset="0"/>
+                <a:ea typeface="Calibri" panose="020F0502020204030204" pitchFamily="34" charset="0"/>
+                <a:cs typeface="Calibri" panose="020F0502020204030204" pitchFamily="34" charset="0"/>
+                <a:hlinkClick r:id="rId4"/>
+              </a:rPr>
+              <a:t>10.1117/12.2631791</a:t>
+            </a:r>
+            <a:r>
+              <a:rPr lang="en-US" sz="2400" dirty="0">
+                <a:effectLst/>
+                <a:latin typeface="Calibri" panose="020F0502020204030204" pitchFamily="34" charset="0"/>
+                <a:ea typeface="Calibri" panose="020F0502020204030204" pitchFamily="34" charset="0"/>
+                <a:cs typeface="Calibri" panose="020F0502020204030204" pitchFamily="34" charset="0"/>
+              </a:rPr>
+              <a:t>.</a:t>
+            </a:r>
+          </a:p>
+          <a:p>
+            <a:r>
+              <a:rPr lang="en-US" sz="2400" dirty="0">
+                <a:effectLst/>
+                <a:latin typeface="Calibri" panose="020F0502020204030204" pitchFamily="34" charset="0"/>
+                <a:ea typeface="Calibri" panose="020F0502020204030204" pitchFamily="34" charset="0"/>
+                <a:cs typeface="Calibri" panose="020F0502020204030204" pitchFamily="34" charset="0"/>
+              </a:rPr>
+              <a:t>[4] S. </a:t>
+            </a:r>
+            <a:r>
+              <a:rPr lang="en-US" sz="2400" dirty="0" err="1">
+                <a:effectLst/>
+                <a:latin typeface="Calibri" panose="020F0502020204030204" pitchFamily="34" charset="0"/>
+                <a:ea typeface="Calibri" panose="020F0502020204030204" pitchFamily="34" charset="0"/>
+                <a:cs typeface="Calibri" panose="020F0502020204030204" pitchFamily="34" charset="0"/>
+              </a:rPr>
+              <a:t>Nikzad</a:t>
+            </a:r>
+            <a:r>
+              <a:rPr lang="en-US" sz="2400" dirty="0">
+                <a:effectLst/>
+                <a:latin typeface="Calibri" panose="020F0502020204030204" pitchFamily="34" charset="0"/>
+                <a:ea typeface="Calibri" panose="020F0502020204030204" pitchFamily="34" charset="0"/>
+                <a:cs typeface="Calibri" panose="020F0502020204030204" pitchFamily="34" charset="0"/>
+              </a:rPr>
+              <a:t> </a:t>
+            </a:r>
+            <a:r>
+              <a:rPr lang="en-US" sz="2400" i="1" dirty="0">
+                <a:effectLst/>
+                <a:latin typeface="Calibri" panose="020F0502020204030204" pitchFamily="34" charset="0"/>
+                <a:ea typeface="Calibri" panose="020F0502020204030204" pitchFamily="34" charset="0"/>
+                <a:cs typeface="Calibri" panose="020F0502020204030204" pitchFamily="34" charset="0"/>
+              </a:rPr>
+              <a:t>et al.</a:t>
+            </a:r>
+            <a:r>
+              <a:rPr lang="en-US" sz="2400" dirty="0">
+                <a:effectLst/>
+                <a:latin typeface="Calibri" panose="020F0502020204030204" pitchFamily="34" charset="0"/>
+                <a:ea typeface="Calibri" panose="020F0502020204030204" pitchFamily="34" charset="0"/>
+                <a:cs typeface="Calibri" panose="020F0502020204030204" pitchFamily="34" charset="0"/>
+              </a:rPr>
+              <a:t>, “High-efficiency UV/optical/NIR detectors for large aperture telescopes and UV explorer missions: development of and field observations with delta-doped arrays,” </a:t>
+            </a:r>
+            <a:r>
+              <a:rPr lang="en-US" sz="2400" i="1" dirty="0">
+                <a:effectLst/>
+                <a:latin typeface="Calibri" panose="020F0502020204030204" pitchFamily="34" charset="0"/>
+                <a:ea typeface="Calibri" panose="020F0502020204030204" pitchFamily="34" charset="0"/>
+                <a:cs typeface="Calibri" panose="020F0502020204030204" pitchFamily="34" charset="0"/>
+              </a:rPr>
+              <a:t>J. Astron. </a:t>
+            </a:r>
+            <a:r>
+              <a:rPr lang="en-US" sz="2400" i="1" dirty="0" err="1">
+                <a:effectLst/>
+                <a:latin typeface="Calibri" panose="020F0502020204030204" pitchFamily="34" charset="0"/>
+                <a:ea typeface="Calibri" panose="020F0502020204030204" pitchFamily="34" charset="0"/>
+                <a:cs typeface="Calibri" panose="020F0502020204030204" pitchFamily="34" charset="0"/>
+              </a:rPr>
+              <a:t>Telesc</a:t>
+            </a:r>
+            <a:r>
+              <a:rPr lang="en-US" sz="2400" i="1" dirty="0">
+                <a:effectLst/>
+                <a:latin typeface="Calibri" panose="020F0502020204030204" pitchFamily="34" charset="0"/>
+                <a:ea typeface="Calibri" panose="020F0502020204030204" pitchFamily="34" charset="0"/>
+                <a:cs typeface="Calibri" panose="020F0502020204030204" pitchFamily="34" charset="0"/>
+              </a:rPr>
+              <a:t>. </a:t>
+            </a:r>
+            <a:r>
+              <a:rPr lang="en-US" sz="2400" i="1" dirty="0" err="1">
+                <a:effectLst/>
+                <a:latin typeface="Calibri" panose="020F0502020204030204" pitchFamily="34" charset="0"/>
+                <a:ea typeface="Calibri" panose="020F0502020204030204" pitchFamily="34" charset="0"/>
+                <a:cs typeface="Calibri" panose="020F0502020204030204" pitchFamily="34" charset="0"/>
+              </a:rPr>
+              <a:t>Instrum</a:t>
+            </a:r>
+            <a:r>
+              <a:rPr lang="en-US" sz="2400" i="1" dirty="0">
+                <a:effectLst/>
+                <a:latin typeface="Calibri" panose="020F0502020204030204" pitchFamily="34" charset="0"/>
+                <a:ea typeface="Calibri" panose="020F0502020204030204" pitchFamily="34" charset="0"/>
+                <a:cs typeface="Calibri" panose="020F0502020204030204" pitchFamily="34" charset="0"/>
+              </a:rPr>
+              <a:t>. Syst</a:t>
+            </a:r>
+            <a:r>
+              <a:rPr lang="en-US" sz="2400" dirty="0">
+                <a:effectLst/>
+                <a:latin typeface="Calibri" panose="020F0502020204030204" pitchFamily="34" charset="0"/>
+                <a:ea typeface="Calibri" panose="020F0502020204030204" pitchFamily="34" charset="0"/>
+                <a:cs typeface="Calibri" panose="020F0502020204030204" pitchFamily="34" charset="0"/>
+              </a:rPr>
+              <a:t>, vol. 3, no. 03, p. 1, Sep. 2017, </a:t>
+            </a:r>
+            <a:r>
+              <a:rPr lang="en-US" sz="2400" dirty="0" err="1">
+                <a:effectLst/>
+                <a:latin typeface="Calibri" panose="020F0502020204030204" pitchFamily="34" charset="0"/>
+                <a:ea typeface="Calibri" panose="020F0502020204030204" pitchFamily="34" charset="0"/>
+                <a:cs typeface="Calibri" panose="020F0502020204030204" pitchFamily="34" charset="0"/>
+              </a:rPr>
+              <a:t>doi</a:t>
+            </a:r>
+            <a:r>
+              <a:rPr lang="en-US" sz="2400" dirty="0">
+                <a:effectLst/>
+                <a:latin typeface="Calibri" panose="020F0502020204030204" pitchFamily="34" charset="0"/>
+                <a:ea typeface="Calibri" panose="020F0502020204030204" pitchFamily="34" charset="0"/>
+                <a:cs typeface="Calibri" panose="020F0502020204030204" pitchFamily="34" charset="0"/>
+              </a:rPr>
+              <a:t>: </a:t>
+            </a:r>
+            <a:r>
+              <a:rPr lang="en-US" sz="2400" dirty="0">
+                <a:effectLst/>
+                <a:latin typeface="Calibri" panose="020F0502020204030204" pitchFamily="34" charset="0"/>
+                <a:ea typeface="Calibri" panose="020F0502020204030204" pitchFamily="34" charset="0"/>
+                <a:cs typeface="Calibri" panose="020F0502020204030204" pitchFamily="34" charset="0"/>
+                <a:hlinkClick r:id="rId5"/>
+              </a:rPr>
+              <a:t>10.1117/1.JATIS.3.3.036002</a:t>
+            </a:r>
+            <a:r>
+              <a:rPr lang="en-US" sz="2400" dirty="0">
+                <a:effectLst/>
+                <a:latin typeface="Calibri" panose="020F0502020204030204" pitchFamily="34" charset="0"/>
+                <a:ea typeface="Calibri" panose="020F0502020204030204" pitchFamily="34" charset="0"/>
+                <a:cs typeface="Calibri" panose="020F0502020204030204" pitchFamily="34" charset="0"/>
+              </a:rPr>
+              <a:t>.</a:t>
+            </a:r>
+          </a:p>
+          <a:p>
+            <a:r>
+              <a:rPr lang="en-US" sz="2400" dirty="0">
+                <a:effectLst/>
+                <a:latin typeface="Calibri" panose="020F0502020204030204" pitchFamily="34" charset="0"/>
+                <a:ea typeface="Calibri" panose="020F0502020204030204" pitchFamily="34" charset="0"/>
+                <a:cs typeface="Calibri" panose="020F0502020204030204" pitchFamily="34" charset="0"/>
+              </a:rPr>
+              <a:t>[5] G. F. Moroni </a:t>
+            </a:r>
+            <a:r>
+              <a:rPr lang="en-US" sz="2400" i="1" dirty="0">
+                <a:effectLst/>
+                <a:latin typeface="Calibri" panose="020F0502020204030204" pitchFamily="34" charset="0"/>
+                <a:ea typeface="Calibri" panose="020F0502020204030204" pitchFamily="34" charset="0"/>
+                <a:cs typeface="Calibri" panose="020F0502020204030204" pitchFamily="34" charset="0"/>
+              </a:rPr>
+              <a:t>et al.</a:t>
+            </a:r>
+            <a:r>
+              <a:rPr lang="en-US" sz="2400" dirty="0">
+                <a:effectLst/>
+                <a:latin typeface="Calibri" panose="020F0502020204030204" pitchFamily="34" charset="0"/>
+                <a:ea typeface="Calibri" panose="020F0502020204030204" pitchFamily="34" charset="0"/>
+                <a:cs typeface="Calibri" panose="020F0502020204030204" pitchFamily="34" charset="0"/>
+              </a:rPr>
+              <a:t>, “Low Threshold Acquisition Controller for Skipper Charge Coupled Devices,” in </a:t>
+            </a:r>
+            <a:r>
+              <a:rPr lang="en-US" sz="2400" i="1" dirty="0">
+                <a:effectLst/>
+                <a:latin typeface="Calibri" panose="020F0502020204030204" pitchFamily="34" charset="0"/>
+                <a:ea typeface="Calibri" panose="020F0502020204030204" pitchFamily="34" charset="0"/>
+                <a:cs typeface="Calibri" panose="020F0502020204030204" pitchFamily="34" charset="0"/>
+              </a:rPr>
+              <a:t>2019 Argentine Conference on Electronics (CAE)</a:t>
+            </a:r>
+            <a:r>
+              <a:rPr lang="en-US" sz="2400" dirty="0">
+                <a:effectLst/>
+                <a:latin typeface="Calibri" panose="020F0502020204030204" pitchFamily="34" charset="0"/>
+                <a:ea typeface="Calibri" panose="020F0502020204030204" pitchFamily="34" charset="0"/>
+                <a:cs typeface="Calibri" panose="020F0502020204030204" pitchFamily="34" charset="0"/>
+              </a:rPr>
+              <a:t>, Mar del Plata, Argentina: IEEE, Mar. 2019, pp. 86–91. </a:t>
+            </a:r>
+            <a:r>
+              <a:rPr lang="en-US" sz="2400" dirty="0" err="1">
+                <a:effectLst/>
+                <a:latin typeface="Calibri" panose="020F0502020204030204" pitchFamily="34" charset="0"/>
+                <a:ea typeface="Calibri" panose="020F0502020204030204" pitchFamily="34" charset="0"/>
+                <a:cs typeface="Calibri" panose="020F0502020204030204" pitchFamily="34" charset="0"/>
+              </a:rPr>
+              <a:t>doi</a:t>
+            </a:r>
+            <a:r>
+              <a:rPr lang="en-US" sz="2400" dirty="0">
+                <a:effectLst/>
+                <a:latin typeface="Calibri" panose="020F0502020204030204" pitchFamily="34" charset="0"/>
+                <a:ea typeface="Calibri" panose="020F0502020204030204" pitchFamily="34" charset="0"/>
+                <a:cs typeface="Calibri" panose="020F0502020204030204" pitchFamily="34" charset="0"/>
+              </a:rPr>
+              <a:t>: </a:t>
+            </a:r>
+            <a:r>
+              <a:rPr lang="en-US" sz="2400" dirty="0">
+                <a:effectLst/>
+                <a:latin typeface="Calibri" panose="020F0502020204030204" pitchFamily="34" charset="0"/>
+                <a:ea typeface="Calibri" panose="020F0502020204030204" pitchFamily="34" charset="0"/>
+                <a:cs typeface="Calibri" panose="020F0502020204030204" pitchFamily="34" charset="0"/>
+                <a:hlinkClick r:id="rId6"/>
+              </a:rPr>
+              <a:t>10.1109/CAE.2019.8709274</a:t>
+            </a:r>
+            <a:r>
+              <a:rPr lang="en-US" sz="2400" dirty="0">
+                <a:effectLst/>
+                <a:latin typeface="Calibri" panose="020F0502020204030204" pitchFamily="34" charset="0"/>
+                <a:ea typeface="Calibri" panose="020F0502020204030204" pitchFamily="34" charset="0"/>
+                <a:cs typeface="Calibri" panose="020F0502020204030204" pitchFamily="34" charset="0"/>
+              </a:rPr>
+              <a:t>.</a:t>
+            </a:r>
+          </a:p>
+          <a:p>
+            <a:r>
+              <a:rPr lang="en-US" sz="2400" dirty="0">
+                <a:effectLst/>
+                <a:latin typeface="Calibri" panose="020F0502020204030204" pitchFamily="34" charset="0"/>
+                <a:ea typeface="Calibri" panose="020F0502020204030204" pitchFamily="34" charset="0"/>
+                <a:cs typeface="Calibri" panose="020F0502020204030204" pitchFamily="34" charset="0"/>
+              </a:rPr>
+              <a:t>[6] J. </a:t>
+            </a:r>
+            <a:r>
+              <a:rPr lang="en-US" sz="2400" dirty="0" err="1">
+                <a:effectLst/>
+                <a:latin typeface="Calibri" panose="020F0502020204030204" pitchFamily="34" charset="0"/>
+                <a:ea typeface="Calibri" panose="020F0502020204030204" pitchFamily="34" charset="0"/>
+                <a:cs typeface="Calibri" panose="020F0502020204030204" pitchFamily="34" charset="0"/>
+              </a:rPr>
+              <a:t>Tiffenberg</a:t>
+            </a:r>
+            <a:r>
+              <a:rPr lang="en-US" sz="2400" dirty="0">
+                <a:effectLst/>
+                <a:latin typeface="Calibri" panose="020F0502020204030204" pitchFamily="34" charset="0"/>
+                <a:ea typeface="Calibri" panose="020F0502020204030204" pitchFamily="34" charset="0"/>
+                <a:cs typeface="Calibri" panose="020F0502020204030204" pitchFamily="34" charset="0"/>
+              </a:rPr>
+              <a:t> </a:t>
+            </a:r>
+            <a:r>
+              <a:rPr lang="en-US" sz="2400" i="1" dirty="0">
+                <a:effectLst/>
+                <a:latin typeface="Calibri" panose="020F0502020204030204" pitchFamily="34" charset="0"/>
+                <a:ea typeface="Calibri" panose="020F0502020204030204" pitchFamily="34" charset="0"/>
+                <a:cs typeface="Calibri" panose="020F0502020204030204" pitchFamily="34" charset="0"/>
+              </a:rPr>
+              <a:t>et al.</a:t>
+            </a:r>
+            <a:r>
+              <a:rPr lang="en-US" sz="2400" dirty="0">
+                <a:effectLst/>
+                <a:latin typeface="Calibri" panose="020F0502020204030204" pitchFamily="34" charset="0"/>
+                <a:ea typeface="Calibri" panose="020F0502020204030204" pitchFamily="34" charset="0"/>
+                <a:cs typeface="Calibri" panose="020F0502020204030204" pitchFamily="34" charset="0"/>
+              </a:rPr>
+              <a:t>, “Single-Electron and Single-Photon Sensitivity with a Silicon Skipper CCD,” </a:t>
+            </a:r>
+            <a:r>
+              <a:rPr lang="en-US" sz="2400" i="1" dirty="0">
+                <a:effectLst/>
+                <a:latin typeface="Calibri" panose="020F0502020204030204" pitchFamily="34" charset="0"/>
+                <a:ea typeface="Calibri" panose="020F0502020204030204" pitchFamily="34" charset="0"/>
+                <a:cs typeface="Calibri" panose="020F0502020204030204" pitchFamily="34" charset="0"/>
+              </a:rPr>
+              <a:t>Phys. Rev. Lett.</a:t>
+            </a:r>
+            <a:r>
+              <a:rPr lang="en-US" sz="2400" dirty="0">
+                <a:effectLst/>
+                <a:latin typeface="Calibri" panose="020F0502020204030204" pitchFamily="34" charset="0"/>
+                <a:ea typeface="Calibri" panose="020F0502020204030204" pitchFamily="34" charset="0"/>
+                <a:cs typeface="Calibri" panose="020F0502020204030204" pitchFamily="34" charset="0"/>
+              </a:rPr>
+              <a:t>, vol. 119, no. 13, p. 131802, Sep. 2017, </a:t>
+            </a:r>
+            <a:r>
+              <a:rPr lang="en-US" sz="2400" dirty="0" err="1">
+                <a:effectLst/>
+                <a:latin typeface="Calibri" panose="020F0502020204030204" pitchFamily="34" charset="0"/>
+                <a:ea typeface="Calibri" panose="020F0502020204030204" pitchFamily="34" charset="0"/>
+                <a:cs typeface="Calibri" panose="020F0502020204030204" pitchFamily="34" charset="0"/>
+              </a:rPr>
+              <a:t>doi</a:t>
+            </a:r>
+            <a:r>
+              <a:rPr lang="en-US" sz="2400" dirty="0">
+                <a:effectLst/>
+                <a:latin typeface="Calibri" panose="020F0502020204030204" pitchFamily="34" charset="0"/>
+                <a:ea typeface="Calibri" panose="020F0502020204030204" pitchFamily="34" charset="0"/>
+                <a:cs typeface="Calibri" panose="020F0502020204030204" pitchFamily="34" charset="0"/>
+              </a:rPr>
+              <a:t>: </a:t>
+            </a:r>
+            <a:r>
+              <a:rPr lang="en-US" sz="2400" dirty="0">
+                <a:effectLst/>
+                <a:latin typeface="Calibri" panose="020F0502020204030204" pitchFamily="34" charset="0"/>
+                <a:ea typeface="Calibri" panose="020F0502020204030204" pitchFamily="34" charset="0"/>
+                <a:cs typeface="Calibri" panose="020F0502020204030204" pitchFamily="34" charset="0"/>
+                <a:hlinkClick r:id="rId7"/>
+              </a:rPr>
+              <a:t>10.1103/PhysRevLett.119.131802</a:t>
+            </a:r>
+            <a:r>
+              <a:rPr lang="en-US" sz="2400" dirty="0">
+                <a:effectLst/>
+                <a:latin typeface="Calibri" panose="020F0502020204030204" pitchFamily="34" charset="0"/>
+                <a:ea typeface="Calibri" panose="020F0502020204030204" pitchFamily="34" charset="0"/>
+                <a:cs typeface="Calibri" panose="020F0502020204030204" pitchFamily="34" charset="0"/>
+              </a:rPr>
+              <a:t>.</a:t>
+            </a:r>
+          </a:p>
+          <a:p>
+            <a:r>
+              <a:rPr lang="en-US" sz="2400" dirty="0">
+                <a:effectLst/>
+                <a:latin typeface="Calibri" panose="020F0502020204030204" pitchFamily="34" charset="0"/>
+                <a:ea typeface="Calibri" panose="020F0502020204030204" pitchFamily="34" charset="0"/>
+                <a:cs typeface="Calibri" panose="020F0502020204030204" pitchFamily="34" charset="0"/>
+              </a:rPr>
+              <a:t>[7] F. </a:t>
+            </a:r>
+            <a:r>
+              <a:rPr lang="en-US" sz="2400" dirty="0" err="1">
+                <a:effectLst/>
+                <a:latin typeface="Calibri" panose="020F0502020204030204" pitchFamily="34" charset="0"/>
+                <a:ea typeface="Calibri" panose="020F0502020204030204" pitchFamily="34" charset="0"/>
+                <a:cs typeface="Calibri" panose="020F0502020204030204" pitchFamily="34" charset="0"/>
+              </a:rPr>
+              <a:t>Chierchie</a:t>
+            </a:r>
+            <a:r>
+              <a:rPr lang="en-US" sz="2400" dirty="0">
+                <a:effectLst/>
+                <a:latin typeface="Calibri" panose="020F0502020204030204" pitchFamily="34" charset="0"/>
+                <a:ea typeface="Calibri" panose="020F0502020204030204" pitchFamily="34" charset="0"/>
+                <a:cs typeface="Calibri" panose="020F0502020204030204" pitchFamily="34" charset="0"/>
+              </a:rPr>
+              <a:t> </a:t>
+            </a:r>
+            <a:r>
+              <a:rPr lang="en-US" sz="2400" i="1" dirty="0">
+                <a:effectLst/>
+                <a:latin typeface="Calibri" panose="020F0502020204030204" pitchFamily="34" charset="0"/>
+                <a:ea typeface="Calibri" panose="020F0502020204030204" pitchFamily="34" charset="0"/>
+                <a:cs typeface="Calibri" panose="020F0502020204030204" pitchFamily="34" charset="0"/>
+              </a:rPr>
+              <a:t>et al.</a:t>
+            </a:r>
+            <a:r>
+              <a:rPr lang="en-US" sz="2400" dirty="0">
+                <a:effectLst/>
+                <a:latin typeface="Calibri" panose="020F0502020204030204" pitchFamily="34" charset="0"/>
+                <a:ea typeface="Calibri" panose="020F0502020204030204" pitchFamily="34" charset="0"/>
+                <a:cs typeface="Calibri" panose="020F0502020204030204" pitchFamily="34" charset="0"/>
+              </a:rPr>
+              <a:t>, “Smart-readout of the Skipper-CCD: Achieving Sub-electron Noise Levels in Regions of Interest,” 2020, </a:t>
+            </a:r>
+            <a:r>
+              <a:rPr lang="en-US" sz="2400" dirty="0" err="1">
+                <a:effectLst/>
+                <a:latin typeface="Calibri" panose="020F0502020204030204" pitchFamily="34" charset="0"/>
+                <a:ea typeface="Calibri" panose="020F0502020204030204" pitchFamily="34" charset="0"/>
+                <a:cs typeface="Calibri" panose="020F0502020204030204" pitchFamily="34" charset="0"/>
+              </a:rPr>
+              <a:t>doi</a:t>
+            </a:r>
+            <a:r>
+              <a:rPr lang="en-US" sz="2400" dirty="0">
+                <a:effectLst/>
+                <a:latin typeface="Calibri" panose="020F0502020204030204" pitchFamily="34" charset="0"/>
+                <a:ea typeface="Calibri" panose="020F0502020204030204" pitchFamily="34" charset="0"/>
+                <a:cs typeface="Calibri" panose="020F0502020204030204" pitchFamily="34" charset="0"/>
+              </a:rPr>
+              <a:t>: </a:t>
+            </a:r>
+            <a:r>
+              <a:rPr lang="en-US" sz="2400" dirty="0">
+                <a:effectLst/>
+                <a:latin typeface="Calibri" panose="020F0502020204030204" pitchFamily="34" charset="0"/>
+                <a:ea typeface="Calibri" panose="020F0502020204030204" pitchFamily="34" charset="0"/>
+                <a:cs typeface="Calibri" panose="020F0502020204030204" pitchFamily="34" charset="0"/>
+                <a:hlinkClick r:id="rId8"/>
+              </a:rPr>
+              <a:t>10.48550/ARXIV.2012.10414</a:t>
+            </a:r>
+            <a:r>
+              <a:rPr lang="en-US" sz="2400" dirty="0">
+                <a:effectLst/>
+                <a:latin typeface="Calibri" panose="020F0502020204030204" pitchFamily="34" charset="0"/>
+                <a:ea typeface="Calibri" panose="020F0502020204030204" pitchFamily="34" charset="0"/>
+                <a:cs typeface="Calibri" panose="020F0502020204030204" pitchFamily="34" charset="0"/>
+              </a:rPr>
+              <a:t>.</a:t>
+            </a:r>
+          </a:p>
+          <a:p>
+            <a:r>
+              <a:rPr lang="en-US" sz="2400" dirty="0">
+                <a:effectLst/>
+                <a:latin typeface="Calibri" panose="020F0502020204030204" pitchFamily="34" charset="0"/>
+                <a:ea typeface="Calibri" panose="020F0502020204030204" pitchFamily="34" charset="0"/>
+                <a:cs typeface="Calibri" panose="020F0502020204030204" pitchFamily="34" charset="0"/>
+              </a:rPr>
+              <a:t>[8] G. Fernández Moroni, J. Estrada, G. </a:t>
+            </a:r>
+            <a:r>
+              <a:rPr lang="en-US" sz="2400" dirty="0" err="1">
+                <a:effectLst/>
+                <a:latin typeface="Calibri" panose="020F0502020204030204" pitchFamily="34" charset="0"/>
+                <a:ea typeface="Calibri" panose="020F0502020204030204" pitchFamily="34" charset="0"/>
+                <a:cs typeface="Calibri" panose="020F0502020204030204" pitchFamily="34" charset="0"/>
+              </a:rPr>
+              <a:t>Cancelo</a:t>
+            </a:r>
+            <a:r>
+              <a:rPr lang="en-US" sz="2400" dirty="0">
+                <a:effectLst/>
+                <a:latin typeface="Calibri" panose="020F0502020204030204" pitchFamily="34" charset="0"/>
+                <a:ea typeface="Calibri" panose="020F0502020204030204" pitchFamily="34" charset="0"/>
+                <a:cs typeface="Calibri" panose="020F0502020204030204" pitchFamily="34" charset="0"/>
+              </a:rPr>
+              <a:t>, S. E. Holland, E. E. </a:t>
+            </a:r>
+            <a:r>
+              <a:rPr lang="en-US" sz="2400" dirty="0" err="1">
+                <a:effectLst/>
+                <a:latin typeface="Calibri" panose="020F0502020204030204" pitchFamily="34" charset="0"/>
+                <a:ea typeface="Calibri" panose="020F0502020204030204" pitchFamily="34" charset="0"/>
+                <a:cs typeface="Calibri" panose="020F0502020204030204" pitchFamily="34" charset="0"/>
+              </a:rPr>
+              <a:t>Paolini</a:t>
+            </a:r>
+            <a:r>
+              <a:rPr lang="en-US" sz="2400" dirty="0">
+                <a:effectLst/>
+                <a:latin typeface="Calibri" panose="020F0502020204030204" pitchFamily="34" charset="0"/>
+                <a:ea typeface="Calibri" panose="020F0502020204030204" pitchFamily="34" charset="0"/>
+                <a:cs typeface="Calibri" panose="020F0502020204030204" pitchFamily="34" charset="0"/>
+              </a:rPr>
+              <a:t>, and H. T. Diehl, “Sub-electron readout noise in a Skipper CCD fabricated on high resistivity silicon,” </a:t>
+            </a:r>
+            <a:r>
+              <a:rPr lang="en-US" sz="2400" i="1" dirty="0">
+                <a:effectLst/>
+                <a:latin typeface="Calibri" panose="020F0502020204030204" pitchFamily="34" charset="0"/>
+                <a:ea typeface="Calibri" panose="020F0502020204030204" pitchFamily="34" charset="0"/>
+                <a:cs typeface="Calibri" panose="020F0502020204030204" pitchFamily="34" charset="0"/>
+              </a:rPr>
+              <a:t>Exp Astron</a:t>
+            </a:r>
+            <a:r>
+              <a:rPr lang="en-US" sz="2400" dirty="0">
+                <a:effectLst/>
+                <a:latin typeface="Calibri" panose="020F0502020204030204" pitchFamily="34" charset="0"/>
+                <a:ea typeface="Calibri" panose="020F0502020204030204" pitchFamily="34" charset="0"/>
+                <a:cs typeface="Calibri" panose="020F0502020204030204" pitchFamily="34" charset="0"/>
+              </a:rPr>
+              <a:t>, vol. 34, no. 1, pp. 43–64, Jul. 2012, </a:t>
+            </a:r>
+            <a:r>
+              <a:rPr lang="en-US" sz="2400" dirty="0" err="1">
+                <a:effectLst/>
+                <a:latin typeface="Calibri" panose="020F0502020204030204" pitchFamily="34" charset="0"/>
+                <a:ea typeface="Calibri" panose="020F0502020204030204" pitchFamily="34" charset="0"/>
+                <a:cs typeface="Calibri" panose="020F0502020204030204" pitchFamily="34" charset="0"/>
+              </a:rPr>
+              <a:t>doi</a:t>
+            </a:r>
+            <a:r>
+              <a:rPr lang="en-US" sz="2400" dirty="0">
+                <a:effectLst/>
+                <a:latin typeface="Calibri" panose="020F0502020204030204" pitchFamily="34" charset="0"/>
+                <a:ea typeface="Calibri" panose="020F0502020204030204" pitchFamily="34" charset="0"/>
+                <a:cs typeface="Calibri" panose="020F0502020204030204" pitchFamily="34" charset="0"/>
+              </a:rPr>
+              <a:t>: </a:t>
+            </a:r>
+            <a:r>
+              <a:rPr lang="en-US" sz="2400" dirty="0">
+                <a:effectLst/>
+                <a:latin typeface="Calibri" panose="020F0502020204030204" pitchFamily="34" charset="0"/>
+                <a:ea typeface="Calibri" panose="020F0502020204030204" pitchFamily="34" charset="0"/>
+                <a:cs typeface="Calibri" panose="020F0502020204030204" pitchFamily="34" charset="0"/>
+                <a:hlinkClick r:id="rId9"/>
+              </a:rPr>
+              <a:t>10.1007/s10686-012-9298-x</a:t>
+            </a:r>
+            <a:r>
+              <a:rPr lang="en-US" sz="2400" dirty="0">
+                <a:effectLst/>
+                <a:latin typeface="Calibri" panose="020F0502020204030204" pitchFamily="34" charset="0"/>
+                <a:ea typeface="Calibri" panose="020F0502020204030204" pitchFamily="34" charset="0"/>
+                <a:cs typeface="Calibri" panose="020F0502020204030204" pitchFamily="34" charset="0"/>
+              </a:rPr>
+              <a:t>.</a:t>
+            </a:r>
+          </a:p>
+          <a:p>
+            <a:r>
+              <a:rPr lang="en-US" sz="2400" dirty="0">
+                <a:effectLst/>
+                <a:latin typeface="Calibri" panose="020F0502020204030204" pitchFamily="34" charset="0"/>
+                <a:ea typeface="Calibri" panose="020F0502020204030204" pitchFamily="34" charset="0"/>
+                <a:cs typeface="Calibri" panose="020F0502020204030204" pitchFamily="34" charset="0"/>
+              </a:rPr>
+              <a:t>[9] J. </a:t>
+            </a:r>
+            <a:r>
+              <a:rPr lang="en-US" sz="2400" dirty="0" err="1">
+                <a:effectLst/>
+                <a:latin typeface="Calibri" panose="020F0502020204030204" pitchFamily="34" charset="0"/>
+                <a:ea typeface="Calibri" panose="020F0502020204030204" pitchFamily="34" charset="0"/>
+                <a:cs typeface="Calibri" panose="020F0502020204030204" pitchFamily="34" charset="0"/>
+              </a:rPr>
+              <a:t>Tumlinson</a:t>
+            </a:r>
+            <a:r>
+              <a:rPr lang="en-US" sz="2400" dirty="0">
+                <a:effectLst/>
+                <a:latin typeface="Calibri" panose="020F0502020204030204" pitchFamily="34" charset="0"/>
+                <a:ea typeface="Calibri" panose="020F0502020204030204" pitchFamily="34" charset="0"/>
+                <a:cs typeface="Calibri" panose="020F0502020204030204" pitchFamily="34" charset="0"/>
+              </a:rPr>
+              <a:t>, M. S. </a:t>
+            </a:r>
+            <a:r>
+              <a:rPr lang="en-US" sz="2400" dirty="0" err="1">
+                <a:effectLst/>
+                <a:latin typeface="Calibri" panose="020F0502020204030204" pitchFamily="34" charset="0"/>
+                <a:ea typeface="Calibri" panose="020F0502020204030204" pitchFamily="34" charset="0"/>
+                <a:cs typeface="Calibri" panose="020F0502020204030204" pitchFamily="34" charset="0"/>
+              </a:rPr>
+              <a:t>Peeples</a:t>
+            </a:r>
+            <a:r>
+              <a:rPr lang="en-US" sz="2400" dirty="0">
+                <a:effectLst/>
+                <a:latin typeface="Calibri" panose="020F0502020204030204" pitchFamily="34" charset="0"/>
+                <a:ea typeface="Calibri" panose="020F0502020204030204" pitchFamily="34" charset="0"/>
+                <a:cs typeface="Calibri" panose="020F0502020204030204" pitchFamily="34" charset="0"/>
+              </a:rPr>
+              <a:t>, and J. K. </a:t>
+            </a:r>
+            <a:r>
+              <a:rPr lang="en-US" sz="2400" dirty="0" err="1">
+                <a:effectLst/>
+                <a:latin typeface="Calibri" panose="020F0502020204030204" pitchFamily="34" charset="0"/>
+                <a:ea typeface="Calibri" panose="020F0502020204030204" pitchFamily="34" charset="0"/>
+                <a:cs typeface="Calibri" panose="020F0502020204030204" pitchFamily="34" charset="0"/>
+              </a:rPr>
+              <a:t>Werk</a:t>
+            </a:r>
+            <a:r>
+              <a:rPr lang="en-US" sz="2400" dirty="0">
+                <a:effectLst/>
+                <a:latin typeface="Calibri" panose="020F0502020204030204" pitchFamily="34" charset="0"/>
+                <a:ea typeface="Calibri" panose="020F0502020204030204" pitchFamily="34" charset="0"/>
+                <a:cs typeface="Calibri" panose="020F0502020204030204" pitchFamily="34" charset="0"/>
+              </a:rPr>
+              <a:t>, “The </a:t>
+            </a:r>
+            <a:r>
+              <a:rPr lang="en-US" sz="2400" dirty="0" err="1">
+                <a:effectLst/>
+                <a:latin typeface="Calibri" panose="020F0502020204030204" pitchFamily="34" charset="0"/>
+                <a:ea typeface="Calibri" panose="020F0502020204030204" pitchFamily="34" charset="0"/>
+                <a:cs typeface="Calibri" panose="020F0502020204030204" pitchFamily="34" charset="0"/>
+              </a:rPr>
+              <a:t>Circumgalactic</a:t>
+            </a:r>
+            <a:r>
+              <a:rPr lang="en-US" sz="2400" dirty="0">
+                <a:effectLst/>
+                <a:latin typeface="Calibri" panose="020F0502020204030204" pitchFamily="34" charset="0"/>
+                <a:ea typeface="Calibri" panose="020F0502020204030204" pitchFamily="34" charset="0"/>
+                <a:cs typeface="Calibri" panose="020F0502020204030204" pitchFamily="34" charset="0"/>
+              </a:rPr>
+              <a:t> Medium,” </a:t>
+            </a:r>
+            <a:r>
+              <a:rPr lang="en-US" sz="2400" i="1" dirty="0">
+                <a:effectLst/>
+                <a:latin typeface="Calibri" panose="020F0502020204030204" pitchFamily="34" charset="0"/>
+                <a:ea typeface="Calibri" panose="020F0502020204030204" pitchFamily="34" charset="0"/>
+                <a:cs typeface="Calibri" panose="020F0502020204030204" pitchFamily="34" charset="0"/>
+              </a:rPr>
+              <a:t>Annu. Rev. Astron. </a:t>
+            </a:r>
+            <a:r>
+              <a:rPr lang="en-US" sz="2400" i="1" dirty="0" err="1">
+                <a:effectLst/>
+                <a:latin typeface="Calibri" panose="020F0502020204030204" pitchFamily="34" charset="0"/>
+                <a:ea typeface="Calibri" panose="020F0502020204030204" pitchFamily="34" charset="0"/>
+                <a:cs typeface="Calibri" panose="020F0502020204030204" pitchFamily="34" charset="0"/>
+              </a:rPr>
+              <a:t>Astrophys</a:t>
+            </a:r>
+            <a:r>
+              <a:rPr lang="en-US" sz="2400" i="1" dirty="0">
+                <a:effectLst/>
+                <a:latin typeface="Calibri" panose="020F0502020204030204" pitchFamily="34" charset="0"/>
+                <a:ea typeface="Calibri" panose="020F0502020204030204" pitchFamily="34" charset="0"/>
+                <a:cs typeface="Calibri" panose="020F0502020204030204" pitchFamily="34" charset="0"/>
+              </a:rPr>
+              <a:t>.</a:t>
+            </a:r>
+            <a:r>
+              <a:rPr lang="en-US" sz="2400" dirty="0">
+                <a:effectLst/>
+                <a:latin typeface="Calibri" panose="020F0502020204030204" pitchFamily="34" charset="0"/>
+                <a:ea typeface="Calibri" panose="020F0502020204030204" pitchFamily="34" charset="0"/>
+                <a:cs typeface="Calibri" panose="020F0502020204030204" pitchFamily="34" charset="0"/>
+              </a:rPr>
+              <a:t>, vol. 55, no. 1, pp. 389–432, Aug. 2017, </a:t>
+            </a:r>
+            <a:r>
+              <a:rPr lang="en-US" sz="2400" dirty="0" err="1">
+                <a:effectLst/>
+                <a:latin typeface="Calibri" panose="020F0502020204030204" pitchFamily="34" charset="0"/>
+                <a:ea typeface="Calibri" panose="020F0502020204030204" pitchFamily="34" charset="0"/>
+                <a:cs typeface="Calibri" panose="020F0502020204030204" pitchFamily="34" charset="0"/>
+              </a:rPr>
+              <a:t>doi</a:t>
+            </a:r>
+            <a:r>
+              <a:rPr lang="en-US" sz="2400" dirty="0">
+                <a:effectLst/>
+                <a:latin typeface="Calibri" panose="020F0502020204030204" pitchFamily="34" charset="0"/>
+                <a:ea typeface="Calibri" panose="020F0502020204030204" pitchFamily="34" charset="0"/>
+                <a:cs typeface="Calibri" panose="020F0502020204030204" pitchFamily="34" charset="0"/>
+              </a:rPr>
+              <a:t>: </a:t>
+            </a:r>
+            <a:r>
+              <a:rPr lang="en-US" sz="2400" dirty="0">
+                <a:effectLst/>
+                <a:latin typeface="Calibri" panose="020F0502020204030204" pitchFamily="34" charset="0"/>
+                <a:ea typeface="Calibri" panose="020F0502020204030204" pitchFamily="34" charset="0"/>
+                <a:cs typeface="Calibri" panose="020F0502020204030204" pitchFamily="34" charset="0"/>
+                <a:hlinkClick r:id="rId10"/>
+              </a:rPr>
+              <a:t>10.1146/annurev-astro-091916-055240</a:t>
+            </a:r>
+            <a:r>
+              <a:rPr lang="en-US" sz="2400" dirty="0">
+                <a:effectLst/>
+                <a:latin typeface="Calibri" panose="020F0502020204030204" pitchFamily="34" charset="0"/>
+                <a:ea typeface="Calibri" panose="020F0502020204030204" pitchFamily="34" charset="0"/>
+                <a:cs typeface="Calibri" panose="020F0502020204030204" pitchFamily="34" charset="0"/>
+              </a:rPr>
+              <a:t>.</a:t>
+            </a:r>
+          </a:p>
+          <a:p>
+            <a:r>
+              <a:rPr lang="en-US" sz="2400" dirty="0">
+                <a:effectLst/>
+                <a:latin typeface="Calibri" panose="020F0502020204030204" pitchFamily="34" charset="0"/>
+                <a:ea typeface="Calibri" panose="020F0502020204030204" pitchFamily="34" charset="0"/>
+                <a:cs typeface="Calibri" panose="020F0502020204030204" pitchFamily="34" charset="0"/>
+              </a:rPr>
+              <a:t>[10] A. R. Howe, C. C. Stark, and J. E. Sadleir, “The Scientific Impact of a Noiseless Energy-Resolving Detector for a Future Exoplanet-Imaging Mission.” </a:t>
+            </a:r>
+            <a:r>
+              <a:rPr lang="en-US" sz="2400" dirty="0" err="1">
+                <a:effectLst/>
+                <a:latin typeface="Calibri" panose="020F0502020204030204" pitchFamily="34" charset="0"/>
+                <a:ea typeface="Calibri" panose="020F0502020204030204" pitchFamily="34" charset="0"/>
+                <a:cs typeface="Calibri" panose="020F0502020204030204" pitchFamily="34" charset="0"/>
+              </a:rPr>
+              <a:t>arXiv</a:t>
+            </a:r>
+            <a:r>
+              <a:rPr lang="en-US" sz="2400" dirty="0">
+                <a:effectLst/>
+                <a:latin typeface="Calibri" panose="020F0502020204030204" pitchFamily="34" charset="0"/>
+                <a:ea typeface="Calibri" panose="020F0502020204030204" pitchFamily="34" charset="0"/>
+                <a:cs typeface="Calibri" panose="020F0502020204030204" pitchFamily="34" charset="0"/>
+              </a:rPr>
+              <a:t>, May 14, 2024. Accessed: May 21, 2024. [Online]. Available: </a:t>
+            </a:r>
+            <a:r>
+              <a:rPr lang="en-US" sz="2400" dirty="0">
+                <a:effectLst/>
+                <a:latin typeface="Calibri" panose="020F0502020204030204" pitchFamily="34" charset="0"/>
+                <a:ea typeface="Calibri" panose="020F0502020204030204" pitchFamily="34" charset="0"/>
+                <a:cs typeface="Calibri" panose="020F0502020204030204" pitchFamily="34" charset="0"/>
+                <a:hlinkClick r:id="rId11"/>
+              </a:rPr>
+              <a:t>http://arxiv.org/abs/2405.08883</a:t>
+            </a:r>
+            <a:endParaRPr lang="en-US" sz="2400" dirty="0">
+              <a:effectLst/>
+              <a:latin typeface="Calibri" panose="020F0502020204030204" pitchFamily="34" charset="0"/>
+              <a:ea typeface="Calibri" panose="020F0502020204030204" pitchFamily="34" charset="0"/>
+              <a:cs typeface="Calibri" panose="020F0502020204030204" pitchFamily="34" charset="0"/>
+            </a:endParaRPr>
+          </a:p>
+          <a:p>
+            <a:pPr>
+              <a:spcBef>
+                <a:spcPts val="0"/>
+              </a:spcBef>
+              <a:spcAft>
+                <a:spcPts val="0"/>
+              </a:spcAft>
+            </a:pPr>
+            <a:r>
+              <a:rPr lang="en-US" sz="2400" dirty="0">
+                <a:effectLst/>
+                <a:latin typeface="Calibri" panose="020F0502020204030204" pitchFamily="34" charset="0"/>
+                <a:ea typeface="Calibri" panose="020F0502020204030204" pitchFamily="34" charset="0"/>
+                <a:cs typeface="Calibri" panose="020F0502020204030204" pitchFamily="34" charset="0"/>
+              </a:rPr>
+              <a:t>[11] </a:t>
+            </a:r>
+            <a:r>
+              <a:rPr lang="en-US" sz="2400" dirty="0">
+                <a:latin typeface="Calibri" panose="020F0502020204030204" pitchFamily="34" charset="0"/>
+                <a:ea typeface="Calibri" panose="020F0502020204030204" pitchFamily="34" charset="0"/>
+                <a:cs typeface="Calibri" panose="020F0502020204030204" pitchFamily="34" charset="0"/>
+              </a:rPr>
+              <a:t>H. Chung </a:t>
+            </a:r>
+            <a:r>
+              <a:rPr lang="en-US" sz="2400" i="1" dirty="0">
+                <a:latin typeface="Calibri" panose="020F0502020204030204" pitchFamily="34" charset="0"/>
+                <a:ea typeface="Calibri" panose="020F0502020204030204" pitchFamily="34" charset="0"/>
+                <a:cs typeface="Calibri" panose="020F0502020204030204" pitchFamily="34" charset="0"/>
+              </a:rPr>
+              <a:t>et al.,</a:t>
+            </a:r>
+            <a:r>
+              <a:rPr lang="en-US" sz="2400" dirty="0">
+                <a:latin typeface="Calibri" panose="020F0502020204030204" pitchFamily="34" charset="0"/>
+                <a:ea typeface="Calibri" panose="020F0502020204030204" pitchFamily="34" charset="0"/>
+                <a:cs typeface="Calibri" panose="020F0502020204030204" pitchFamily="34" charset="0"/>
+              </a:rPr>
+              <a:t> “Aspera: the UV </a:t>
+            </a:r>
+            <a:r>
+              <a:rPr lang="en-US" sz="2400" dirty="0" err="1">
+                <a:latin typeface="Calibri" panose="020F0502020204030204" pitchFamily="34" charset="0"/>
+                <a:ea typeface="Calibri" panose="020F0502020204030204" pitchFamily="34" charset="0"/>
+                <a:cs typeface="Calibri" panose="020F0502020204030204" pitchFamily="34" charset="0"/>
+              </a:rPr>
+              <a:t>SmallSat</a:t>
+            </a:r>
+            <a:r>
+              <a:rPr lang="en-US" sz="2400" dirty="0">
+                <a:latin typeface="Calibri" panose="020F0502020204030204" pitchFamily="34" charset="0"/>
+                <a:ea typeface="Calibri" panose="020F0502020204030204" pitchFamily="34" charset="0"/>
+                <a:cs typeface="Calibri" panose="020F0502020204030204" pitchFamily="34" charset="0"/>
+              </a:rPr>
+              <a:t> telescope to detect and map the warm-hot gas phase in nearby galaxy halos,” </a:t>
+            </a:r>
+            <a:r>
+              <a:rPr lang="en-US" sz="2400" i="1" dirty="0">
+                <a:latin typeface="Calibri" panose="020F0502020204030204" pitchFamily="34" charset="0"/>
+                <a:ea typeface="Calibri" panose="020F0502020204030204" pitchFamily="34" charset="0"/>
+                <a:cs typeface="Calibri" panose="020F0502020204030204" pitchFamily="34" charset="0"/>
+              </a:rPr>
+              <a:t>Proc. SPIE 11819, Aug 2021.</a:t>
+            </a:r>
+            <a:r>
+              <a:rPr lang="en-US" sz="2400" dirty="0">
+                <a:latin typeface="Calibri" panose="020F0502020204030204" pitchFamily="34" charset="0"/>
+                <a:ea typeface="Calibri" panose="020F0502020204030204" pitchFamily="34" charset="0"/>
+                <a:cs typeface="Calibri" panose="020F0502020204030204" pitchFamily="34" charset="0"/>
+              </a:rPr>
+              <a:t> </a:t>
+            </a:r>
+            <a:r>
+              <a:rPr lang="en-US" sz="2400" dirty="0" err="1">
+                <a:latin typeface="Calibri" panose="020F0502020204030204" pitchFamily="34" charset="0"/>
+                <a:ea typeface="Calibri" panose="020F0502020204030204" pitchFamily="34" charset="0"/>
+                <a:cs typeface="Calibri" panose="020F0502020204030204" pitchFamily="34" charset="0"/>
+              </a:rPr>
+              <a:t>doi:</a:t>
+            </a:r>
+            <a:r>
+              <a:rPr lang="en-US" sz="2400" b="0" i="0" u="sng" dirty="0" err="1">
+                <a:solidFill>
+                  <a:srgbClr val="333333"/>
+                </a:solidFill>
+                <a:effectLst/>
+                <a:latin typeface="Calibri" panose="020F0502020204030204" pitchFamily="34" charset="0"/>
+                <a:ea typeface="Calibri" panose="020F0502020204030204" pitchFamily="34" charset="0"/>
+                <a:cs typeface="Calibri" panose="020F0502020204030204" pitchFamily="34" charset="0"/>
+                <a:hlinkClick r:id="rId12"/>
+              </a:rPr>
+              <a:t>https</a:t>
+            </a:r>
+            <a:r>
+              <a:rPr lang="en-US" sz="2400" b="0" i="0" u="sng" dirty="0">
+                <a:solidFill>
+                  <a:srgbClr val="333333"/>
+                </a:solidFill>
+                <a:effectLst/>
+                <a:latin typeface="Calibri" panose="020F0502020204030204" pitchFamily="34" charset="0"/>
+                <a:ea typeface="Calibri" panose="020F0502020204030204" pitchFamily="34" charset="0"/>
+                <a:cs typeface="Calibri" panose="020F0502020204030204" pitchFamily="34" charset="0"/>
+                <a:hlinkClick r:id="rId12"/>
+              </a:rPr>
+              <a:t>://doi.org/10.1117/12.2593001</a:t>
+            </a:r>
+            <a:endParaRPr lang="en-US" sz="2400" b="0" i="0" u="sng" dirty="0">
+              <a:solidFill>
+                <a:srgbClr val="333333"/>
+              </a:solidFill>
+              <a:effectLst/>
+              <a:latin typeface="Calibri" panose="020F0502020204030204" pitchFamily="34" charset="0"/>
+              <a:ea typeface="Calibri" panose="020F0502020204030204" pitchFamily="34" charset="0"/>
+              <a:cs typeface="Calibri" panose="020F0502020204030204" pitchFamily="34" charset="0"/>
+            </a:endParaRPr>
+          </a:p>
+          <a:p>
+            <a:pPr>
+              <a:spcBef>
+                <a:spcPts val="0"/>
+              </a:spcBef>
+              <a:spcAft>
+                <a:spcPts val="0"/>
+              </a:spcAft>
+            </a:pPr>
+            <a:r>
+              <a:rPr lang="en-US" sz="2400" dirty="0">
+                <a:effectLst/>
+                <a:latin typeface="Calibri" panose="020F0502020204030204" pitchFamily="34" charset="0"/>
+                <a:ea typeface="Calibri" panose="020F0502020204030204" pitchFamily="34" charset="0"/>
+                <a:cs typeface="Calibri" panose="020F0502020204030204" pitchFamily="34" charset="0"/>
+              </a:rPr>
+              <a:t>[12] J. R. </a:t>
+            </a:r>
+            <a:r>
+              <a:rPr lang="en-US" sz="2400" dirty="0" err="1">
+                <a:effectLst/>
+                <a:latin typeface="Calibri" panose="020F0502020204030204" pitchFamily="34" charset="0"/>
+                <a:ea typeface="Calibri" panose="020F0502020204030204" pitchFamily="34" charset="0"/>
+                <a:cs typeface="Calibri" panose="020F0502020204030204" pitchFamily="34" charset="0"/>
+              </a:rPr>
+              <a:t>Janesick</a:t>
+            </a:r>
+            <a:r>
+              <a:rPr lang="en-US" sz="2400" dirty="0">
+                <a:effectLst/>
+                <a:latin typeface="Calibri" panose="020F0502020204030204" pitchFamily="34" charset="0"/>
+                <a:ea typeface="Calibri" panose="020F0502020204030204" pitchFamily="34" charset="0"/>
+                <a:cs typeface="Calibri" panose="020F0502020204030204" pitchFamily="34" charset="0"/>
+              </a:rPr>
+              <a:t>, Scientific charge-coupled devices. 2001. Accessed: Jun. 17, 2024. [Online]. Available: https://ui.adsabs.harvard.edu/abs/2001sccd.book.....J</a:t>
+            </a:r>
+          </a:p>
+          <a:p>
+            <a:pPr>
+              <a:spcBef>
+                <a:spcPts val="0"/>
+              </a:spcBef>
+              <a:spcAft>
+                <a:spcPts val="0"/>
+              </a:spcAft>
+            </a:pPr>
+            <a:endParaRPr lang="en-US" sz="2400" dirty="0">
+              <a:effectLst/>
+              <a:latin typeface="Calibri" panose="020F0502020204030204" pitchFamily="34" charset="0"/>
+              <a:ea typeface="Calibri" panose="020F0502020204030204" pitchFamily="34" charset="0"/>
+              <a:cs typeface="Calibri" panose="020F0502020204030204" pitchFamily="34" charset="0"/>
+            </a:endParaRPr>
+          </a:p>
+        </p:txBody>
+      </p:sp>
+      <p:pic>
+        <p:nvPicPr>
+          <p:cNvPr id="7" name="Picture 6">
+            <a:extLst>
+              <a:ext uri="{FF2B5EF4-FFF2-40B4-BE49-F238E27FC236}">
+                <a16:creationId xmlns:a16="http://schemas.microsoft.com/office/drawing/2014/main" id="{937867FE-6255-9028-D308-C17C07DC10DC}"/>
+              </a:ext>
+            </a:extLst>
+          </p:cNvPr>
+          <p:cNvPicPr>
+            <a:picLocks noChangeAspect="1"/>
+          </p:cNvPicPr>
+          <p:nvPr/>
+        </p:nvPicPr>
+        <p:blipFill>
+          <a:blip r:embed="rId13">
+            <a:extLst>
+              <a:ext uri="{28A0092B-C50C-407E-A947-70E740481C1C}">
+                <a14:useLocalDpi xmlns:a14="http://schemas.microsoft.com/office/drawing/2010/main" val="0"/>
+              </a:ext>
+            </a:extLst>
+          </a:blip>
+          <a:stretch>
+            <a:fillRect/>
+          </a:stretch>
+        </p:blipFill>
+        <p:spPr>
+          <a:xfrm>
+            <a:off x="17986731" y="11015388"/>
+            <a:ext cx="12328380" cy="3998393"/>
+          </a:xfrm>
+          <a:prstGeom prst="rect">
+            <a:avLst/>
+          </a:prstGeom>
+        </p:spPr>
+      </p:pic>
+      <p:sp>
+        <p:nvSpPr>
+          <p:cNvPr id="8" name="Title 3">
+            <a:extLst>
+              <a:ext uri="{FF2B5EF4-FFF2-40B4-BE49-F238E27FC236}">
+                <a16:creationId xmlns:a16="http://schemas.microsoft.com/office/drawing/2014/main" id="{3D9B5EB0-93D8-08F0-F48B-6C395CA4CA5F}"/>
+              </a:ext>
+            </a:extLst>
+          </p:cNvPr>
+          <p:cNvSpPr/>
+          <p:nvPr/>
+        </p:nvSpPr>
+        <p:spPr>
+          <a:xfrm>
+            <a:off x="1972800" y="4843581"/>
+            <a:ext cx="12276600" cy="1471440"/>
+          </a:xfrm>
+          <a:prstGeom prst="rect">
+            <a:avLst/>
+          </a:prstGeom>
+          <a:noFill/>
+          <a:ln w="0">
+            <a:noFill/>
+          </a:ln>
+        </p:spPr>
+        <p:style>
+          <a:lnRef idx="0">
+            <a:scrgbClr r="0" g="0" b="0"/>
+          </a:lnRef>
+          <a:fillRef idx="0">
+            <a:scrgbClr r="0" g="0" b="0"/>
+          </a:fillRef>
+          <a:effectRef idx="0">
+            <a:scrgbClr r="0" g="0" b="0"/>
+          </a:effectRef>
+          <a:fontRef idx="minor"/>
+        </p:style>
+        <p:txBody>
+          <a:bodyPr anchor="t">
+            <a:normAutofit/>
+          </a:bodyPr>
+          <a:lstStyle/>
+          <a:p>
+            <a:pPr algn="ctr">
+              <a:lnSpc>
+                <a:spcPct val="90000"/>
+              </a:lnSpc>
+              <a:buNone/>
+            </a:pPr>
+            <a:r>
+              <a:rPr lang="en-US" sz="4800" b="0" strike="noStrike" spc="-1" dirty="0">
+                <a:solidFill>
+                  <a:srgbClr val="000000"/>
+                </a:solidFill>
+                <a:latin typeface="Calibri" panose="020F0502020204030204" pitchFamily="34" charset="0"/>
+                <a:ea typeface="Calibri" panose="020F0502020204030204" pitchFamily="34" charset="0"/>
+                <a:cs typeface="Calibri" panose="020F0502020204030204" pitchFamily="34" charset="0"/>
+              </a:rPr>
+              <a:t>Abstract</a:t>
+            </a:r>
+            <a:endParaRPr lang="en-CA" sz="4800" b="0" strike="noStrike" spc="-1" dirty="0">
+              <a:latin typeface="Calibri" panose="020F0502020204030204" pitchFamily="34" charset="0"/>
+              <a:ea typeface="Calibri" panose="020F0502020204030204" pitchFamily="34" charset="0"/>
+              <a:cs typeface="Calibri" panose="020F0502020204030204" pitchFamily="34" charset="0"/>
+            </a:endParaRPr>
+          </a:p>
+        </p:txBody>
+      </p:sp>
+      <p:sp>
+        <p:nvSpPr>
+          <p:cNvPr id="9" name="Title 3">
+            <a:extLst>
+              <a:ext uri="{FF2B5EF4-FFF2-40B4-BE49-F238E27FC236}">
+                <a16:creationId xmlns:a16="http://schemas.microsoft.com/office/drawing/2014/main" id="{9727C933-F001-A368-8DD4-EC680334C746}"/>
+              </a:ext>
+            </a:extLst>
+          </p:cNvPr>
+          <p:cNvSpPr/>
+          <p:nvPr/>
+        </p:nvSpPr>
+        <p:spPr>
+          <a:xfrm>
+            <a:off x="17958520" y="4876178"/>
+            <a:ext cx="12276600" cy="1471440"/>
+          </a:xfrm>
+          <a:prstGeom prst="rect">
+            <a:avLst/>
+          </a:prstGeom>
+          <a:noFill/>
+          <a:ln w="0">
+            <a:noFill/>
+          </a:ln>
+        </p:spPr>
+        <p:style>
+          <a:lnRef idx="0">
+            <a:scrgbClr r="0" g="0" b="0"/>
+          </a:lnRef>
+          <a:fillRef idx="0">
+            <a:scrgbClr r="0" g="0" b="0"/>
+          </a:fillRef>
+          <a:effectRef idx="0">
+            <a:scrgbClr r="0" g="0" b="0"/>
+          </a:effectRef>
+          <a:fontRef idx="minor"/>
+        </p:style>
+        <p:txBody>
+          <a:bodyPr anchor="t">
+            <a:normAutofit/>
+          </a:bodyPr>
+          <a:lstStyle/>
+          <a:p>
+            <a:pPr algn="ctr">
+              <a:lnSpc>
+                <a:spcPct val="90000"/>
+              </a:lnSpc>
+              <a:buNone/>
+            </a:pPr>
+            <a:r>
+              <a:rPr lang="en-US" sz="4800" b="0" strike="noStrike" spc="-1" dirty="0">
+                <a:solidFill>
+                  <a:srgbClr val="000000"/>
+                </a:solidFill>
+                <a:latin typeface="Calibri" panose="020F0502020204030204" pitchFamily="34" charset="0"/>
+                <a:ea typeface="Calibri" panose="020F0502020204030204" pitchFamily="34" charset="0"/>
+                <a:cs typeface="Calibri" panose="020F0502020204030204" pitchFamily="34" charset="0"/>
+              </a:rPr>
+              <a:t>Project Timeline</a:t>
+            </a:r>
+            <a:endParaRPr lang="en-CA" sz="4800" b="0" strike="noStrike" spc="-1" dirty="0">
+              <a:latin typeface="Calibri" panose="020F0502020204030204" pitchFamily="34" charset="0"/>
+              <a:ea typeface="Calibri" panose="020F0502020204030204" pitchFamily="34" charset="0"/>
+              <a:cs typeface="Calibri" panose="020F0502020204030204" pitchFamily="34" charset="0"/>
+            </a:endParaRPr>
+          </a:p>
+        </p:txBody>
+      </p:sp>
+      <p:sp>
+        <p:nvSpPr>
+          <p:cNvPr id="10" name="Title 3">
+            <a:extLst>
+              <a:ext uri="{FF2B5EF4-FFF2-40B4-BE49-F238E27FC236}">
+                <a16:creationId xmlns:a16="http://schemas.microsoft.com/office/drawing/2014/main" id="{8A73426A-3D0A-9EC8-3B2E-650CFD95055A}"/>
+              </a:ext>
+            </a:extLst>
+          </p:cNvPr>
+          <p:cNvSpPr/>
+          <p:nvPr/>
+        </p:nvSpPr>
+        <p:spPr>
+          <a:xfrm>
+            <a:off x="3384748" y="12049443"/>
+            <a:ext cx="9835440" cy="1471440"/>
+          </a:xfrm>
+          <a:prstGeom prst="rect">
+            <a:avLst/>
+          </a:prstGeom>
+          <a:noFill/>
+          <a:ln w="0">
+            <a:noFill/>
+          </a:ln>
+        </p:spPr>
+        <p:style>
+          <a:lnRef idx="0">
+            <a:scrgbClr r="0" g="0" b="0"/>
+          </a:lnRef>
+          <a:fillRef idx="0">
+            <a:scrgbClr r="0" g="0" b="0"/>
+          </a:fillRef>
+          <a:effectRef idx="0">
+            <a:scrgbClr r="0" g="0" b="0"/>
+          </a:effectRef>
+          <a:fontRef idx="minor"/>
+        </p:style>
+        <p:txBody>
+          <a:bodyPr anchor="t">
+            <a:normAutofit/>
+          </a:bodyPr>
+          <a:lstStyle/>
+          <a:p>
+            <a:pPr algn="ctr">
+              <a:lnSpc>
+                <a:spcPct val="90000"/>
+              </a:lnSpc>
+              <a:buNone/>
+            </a:pPr>
+            <a:r>
+              <a:rPr lang="en-US" sz="4800" b="0" strike="noStrike" spc="-1" dirty="0">
+                <a:solidFill>
+                  <a:srgbClr val="000000"/>
+                </a:solidFill>
+                <a:latin typeface="Calibri" panose="020F0502020204030204" pitchFamily="34" charset="0"/>
+                <a:ea typeface="Calibri" panose="020F0502020204030204" pitchFamily="34" charset="0"/>
+                <a:cs typeface="Calibri" panose="020F0502020204030204" pitchFamily="34" charset="0"/>
+              </a:rPr>
+              <a:t>Readout Simulation</a:t>
+            </a:r>
+            <a:endParaRPr lang="en-CA" sz="4800" b="0" strike="noStrike" spc="-1" dirty="0">
+              <a:latin typeface="Calibri" panose="020F0502020204030204" pitchFamily="34" charset="0"/>
+              <a:ea typeface="Calibri" panose="020F0502020204030204" pitchFamily="34" charset="0"/>
+              <a:cs typeface="Calibri" panose="020F0502020204030204" pitchFamily="34" charset="0"/>
+            </a:endParaRPr>
+          </a:p>
+        </p:txBody>
+      </p:sp>
+      <p:sp>
+        <p:nvSpPr>
+          <p:cNvPr id="11" name="Title 3">
+            <a:extLst>
+              <a:ext uri="{FF2B5EF4-FFF2-40B4-BE49-F238E27FC236}">
+                <a16:creationId xmlns:a16="http://schemas.microsoft.com/office/drawing/2014/main" id="{C751E51F-7B51-EA47-F361-50CB10182E2A}"/>
+              </a:ext>
+            </a:extLst>
+          </p:cNvPr>
+          <p:cNvSpPr/>
+          <p:nvPr/>
+        </p:nvSpPr>
+        <p:spPr>
+          <a:xfrm>
+            <a:off x="17958520" y="17011460"/>
+            <a:ext cx="12276600" cy="1471440"/>
+          </a:xfrm>
+          <a:prstGeom prst="rect">
+            <a:avLst/>
+          </a:prstGeom>
+          <a:noFill/>
+          <a:ln w="0">
+            <a:noFill/>
+          </a:ln>
+        </p:spPr>
+        <p:style>
+          <a:lnRef idx="0">
+            <a:scrgbClr r="0" g="0" b="0"/>
+          </a:lnRef>
+          <a:fillRef idx="0">
+            <a:scrgbClr r="0" g="0" b="0"/>
+          </a:fillRef>
+          <a:effectRef idx="0">
+            <a:scrgbClr r="0" g="0" b="0"/>
+          </a:effectRef>
+          <a:fontRef idx="minor"/>
+        </p:style>
+        <p:txBody>
+          <a:bodyPr anchor="t">
+            <a:normAutofit/>
+          </a:bodyPr>
+          <a:lstStyle/>
+          <a:p>
+            <a:pPr algn="ctr">
+              <a:lnSpc>
+                <a:spcPct val="90000"/>
+              </a:lnSpc>
+              <a:buNone/>
+            </a:pPr>
+            <a:r>
+              <a:rPr lang="en-CA" sz="4800" b="0" strike="noStrike" spc="-1" dirty="0">
+                <a:latin typeface="Calibri" panose="020F0502020204030204" pitchFamily="34" charset="0"/>
+                <a:ea typeface="Calibri" panose="020F0502020204030204" pitchFamily="34" charset="0"/>
+                <a:cs typeface="Calibri" panose="020F0502020204030204" pitchFamily="34" charset="0"/>
+              </a:rPr>
+              <a:t>Simulated Observations</a:t>
+            </a:r>
+          </a:p>
+        </p:txBody>
+      </p:sp>
+      <p:sp>
+        <p:nvSpPr>
+          <p:cNvPr id="12" name="Title 3">
+            <a:extLst>
+              <a:ext uri="{FF2B5EF4-FFF2-40B4-BE49-F238E27FC236}">
+                <a16:creationId xmlns:a16="http://schemas.microsoft.com/office/drawing/2014/main" id="{8C248CBE-BD92-D675-7B47-D2474497670C}"/>
+              </a:ext>
+            </a:extLst>
+          </p:cNvPr>
+          <p:cNvSpPr/>
+          <p:nvPr/>
+        </p:nvSpPr>
+        <p:spPr>
+          <a:xfrm>
+            <a:off x="4224502" y="30209175"/>
+            <a:ext cx="8194762" cy="1471440"/>
+          </a:xfrm>
+          <a:prstGeom prst="rect">
+            <a:avLst/>
+          </a:prstGeom>
+          <a:noFill/>
+          <a:ln w="0">
+            <a:noFill/>
+          </a:ln>
+        </p:spPr>
+        <p:style>
+          <a:lnRef idx="0">
+            <a:scrgbClr r="0" g="0" b="0"/>
+          </a:lnRef>
+          <a:fillRef idx="0">
+            <a:scrgbClr r="0" g="0" b="0"/>
+          </a:fillRef>
+          <a:effectRef idx="0">
+            <a:scrgbClr r="0" g="0" b="0"/>
+          </a:effectRef>
+          <a:fontRef idx="minor"/>
+        </p:style>
+        <p:txBody>
+          <a:bodyPr anchor="t">
+            <a:normAutofit/>
+          </a:bodyPr>
+          <a:lstStyle/>
+          <a:p>
+            <a:pPr algn="ctr">
+              <a:lnSpc>
+                <a:spcPct val="90000"/>
+              </a:lnSpc>
+              <a:buNone/>
+            </a:pPr>
+            <a:r>
+              <a:rPr lang="en-US" sz="4800" b="0" strike="noStrike" spc="-1" dirty="0">
+                <a:solidFill>
+                  <a:srgbClr val="000000"/>
+                </a:solidFill>
+                <a:latin typeface="Calibri" panose="020F0502020204030204" pitchFamily="34" charset="0"/>
+                <a:ea typeface="Calibri" panose="020F0502020204030204" pitchFamily="34" charset="0"/>
+                <a:cs typeface="Calibri" panose="020F0502020204030204" pitchFamily="34" charset="0"/>
+              </a:rPr>
+              <a:t>Other Applications</a:t>
+            </a:r>
+            <a:endParaRPr lang="en-CA" sz="4800" b="0" strike="noStrike" spc="-1" dirty="0">
+              <a:latin typeface="Calibri" panose="020F0502020204030204" pitchFamily="34" charset="0"/>
+              <a:ea typeface="Calibri" panose="020F0502020204030204" pitchFamily="34" charset="0"/>
+              <a:cs typeface="Calibri" panose="020F0502020204030204" pitchFamily="34" charset="0"/>
+            </a:endParaRPr>
+          </a:p>
+        </p:txBody>
+      </p:sp>
+      <p:pic>
+        <p:nvPicPr>
+          <p:cNvPr id="15" name="Picture 14">
+            <a:extLst>
+              <a:ext uri="{FF2B5EF4-FFF2-40B4-BE49-F238E27FC236}">
+                <a16:creationId xmlns:a16="http://schemas.microsoft.com/office/drawing/2014/main" id="{28ED7261-B03E-CF42-044D-3D00A112BFA2}"/>
+              </a:ext>
+            </a:extLst>
+          </p:cNvPr>
+          <p:cNvPicPr>
+            <a:picLocks noChangeAspect="1"/>
+          </p:cNvPicPr>
+          <p:nvPr/>
+        </p:nvPicPr>
+        <p:blipFill>
+          <a:blip r:embed="rId14">
+            <a:extLst>
+              <a:ext uri="{28A0092B-C50C-407E-A947-70E740481C1C}">
+                <a14:useLocalDpi xmlns:a14="http://schemas.microsoft.com/office/drawing/2010/main" val="0"/>
+              </a:ext>
+            </a:extLst>
+          </a:blip>
+          <a:stretch>
+            <a:fillRect/>
+          </a:stretch>
+        </p:blipFill>
+        <p:spPr>
+          <a:xfrm>
+            <a:off x="849976" y="531027"/>
+            <a:ext cx="3619693" cy="3388764"/>
+          </a:xfrm>
+          <a:prstGeom prst="rect">
+            <a:avLst/>
+          </a:prstGeom>
+        </p:spPr>
+      </p:pic>
+      <p:pic>
+        <p:nvPicPr>
+          <p:cNvPr id="17" name="Picture 16">
+            <a:extLst>
+              <a:ext uri="{FF2B5EF4-FFF2-40B4-BE49-F238E27FC236}">
+                <a16:creationId xmlns:a16="http://schemas.microsoft.com/office/drawing/2014/main" id="{EBEFD5F4-F991-ABD9-4754-0DAEC075B423}"/>
+              </a:ext>
+            </a:extLst>
+          </p:cNvPr>
+          <p:cNvPicPr>
+            <a:picLocks noChangeAspect="1"/>
+          </p:cNvPicPr>
+          <p:nvPr/>
+        </p:nvPicPr>
+        <p:blipFill>
+          <a:blip r:embed="rId15" cstate="print">
+            <a:extLst>
+              <a:ext uri="{28A0092B-C50C-407E-A947-70E740481C1C}">
+                <a14:useLocalDpi xmlns:a14="http://schemas.microsoft.com/office/drawing/2010/main" val="0"/>
+              </a:ext>
+            </a:extLst>
+          </a:blip>
+          <a:stretch>
+            <a:fillRect/>
+          </a:stretch>
+        </p:blipFill>
+        <p:spPr>
+          <a:xfrm>
+            <a:off x="28484485" y="488921"/>
+            <a:ext cx="3368330" cy="3388766"/>
+          </a:xfrm>
+          <a:prstGeom prst="rect">
+            <a:avLst/>
+          </a:prstGeom>
+        </p:spPr>
+      </p:pic>
+      <p:pic>
+        <p:nvPicPr>
+          <p:cNvPr id="19" name="Picture 18">
+            <a:extLst>
+              <a:ext uri="{FF2B5EF4-FFF2-40B4-BE49-F238E27FC236}">
+                <a16:creationId xmlns:a16="http://schemas.microsoft.com/office/drawing/2014/main" id="{0F239747-C431-DBB8-4C77-BC32B4350AE1}"/>
+              </a:ext>
+            </a:extLst>
+          </p:cNvPr>
+          <p:cNvPicPr>
+            <a:picLocks noChangeAspect="1"/>
+          </p:cNvPicPr>
+          <p:nvPr/>
+        </p:nvPicPr>
+        <p:blipFill rotWithShape="1">
+          <a:blip r:embed="rId16" cstate="print">
+            <a:extLst>
+              <a:ext uri="{28A0092B-C50C-407E-A947-70E740481C1C}">
+                <a14:useLocalDpi xmlns:a14="http://schemas.microsoft.com/office/drawing/2010/main" val="0"/>
+              </a:ext>
+            </a:extLst>
+          </a:blip>
+          <a:srcRect r="14093" b="25330"/>
+          <a:stretch/>
+        </p:blipFill>
+        <p:spPr>
+          <a:xfrm>
+            <a:off x="18945538" y="22376291"/>
+            <a:ext cx="10302564" cy="12300457"/>
+          </a:xfrm>
+          <a:prstGeom prst="rect">
+            <a:avLst/>
+          </a:prstGeom>
+        </p:spPr>
+      </p:pic>
+      <p:pic>
+        <p:nvPicPr>
+          <p:cNvPr id="21" name="Picture 20">
+            <a:extLst>
+              <a:ext uri="{FF2B5EF4-FFF2-40B4-BE49-F238E27FC236}">
+                <a16:creationId xmlns:a16="http://schemas.microsoft.com/office/drawing/2014/main" id="{D6FFD1A8-8DFA-7AE4-CFAC-4A1D68723F3A}"/>
+              </a:ext>
+            </a:extLst>
+          </p:cNvPr>
+          <p:cNvPicPr>
+            <a:picLocks noChangeAspect="1"/>
+          </p:cNvPicPr>
+          <p:nvPr/>
+        </p:nvPicPr>
+        <p:blipFill rotWithShape="1">
+          <a:blip r:embed="rId17">
+            <a:extLst>
+              <a:ext uri="{28A0092B-C50C-407E-A947-70E740481C1C}">
+                <a14:useLocalDpi xmlns:a14="http://schemas.microsoft.com/office/drawing/2010/main" val="0"/>
+              </a:ext>
+            </a:extLst>
+          </a:blip>
+          <a:srcRect t="2592" b="2897"/>
+          <a:stretch/>
+        </p:blipFill>
+        <p:spPr>
+          <a:xfrm>
+            <a:off x="8604019" y="17436710"/>
+            <a:ext cx="6793462" cy="4815381"/>
+          </a:xfrm>
+          <a:prstGeom prst="rect">
+            <a:avLst/>
+          </a:prstGeom>
+        </p:spPr>
+      </p:pic>
+      <p:pic>
+        <p:nvPicPr>
+          <p:cNvPr id="23" name="Picture 22">
+            <a:extLst>
+              <a:ext uri="{FF2B5EF4-FFF2-40B4-BE49-F238E27FC236}">
+                <a16:creationId xmlns:a16="http://schemas.microsoft.com/office/drawing/2014/main" id="{2E4598C5-09A6-F2C2-4D94-094BA01B5B89}"/>
+              </a:ext>
+            </a:extLst>
+          </p:cNvPr>
+          <p:cNvPicPr>
+            <a:picLocks noChangeAspect="1"/>
+          </p:cNvPicPr>
+          <p:nvPr/>
+        </p:nvPicPr>
+        <p:blipFill>
+          <a:blip r:embed="rId18">
+            <a:extLst>
+              <a:ext uri="{28A0092B-C50C-407E-A947-70E740481C1C}">
+                <a14:useLocalDpi xmlns:a14="http://schemas.microsoft.com/office/drawing/2010/main" val="0"/>
+              </a:ext>
+            </a:extLst>
+          </a:blip>
+          <a:stretch>
+            <a:fillRect/>
+          </a:stretch>
+        </p:blipFill>
+        <p:spPr>
+          <a:xfrm>
+            <a:off x="1189135" y="17462111"/>
+            <a:ext cx="7223072" cy="4815381"/>
+          </a:xfrm>
+          <a:prstGeom prst="rect">
+            <a:avLst/>
+          </a:prstGeom>
+        </p:spPr>
+      </p:pic>
+      <p:sp>
+        <p:nvSpPr>
+          <p:cNvPr id="24" name="Title 3">
+            <a:extLst>
+              <a:ext uri="{FF2B5EF4-FFF2-40B4-BE49-F238E27FC236}">
+                <a16:creationId xmlns:a16="http://schemas.microsoft.com/office/drawing/2014/main" id="{484BF405-CE2A-0454-40D1-E8C26FAE9D10}"/>
+              </a:ext>
+            </a:extLst>
+          </p:cNvPr>
+          <p:cNvSpPr/>
+          <p:nvPr/>
+        </p:nvSpPr>
+        <p:spPr>
+          <a:xfrm>
+            <a:off x="13654089" y="37263454"/>
+            <a:ext cx="4359691" cy="710814"/>
+          </a:xfrm>
+          <a:prstGeom prst="rect">
+            <a:avLst/>
+          </a:prstGeom>
+          <a:noFill/>
+          <a:ln w="0">
+            <a:noFill/>
+          </a:ln>
+        </p:spPr>
+        <p:style>
+          <a:lnRef idx="0">
+            <a:scrgbClr r="0" g="0" b="0"/>
+          </a:lnRef>
+          <a:fillRef idx="0">
+            <a:scrgbClr r="0" g="0" b="0"/>
+          </a:fillRef>
+          <a:effectRef idx="0">
+            <a:scrgbClr r="0" g="0" b="0"/>
+          </a:effectRef>
+          <a:fontRef idx="minor"/>
+        </p:style>
+        <p:txBody>
+          <a:bodyPr anchor="t">
+            <a:normAutofit/>
+          </a:bodyPr>
+          <a:lstStyle/>
+          <a:p>
+            <a:pPr algn="ctr">
+              <a:lnSpc>
+                <a:spcPct val="90000"/>
+              </a:lnSpc>
+              <a:buNone/>
+            </a:pPr>
+            <a:r>
+              <a:rPr lang="en-CA" sz="4400" b="0" strike="noStrike" spc="-1" dirty="0">
+                <a:latin typeface="Arial"/>
+              </a:rPr>
+              <a:t>References</a:t>
+            </a:r>
+          </a:p>
+        </p:txBody>
+      </p:sp>
+      <p:cxnSp>
+        <p:nvCxnSpPr>
+          <p:cNvPr id="26" name="Straight Connector 25">
+            <a:extLst>
+              <a:ext uri="{FF2B5EF4-FFF2-40B4-BE49-F238E27FC236}">
+                <a16:creationId xmlns:a16="http://schemas.microsoft.com/office/drawing/2014/main" id="{8C05FC7F-67B9-C0CB-5BBD-5735E82B7D6A}"/>
+              </a:ext>
+            </a:extLst>
+          </p:cNvPr>
+          <p:cNvCxnSpPr>
+            <a:cxnSpLocks/>
+          </p:cNvCxnSpPr>
+          <p:nvPr/>
+        </p:nvCxnSpPr>
+        <p:spPr>
+          <a:xfrm>
+            <a:off x="1820400" y="37073838"/>
+            <a:ext cx="28448000" cy="0"/>
+          </a:xfrm>
+          <a:prstGeom prst="line">
+            <a:avLst/>
+          </a:prstGeom>
+          <a:ln w="76200">
+            <a:solidFill>
+              <a:srgbClr val="AB0520"/>
+            </a:solidFill>
+          </a:ln>
+        </p:spPr>
+        <p:style>
+          <a:lnRef idx="1">
+            <a:schemeClr val="accent1"/>
+          </a:lnRef>
+          <a:fillRef idx="0">
+            <a:schemeClr val="accent1"/>
+          </a:fillRef>
+          <a:effectRef idx="0">
+            <a:schemeClr val="accent1"/>
+          </a:effectRef>
+          <a:fontRef idx="minor">
+            <a:schemeClr val="tx1"/>
+          </a:fontRef>
+        </p:style>
+      </p:cxnSp>
+      <p:cxnSp>
+        <p:nvCxnSpPr>
+          <p:cNvPr id="33" name="Straight Connector 32">
+            <a:extLst>
+              <a:ext uri="{FF2B5EF4-FFF2-40B4-BE49-F238E27FC236}">
+                <a16:creationId xmlns:a16="http://schemas.microsoft.com/office/drawing/2014/main" id="{5E85AE97-1897-ADA4-6F33-25B1097FC363}"/>
+              </a:ext>
+            </a:extLst>
+          </p:cNvPr>
+          <p:cNvCxnSpPr>
+            <a:cxnSpLocks/>
+          </p:cNvCxnSpPr>
+          <p:nvPr/>
+        </p:nvCxnSpPr>
+        <p:spPr>
+          <a:xfrm>
+            <a:off x="1975459" y="4571502"/>
+            <a:ext cx="28448000" cy="0"/>
+          </a:xfrm>
+          <a:prstGeom prst="line">
+            <a:avLst/>
+          </a:prstGeom>
+          <a:ln w="76200">
+            <a:solidFill>
+              <a:srgbClr val="AB0520"/>
+            </a:solidFill>
+          </a:ln>
+        </p:spPr>
+        <p:style>
+          <a:lnRef idx="1">
+            <a:schemeClr val="accent1"/>
+          </a:lnRef>
+          <a:fillRef idx="0">
+            <a:schemeClr val="accent1"/>
+          </a:fillRef>
+          <a:effectRef idx="0">
+            <a:schemeClr val="accent1"/>
+          </a:effectRef>
+          <a:fontRef idx="minor">
+            <a:schemeClr val="tx1"/>
+          </a:fontRef>
+        </p:style>
+      </p:cxnSp>
+      <p:sp>
+        <p:nvSpPr>
+          <p:cNvPr id="43" name="Title 3">
+            <a:extLst>
+              <a:ext uri="{FF2B5EF4-FFF2-40B4-BE49-F238E27FC236}">
+                <a16:creationId xmlns:a16="http://schemas.microsoft.com/office/drawing/2014/main" id="{ECDAD50D-FB15-28C8-A8F0-88A5192F806C}"/>
+              </a:ext>
+            </a:extLst>
+          </p:cNvPr>
+          <p:cNvSpPr/>
+          <p:nvPr/>
+        </p:nvSpPr>
+        <p:spPr>
+          <a:xfrm>
+            <a:off x="1217710" y="22415920"/>
+            <a:ext cx="14208346" cy="3079329"/>
+          </a:xfrm>
+          <a:prstGeom prst="rect">
+            <a:avLst/>
+          </a:prstGeom>
+          <a:noFill/>
+          <a:ln w="0">
+            <a:noFill/>
+          </a:ln>
+        </p:spPr>
+        <p:style>
+          <a:lnRef idx="0">
+            <a:scrgbClr r="0" g="0" b="0"/>
+          </a:lnRef>
+          <a:fillRef idx="0">
+            <a:scrgbClr r="0" g="0" b="0"/>
+          </a:fillRef>
+          <a:effectRef idx="0">
+            <a:scrgbClr r="0" g="0" b="0"/>
+          </a:effectRef>
+          <a:fontRef idx="minor"/>
+        </p:style>
+        <p:txBody>
+          <a:bodyPr numCol="2" spcCol="365760" anchor="t">
+            <a:normAutofit/>
+          </a:bodyPr>
+          <a:lstStyle/>
+          <a:p>
+            <a:pPr algn="just">
+              <a:lnSpc>
+                <a:spcPct val="90000"/>
+              </a:lnSpc>
+            </a:pPr>
+            <a:r>
+              <a:rPr lang="en-CA" sz="2800" spc="-1" dirty="0">
+                <a:latin typeface="Calibri" panose="020F0502020204030204" pitchFamily="34" charset="0"/>
+                <a:ea typeface="Calibri" panose="020F0502020204030204" pitchFamily="34" charset="0"/>
+                <a:cs typeface="Calibri" panose="020F0502020204030204" pitchFamily="34" charset="0"/>
+              </a:rPr>
+              <a:t>Figure 2: Skipper CDS transfer function and readout electronics intrinsic noise spectrum. The transfer function is convolved with the noise spectrum to produce the integrated noise. The transfer function peaks near the pixel clock frequency, with additional skips narrowing the width of the transfer function.</a:t>
+            </a:r>
+          </a:p>
+          <a:p>
+            <a:pPr algn="just">
+              <a:lnSpc>
+                <a:spcPct val="90000"/>
+              </a:lnSpc>
+            </a:pPr>
+            <a:r>
+              <a:rPr lang="en-CA" sz="2800" spc="-1" dirty="0">
+                <a:latin typeface="Calibri" panose="020F0502020204030204" pitchFamily="34" charset="0"/>
+                <a:ea typeface="Calibri" panose="020F0502020204030204" pitchFamily="34" charset="0"/>
+                <a:cs typeface="Calibri" panose="020F0502020204030204" pitchFamily="34" charset="0"/>
+              </a:rPr>
+              <a:t>Figure 3: Total integrated read noise for a 128-    channel Skipper CCD as a function of pixel   frequency and readout time. An optimal readout speed of 100 kHz is found, corresponding to a ~700 second readout time at deep 0.10 e</a:t>
+            </a:r>
+            <a:r>
+              <a:rPr lang="en-CA" sz="2800" spc="-1" baseline="30000" dirty="0">
+                <a:latin typeface="Calibri" panose="020F0502020204030204" pitchFamily="34" charset="0"/>
+                <a:ea typeface="Calibri" panose="020F0502020204030204" pitchFamily="34" charset="0"/>
+                <a:cs typeface="Calibri" panose="020F0502020204030204" pitchFamily="34" charset="0"/>
+              </a:rPr>
+              <a:t>-</a:t>
+            </a:r>
+            <a:r>
+              <a:rPr lang="en-CA" sz="2800" spc="-1" dirty="0">
+                <a:latin typeface="Calibri" panose="020F0502020204030204" pitchFamily="34" charset="0"/>
+                <a:ea typeface="Calibri" panose="020F0502020204030204" pitchFamily="34" charset="0"/>
+                <a:cs typeface="Calibri" panose="020F0502020204030204" pitchFamily="34" charset="0"/>
+              </a:rPr>
+              <a:t> read noise.</a:t>
+            </a:r>
+            <a:endParaRPr lang="en-CA" sz="2800" b="0" strike="noStrike" spc="-1" dirty="0">
+              <a:latin typeface="Calibri" panose="020F0502020204030204" pitchFamily="34" charset="0"/>
+              <a:ea typeface="Calibri" panose="020F0502020204030204" pitchFamily="34" charset="0"/>
+              <a:cs typeface="Calibri" panose="020F0502020204030204" pitchFamily="34" charset="0"/>
+            </a:endParaRPr>
+          </a:p>
+        </p:txBody>
+      </p:sp>
+      <p:sp>
+        <p:nvSpPr>
+          <p:cNvPr id="44" name="Title 3">
+            <a:extLst>
+              <a:ext uri="{FF2B5EF4-FFF2-40B4-BE49-F238E27FC236}">
+                <a16:creationId xmlns:a16="http://schemas.microsoft.com/office/drawing/2014/main" id="{5E7A1F30-15E8-8490-F6E2-3CEA0B57673D}"/>
+              </a:ext>
+            </a:extLst>
+          </p:cNvPr>
+          <p:cNvSpPr/>
+          <p:nvPr/>
+        </p:nvSpPr>
+        <p:spPr>
+          <a:xfrm>
+            <a:off x="1762308" y="31537406"/>
+            <a:ext cx="13080321" cy="5484744"/>
+          </a:xfrm>
+          <a:prstGeom prst="rect">
+            <a:avLst/>
+          </a:prstGeom>
+          <a:noFill/>
+          <a:ln w="0">
+            <a:noFill/>
+          </a:ln>
+        </p:spPr>
+        <p:style>
+          <a:lnRef idx="0">
+            <a:scrgbClr r="0" g="0" b="0"/>
+          </a:lnRef>
+          <a:fillRef idx="0">
+            <a:scrgbClr r="0" g="0" b="0"/>
+          </a:fillRef>
+          <a:effectRef idx="0">
+            <a:scrgbClr r="0" g="0" b="0"/>
+          </a:effectRef>
+          <a:fontRef idx="minor"/>
+        </p:style>
+        <p:txBody>
+          <a:bodyPr anchor="t">
+            <a:normAutofit/>
+          </a:bodyPr>
+          <a:lstStyle/>
+          <a:p>
+            <a:pPr algn="just">
+              <a:lnSpc>
+                <a:spcPct val="90000"/>
+              </a:lnSpc>
+            </a:pPr>
+            <a:r>
+              <a:rPr lang="en-CA" sz="2800" b="0" strike="noStrike" spc="-1" dirty="0">
+                <a:latin typeface="Calibri" panose="020F0502020204030204" pitchFamily="34" charset="0"/>
+                <a:ea typeface="Calibri" panose="020F0502020204030204" pitchFamily="34" charset="0"/>
+                <a:cs typeface="Calibri" panose="020F0502020204030204" pitchFamily="34" charset="0"/>
+              </a:rPr>
+              <a:t>Numerous other areas of astrophysics stand to benefit greatly from low-to-zero read noise detectors, including:</a:t>
+            </a:r>
+          </a:p>
+          <a:p>
+            <a:pPr marL="457200" indent="-457200" algn="just">
+              <a:lnSpc>
+                <a:spcPct val="90000"/>
+              </a:lnSpc>
+              <a:buFont typeface="Arial" panose="020B0604020202020204" pitchFamily="34" charset="0"/>
+              <a:buChar char="•"/>
+            </a:pPr>
+            <a:r>
+              <a:rPr lang="en-CA" sz="2800" spc="-1" dirty="0">
+                <a:latin typeface="Calibri" panose="020F0502020204030204" pitchFamily="34" charset="0"/>
+                <a:ea typeface="Calibri" panose="020F0502020204030204" pitchFamily="34" charset="0"/>
+                <a:cs typeface="Calibri" panose="020F0502020204030204" pitchFamily="34" charset="0"/>
+              </a:rPr>
+              <a:t>Extremely high resolution spectrographs with automatic sky line removal</a:t>
+            </a:r>
+          </a:p>
+          <a:p>
+            <a:pPr marL="457200" indent="-457200" algn="just">
+              <a:lnSpc>
+                <a:spcPct val="90000"/>
+              </a:lnSpc>
+              <a:buFont typeface="Arial" panose="020B0604020202020204" pitchFamily="34" charset="0"/>
+              <a:buChar char="•"/>
+            </a:pPr>
+            <a:r>
+              <a:rPr lang="en-CA" sz="2800" b="0" strike="noStrike" spc="-1" dirty="0">
+                <a:latin typeface="Calibri" panose="020F0502020204030204" pitchFamily="34" charset="0"/>
+                <a:ea typeface="Calibri" panose="020F0502020204030204" pitchFamily="34" charset="0"/>
+                <a:cs typeface="Calibri" panose="020F0502020204030204" pitchFamily="34" charset="0"/>
+              </a:rPr>
+              <a:t>Exoplanet direct imaging/spectroscopy [10]</a:t>
+            </a:r>
+          </a:p>
+          <a:p>
+            <a:pPr marL="457200" indent="-457200" algn="just">
+              <a:lnSpc>
+                <a:spcPct val="90000"/>
+              </a:lnSpc>
+              <a:buFont typeface="Arial" panose="020B0604020202020204" pitchFamily="34" charset="0"/>
+              <a:buChar char="•"/>
+            </a:pPr>
+            <a:r>
+              <a:rPr lang="en-CA" sz="2800" b="0" strike="noStrike" spc="-1" dirty="0">
+                <a:latin typeface="Calibri" panose="020F0502020204030204" pitchFamily="34" charset="0"/>
+                <a:ea typeface="Calibri" panose="020F0502020204030204" pitchFamily="34" charset="0"/>
+                <a:cs typeface="Calibri" panose="020F0502020204030204" pitchFamily="34" charset="0"/>
+              </a:rPr>
+              <a:t>Flagship missions, such as the Habitable Worlds Observatory and upcoming                30-m class telescopes [4, 10]</a:t>
+            </a:r>
+          </a:p>
+          <a:p>
+            <a:pPr marL="457200" indent="-457200" algn="just">
+              <a:lnSpc>
+                <a:spcPct val="90000"/>
+              </a:lnSpc>
+              <a:buFont typeface="Arial" panose="020B0604020202020204" pitchFamily="34" charset="0"/>
+              <a:buChar char="•"/>
+            </a:pPr>
+            <a:r>
+              <a:rPr lang="en-CA" sz="2800" spc="-1" dirty="0">
+                <a:latin typeface="Calibri" panose="020F0502020204030204" pitchFamily="34" charset="0"/>
+                <a:ea typeface="Calibri" panose="020F0502020204030204" pitchFamily="34" charset="0"/>
+                <a:cs typeface="Calibri" panose="020F0502020204030204" pitchFamily="34" charset="0"/>
+              </a:rPr>
+              <a:t>Dark matter detectors with long exposure times and expected signals of 1-2 e</a:t>
+            </a:r>
+            <a:r>
+              <a:rPr lang="en-CA" sz="2800" spc="-1" baseline="30000" dirty="0">
+                <a:latin typeface="Calibri" panose="020F0502020204030204" pitchFamily="34" charset="0"/>
+                <a:ea typeface="Calibri" panose="020F0502020204030204" pitchFamily="34" charset="0"/>
+                <a:cs typeface="Calibri" panose="020F0502020204030204" pitchFamily="34" charset="0"/>
+              </a:rPr>
+              <a:t>-</a:t>
+            </a:r>
+          </a:p>
+          <a:p>
+            <a:pPr algn="just">
+              <a:lnSpc>
+                <a:spcPct val="90000"/>
+              </a:lnSpc>
+            </a:pPr>
+            <a:endParaRPr lang="en-CA" sz="2800" b="0" strike="noStrike" spc="-1" dirty="0">
+              <a:latin typeface="Calibri" panose="020F0502020204030204" pitchFamily="34" charset="0"/>
+              <a:ea typeface="Calibri" panose="020F0502020204030204" pitchFamily="34" charset="0"/>
+              <a:cs typeface="Calibri" panose="020F0502020204030204" pitchFamily="34" charset="0"/>
+            </a:endParaRPr>
+          </a:p>
+          <a:p>
+            <a:pPr algn="ctr">
+              <a:lnSpc>
+                <a:spcPct val="90000"/>
+              </a:lnSpc>
+            </a:pPr>
+            <a:r>
+              <a:rPr lang="en-CA" sz="4800" i="1" spc="-1" dirty="0">
+                <a:latin typeface="Calibri" panose="020F0502020204030204" pitchFamily="34" charset="0"/>
+                <a:ea typeface="Calibri" panose="020F0502020204030204" pitchFamily="34" charset="0"/>
+                <a:cs typeface="Calibri" panose="020F0502020204030204" pitchFamily="34" charset="0"/>
+              </a:rPr>
+              <a:t>Will these detectors work for you? Contact us!</a:t>
+            </a:r>
+          </a:p>
+          <a:p>
+            <a:pPr algn="ctr">
+              <a:lnSpc>
+                <a:spcPct val="90000"/>
+              </a:lnSpc>
+            </a:pPr>
+            <a:r>
+              <a:rPr lang="en-CA" sz="4800" b="0" strike="noStrike" spc="-1" dirty="0">
+                <a:latin typeface="Calibri" panose="020F0502020204030204" pitchFamily="34" charset="0"/>
+                <a:ea typeface="Calibri" panose="020F0502020204030204" pitchFamily="34" charset="0"/>
+                <a:cs typeface="Calibri" panose="020F0502020204030204" pitchFamily="34" charset="0"/>
+              </a:rPr>
+              <a:t>baparker@arizona.edu</a:t>
+            </a:r>
+          </a:p>
+          <a:p>
+            <a:pPr algn="just">
+              <a:lnSpc>
+                <a:spcPct val="90000"/>
+              </a:lnSpc>
+            </a:pPr>
+            <a:endParaRPr lang="en-CA" sz="2800" b="0" strike="noStrike" spc="-1" dirty="0">
+              <a:latin typeface="Calibri" panose="020F0502020204030204" pitchFamily="34" charset="0"/>
+              <a:ea typeface="Calibri" panose="020F0502020204030204" pitchFamily="34" charset="0"/>
+              <a:cs typeface="Calibri" panose="020F0502020204030204" pitchFamily="34" charset="0"/>
             </a:endParaRPr>
           </a:p>
         </p:txBody>
       </p:sp>
     </p:spTree>
   </p:cSld>
-  <mc:AlternateContent>
-    <mc:Choice Requires="p14">
-      <p:transition spd="slow" p14:dur="2000"/>
-    </mc:Choice>
-    <mc:Fallback>
-      <p:transition spd="slow"/>
-    </mc:Fallback>
-  </mc:AlternateContent>
+  <p:clrMapOvr>
+    <a:masterClrMapping/>
+  </p:clrMapOvr>
 </p:sld>
 </file>
 
@@ -3114,34 +7628,34 @@
         <a:sysClr val="window" lastClr="FFFFFF"/>
       </a:lt1>
       <a:dk2>
-        <a:srgbClr val="44546a"/>
+        <a:srgbClr val="44546A"/>
       </a:dk2>
       <a:lt2>
-        <a:srgbClr val="e7e6e6"/>
+        <a:srgbClr val="E7E6E6"/>
       </a:lt2>
       <a:accent1>
-        <a:srgbClr val="4472c4"/>
+        <a:srgbClr val="4472C4"/>
       </a:accent1>
       <a:accent2>
-        <a:srgbClr val="ed7d31"/>
+        <a:srgbClr val="ED7D31"/>
       </a:accent2>
       <a:accent3>
-        <a:srgbClr val="a5a5a5"/>
+        <a:srgbClr val="A5A5A5"/>
       </a:accent3>
       <a:accent4>
-        <a:srgbClr val="ffc000"/>
+        <a:srgbClr val="FFC000"/>
       </a:accent4>
       <a:accent5>
-        <a:srgbClr val="5b9bd5"/>
+        <a:srgbClr val="5B9BD5"/>
       </a:accent5>
       <a:accent6>
-        <a:srgbClr val="70ad47"/>
+        <a:srgbClr val="70AD47"/>
       </a:accent6>
       <a:hlink>
-        <a:srgbClr val="0563c1"/>
+        <a:srgbClr val="0563C1"/>
       </a:hlink>
       <a:folHlink>
-        <a:srgbClr val="954f72"/>
+        <a:srgbClr val="954F72"/>
       </a:folHlink>
     </a:clrScheme>
     <a:fontScheme name="Office">
@@ -3326,5 +7840,7 @@
       </a:bgFillStyleLst>
     </a:fmtScheme>
   </a:themeElements>
+  <a:objectDefaults/>
+  <a:extraClrSchemeLst/>
 </a:theme>
 </file>